--- a/Presentations/Unit 3/CS8392-U3-2-Input-and-Output.pptx
+++ b/Presentations/Unit 3/CS8392-U3-2-Input-and-Output.pptx
@@ -5,34 +5,35 @@
     <p:sldMasterId id="2147483648" r:id="rId1"/>
   </p:sldMasterIdLst>
   <p:notesMasterIdLst>
-    <p:notesMasterId r:id="rId27"/>
+    <p:notesMasterId r:id="rId28"/>
   </p:notesMasterIdLst>
   <p:sldIdLst>
     <p:sldId id="256" r:id="rId2"/>
     <p:sldId id="273" r:id="rId3"/>
-    <p:sldId id="274" r:id="rId4"/>
-    <p:sldId id="275" r:id="rId5"/>
-    <p:sldId id="277" r:id="rId6"/>
-    <p:sldId id="276" r:id="rId7"/>
-    <p:sldId id="279" r:id="rId8"/>
-    <p:sldId id="278" r:id="rId9"/>
-    <p:sldId id="280" r:id="rId10"/>
-    <p:sldId id="281" r:id="rId11"/>
-    <p:sldId id="282" r:id="rId12"/>
-    <p:sldId id="283" r:id="rId13"/>
-    <p:sldId id="284" r:id="rId14"/>
-    <p:sldId id="285" r:id="rId15"/>
-    <p:sldId id="286" r:id="rId16"/>
-    <p:sldId id="287" r:id="rId17"/>
-    <p:sldId id="295" r:id="rId18"/>
-    <p:sldId id="296" r:id="rId19"/>
-    <p:sldId id="288" r:id="rId20"/>
-    <p:sldId id="290" r:id="rId21"/>
-    <p:sldId id="291" r:id="rId22"/>
-    <p:sldId id="292" r:id="rId23"/>
-    <p:sldId id="293" r:id="rId24"/>
-    <p:sldId id="294" r:id="rId25"/>
-    <p:sldId id="272" r:id="rId26"/>
+    <p:sldId id="299" r:id="rId4"/>
+    <p:sldId id="274" r:id="rId5"/>
+    <p:sldId id="275" r:id="rId6"/>
+    <p:sldId id="297" r:id="rId7"/>
+    <p:sldId id="298" r:id="rId8"/>
+    <p:sldId id="277" r:id="rId9"/>
+    <p:sldId id="276" r:id="rId10"/>
+    <p:sldId id="279" r:id="rId11"/>
+    <p:sldId id="278" r:id="rId12"/>
+    <p:sldId id="280" r:id="rId13"/>
+    <p:sldId id="281" r:id="rId14"/>
+    <p:sldId id="283" r:id="rId15"/>
+    <p:sldId id="285" r:id="rId16"/>
+    <p:sldId id="286" r:id="rId17"/>
+    <p:sldId id="287" r:id="rId18"/>
+    <p:sldId id="295" r:id="rId19"/>
+    <p:sldId id="296" r:id="rId20"/>
+    <p:sldId id="288" r:id="rId21"/>
+    <p:sldId id="290" r:id="rId22"/>
+    <p:sldId id="291" r:id="rId23"/>
+    <p:sldId id="292" r:id="rId24"/>
+    <p:sldId id="293" r:id="rId25"/>
+    <p:sldId id="294" r:id="rId26"/>
+    <p:sldId id="272" r:id="rId27"/>
   </p:sldIdLst>
   <p:sldSz cx="9144000" cy="6858000" type="screen4x3"/>
   <p:notesSz cx="6858000" cy="9144000"/>
@@ -4504,37 +4505,37 @@
   </dgm:ptLst>
   <dgm:cxnLst>
     <dgm:cxn modelId="{FFB359FE-4EE8-41BF-AB39-6FE16DC4D6EA}" srcId="{956B17DC-2C95-4E06-B810-DD5CA493BF78}" destId="{634777A9-231D-4A0F-BCDC-446289EF55D9}" srcOrd="1" destOrd="0" parTransId="{19D50460-99F2-467F-A347-D15F32450242}" sibTransId="{3DBDDEBB-E8E9-4C5E-AF46-6C67E42517CD}"/>
-    <dgm:cxn modelId="{3321FEC6-C316-4753-BCB5-EC87DFC40863}" type="presOf" srcId="{19D50460-99F2-467F-A347-D15F32450242}" destId="{383B315B-93D8-4BB6-9292-A7467A6BD999}" srcOrd="0" destOrd="0" presId="urn:microsoft.com/office/officeart/2005/8/layout/orgChart1"/>
-    <dgm:cxn modelId="{38362E8E-37DA-4201-BA05-0A1112DC6CA2}" type="presOf" srcId="{9CE0A438-97F8-4647-A9FB-2B08D752922B}" destId="{7E2B22AD-24DF-4937-90CE-CD6422006E09}" srcOrd="0" destOrd="0" presId="urn:microsoft.com/office/officeart/2005/8/layout/orgChart1"/>
+    <dgm:cxn modelId="{60311DF4-F5C7-4521-8B59-D22AFCD369C0}" type="presOf" srcId="{840BDAEE-643D-4C84-95D7-E30F2FCC0D15}" destId="{363274B1-C6CF-4D7C-9CAE-BDAE04C1D4B2}" srcOrd="0" destOrd="0" presId="urn:microsoft.com/office/officeart/2005/8/layout/orgChart1"/>
+    <dgm:cxn modelId="{67A1C656-5737-4001-8C60-21E963161B0B}" type="presOf" srcId="{956B17DC-2C95-4E06-B810-DD5CA493BF78}" destId="{A2B6118C-07AD-4C8B-BE56-16F635147B25}" srcOrd="1" destOrd="0" presId="urn:microsoft.com/office/officeart/2005/8/layout/orgChart1"/>
+    <dgm:cxn modelId="{8C7B708A-2A99-4193-A74E-36059BD6DE74}" type="presOf" srcId="{19D50460-99F2-467F-A347-D15F32450242}" destId="{383B315B-93D8-4BB6-9292-A7467A6BD999}" srcOrd="0" destOrd="0" presId="urn:microsoft.com/office/officeart/2005/8/layout/orgChart1"/>
+    <dgm:cxn modelId="{531145BE-5A1E-4763-BAB3-6F8AC62DC30D}" type="presOf" srcId="{9CE0A438-97F8-4647-A9FB-2B08D752922B}" destId="{7E2B22AD-24DF-4937-90CE-CD6422006E09}" srcOrd="0" destOrd="0" presId="urn:microsoft.com/office/officeart/2005/8/layout/orgChart1"/>
     <dgm:cxn modelId="{885931B0-28EA-41AF-90B0-238DB613E08C}" srcId="{03F285E3-3744-4A7E-93F2-26617D693A08}" destId="{956B17DC-2C95-4E06-B810-DD5CA493BF78}" srcOrd="0" destOrd="0" parTransId="{7E8B7CE7-8AF2-4DC5-8301-8DA5611DBB38}" sibTransId="{25FF72EE-27B8-4321-ABBF-82DE8946766F}"/>
-    <dgm:cxn modelId="{43811876-4A58-4228-AD2C-6B3C495C6466}" type="presOf" srcId="{03F285E3-3744-4A7E-93F2-26617D693A08}" destId="{AAB3E443-3734-4B68-8876-9560E80A50D7}" srcOrd="0" destOrd="0" presId="urn:microsoft.com/office/officeart/2005/8/layout/orgChart1"/>
-    <dgm:cxn modelId="{54A1CFE5-7D9F-4890-AEF2-9F424E932DD3}" type="presOf" srcId="{634777A9-231D-4A0F-BCDC-446289EF55D9}" destId="{438F5A25-E0BE-4DE2-A543-75B7263FCF76}" srcOrd="0" destOrd="0" presId="urn:microsoft.com/office/officeart/2005/8/layout/orgChart1"/>
-    <dgm:cxn modelId="{38E1C66F-BE8D-4CF8-B33A-019E3FDB36F2}" type="presOf" srcId="{634777A9-231D-4A0F-BCDC-446289EF55D9}" destId="{D786FC2E-BBD2-4002-8CEE-741757BBB792}" srcOrd="1" destOrd="0" presId="urn:microsoft.com/office/officeart/2005/8/layout/orgChart1"/>
-    <dgm:cxn modelId="{13BEBB85-A5F3-4D28-8809-C2EC25A4375F}" type="presOf" srcId="{956B17DC-2C95-4E06-B810-DD5CA493BF78}" destId="{A2B6118C-07AD-4C8B-BE56-16F635147B25}" srcOrd="1" destOrd="0" presId="urn:microsoft.com/office/officeart/2005/8/layout/orgChart1"/>
-    <dgm:cxn modelId="{C44B30EA-BA58-45BF-9BB2-F415462A4000}" type="presOf" srcId="{840BDAEE-643D-4C84-95D7-E30F2FCC0D15}" destId="{65CD50E4-D472-4534-A395-294B715CE1C2}" srcOrd="1" destOrd="0" presId="urn:microsoft.com/office/officeart/2005/8/layout/orgChart1"/>
-    <dgm:cxn modelId="{9D4E1A7D-5167-4AF6-B6FF-1EE7166FA7CC}" type="presOf" srcId="{956B17DC-2C95-4E06-B810-DD5CA493BF78}" destId="{0EA68955-0B03-4132-B79C-83BF97C1751B}" srcOrd="0" destOrd="0" presId="urn:microsoft.com/office/officeart/2005/8/layout/orgChart1"/>
-    <dgm:cxn modelId="{3F6DF198-5B7C-4233-B33C-4E06672AF97C}" type="presOf" srcId="{840BDAEE-643D-4C84-95D7-E30F2FCC0D15}" destId="{363274B1-C6CF-4D7C-9CAE-BDAE04C1D4B2}" srcOrd="0" destOrd="0" presId="urn:microsoft.com/office/officeart/2005/8/layout/orgChart1"/>
+    <dgm:cxn modelId="{152EDF70-BE06-45E6-9677-E53569489D7A}" type="presOf" srcId="{634777A9-231D-4A0F-BCDC-446289EF55D9}" destId="{D786FC2E-BBD2-4002-8CEE-741757BBB792}" srcOrd="1" destOrd="0" presId="urn:microsoft.com/office/officeart/2005/8/layout/orgChart1"/>
+    <dgm:cxn modelId="{78960E12-E6D3-46A5-8DB7-222DD2C01DA8}" type="presOf" srcId="{840BDAEE-643D-4C84-95D7-E30F2FCC0D15}" destId="{65CD50E4-D472-4534-A395-294B715CE1C2}" srcOrd="1" destOrd="0" presId="urn:microsoft.com/office/officeart/2005/8/layout/orgChart1"/>
+    <dgm:cxn modelId="{EF876BD3-1A51-4DF5-AD4B-B8D14DA0476D}" type="presOf" srcId="{956B17DC-2C95-4E06-B810-DD5CA493BF78}" destId="{0EA68955-0B03-4132-B79C-83BF97C1751B}" srcOrd="0" destOrd="0" presId="urn:microsoft.com/office/officeart/2005/8/layout/orgChart1"/>
+    <dgm:cxn modelId="{23237EA9-BE66-433B-8B3D-FDB8A782AC27}" type="presOf" srcId="{634777A9-231D-4A0F-BCDC-446289EF55D9}" destId="{438F5A25-E0BE-4DE2-A543-75B7263FCF76}" srcOrd="0" destOrd="0" presId="urn:microsoft.com/office/officeart/2005/8/layout/orgChart1"/>
+    <dgm:cxn modelId="{5901D4CE-9305-4F57-9E22-01883435B180}" type="presOf" srcId="{03F285E3-3744-4A7E-93F2-26617D693A08}" destId="{AAB3E443-3734-4B68-8876-9560E80A50D7}" srcOrd="0" destOrd="0" presId="urn:microsoft.com/office/officeart/2005/8/layout/orgChart1"/>
     <dgm:cxn modelId="{6C60D999-AF6E-44DE-9195-33EC1193A8F6}" srcId="{956B17DC-2C95-4E06-B810-DD5CA493BF78}" destId="{840BDAEE-643D-4C84-95D7-E30F2FCC0D15}" srcOrd="0" destOrd="0" parTransId="{9CE0A438-97F8-4647-A9FB-2B08D752922B}" sibTransId="{4EC20BBE-C253-4949-9240-C4041901BBB2}"/>
-    <dgm:cxn modelId="{694DA0D1-E957-451E-897B-BB904EA412D2}" type="presParOf" srcId="{AAB3E443-3734-4B68-8876-9560E80A50D7}" destId="{46732DBD-9621-4E92-B62C-FA6A7AA7F493}" srcOrd="0" destOrd="0" presId="urn:microsoft.com/office/officeart/2005/8/layout/orgChart1"/>
-    <dgm:cxn modelId="{44613950-5436-476E-872D-3EE417DE597A}" type="presParOf" srcId="{46732DBD-9621-4E92-B62C-FA6A7AA7F493}" destId="{C01FF65E-2850-4A57-809D-79F719D63148}" srcOrd="0" destOrd="0" presId="urn:microsoft.com/office/officeart/2005/8/layout/orgChart1"/>
-    <dgm:cxn modelId="{C12D75A9-EBDD-4D3D-8246-385FF2C05CBD}" type="presParOf" srcId="{C01FF65E-2850-4A57-809D-79F719D63148}" destId="{0EA68955-0B03-4132-B79C-83BF97C1751B}" srcOrd="0" destOrd="0" presId="urn:microsoft.com/office/officeart/2005/8/layout/orgChart1"/>
-    <dgm:cxn modelId="{0DBD0769-9E16-4CBE-9B45-3857FC5EC0C2}" type="presParOf" srcId="{C01FF65E-2850-4A57-809D-79F719D63148}" destId="{A2B6118C-07AD-4C8B-BE56-16F635147B25}" srcOrd="1" destOrd="0" presId="urn:microsoft.com/office/officeart/2005/8/layout/orgChart1"/>
-    <dgm:cxn modelId="{ED5A1957-55D4-4F30-9110-2A81DA3A54BF}" type="presParOf" srcId="{46732DBD-9621-4E92-B62C-FA6A7AA7F493}" destId="{ABF5E9A1-3B39-4EB0-8EA8-2BD6B7C2BDE3}" srcOrd="1" destOrd="0" presId="urn:microsoft.com/office/officeart/2005/8/layout/orgChart1"/>
-    <dgm:cxn modelId="{61C1DC85-9A27-42E7-9AFF-ED4283BDA0BA}" type="presParOf" srcId="{ABF5E9A1-3B39-4EB0-8EA8-2BD6B7C2BDE3}" destId="{7E2B22AD-24DF-4937-90CE-CD6422006E09}" srcOrd="0" destOrd="0" presId="urn:microsoft.com/office/officeart/2005/8/layout/orgChart1"/>
-    <dgm:cxn modelId="{69B6A53E-ABE2-481E-BB5C-35E84B4535D2}" type="presParOf" srcId="{ABF5E9A1-3B39-4EB0-8EA8-2BD6B7C2BDE3}" destId="{AF7D7150-B7B4-49FC-87E8-548936E5EA78}" srcOrd="1" destOrd="0" presId="urn:microsoft.com/office/officeart/2005/8/layout/orgChart1"/>
-    <dgm:cxn modelId="{664271B0-119A-4680-99B9-AA568093B958}" type="presParOf" srcId="{AF7D7150-B7B4-49FC-87E8-548936E5EA78}" destId="{B27C260F-AB08-4455-8856-788632E59373}" srcOrd="0" destOrd="0" presId="urn:microsoft.com/office/officeart/2005/8/layout/orgChart1"/>
-    <dgm:cxn modelId="{CE15D023-2277-4B73-B1E4-A94D4C2B07CE}" type="presParOf" srcId="{B27C260F-AB08-4455-8856-788632E59373}" destId="{363274B1-C6CF-4D7C-9CAE-BDAE04C1D4B2}" srcOrd="0" destOrd="0" presId="urn:microsoft.com/office/officeart/2005/8/layout/orgChart1"/>
-    <dgm:cxn modelId="{17A43D6F-775F-4086-A91E-36D1CB28D9E9}" type="presParOf" srcId="{B27C260F-AB08-4455-8856-788632E59373}" destId="{65CD50E4-D472-4534-A395-294B715CE1C2}" srcOrd="1" destOrd="0" presId="urn:microsoft.com/office/officeart/2005/8/layout/orgChart1"/>
-    <dgm:cxn modelId="{442CC7F4-32A0-4B70-9C79-CC67D849F9DE}" type="presParOf" srcId="{AF7D7150-B7B4-49FC-87E8-548936E5EA78}" destId="{3AEF4B05-03EA-4414-AF7C-29CB650FA5E4}" srcOrd="1" destOrd="0" presId="urn:microsoft.com/office/officeart/2005/8/layout/orgChart1"/>
-    <dgm:cxn modelId="{E732DE5C-0A60-4459-B1D9-65EAF3E9197B}" type="presParOf" srcId="{AF7D7150-B7B4-49FC-87E8-548936E5EA78}" destId="{9C2537A2-6F4A-4BDE-8AE3-9EC8DFDFA68D}" srcOrd="2" destOrd="0" presId="urn:microsoft.com/office/officeart/2005/8/layout/orgChart1"/>
-    <dgm:cxn modelId="{7E06C159-C8EF-480D-B975-5F545EFFFC25}" type="presParOf" srcId="{ABF5E9A1-3B39-4EB0-8EA8-2BD6B7C2BDE3}" destId="{383B315B-93D8-4BB6-9292-A7467A6BD999}" srcOrd="2" destOrd="0" presId="urn:microsoft.com/office/officeart/2005/8/layout/orgChart1"/>
-    <dgm:cxn modelId="{B0652110-2249-44F9-B7B5-853321C7E5FA}" type="presParOf" srcId="{ABF5E9A1-3B39-4EB0-8EA8-2BD6B7C2BDE3}" destId="{CE1D0F76-299B-4174-ABB6-D910D4C6934E}" srcOrd="3" destOrd="0" presId="urn:microsoft.com/office/officeart/2005/8/layout/orgChart1"/>
-    <dgm:cxn modelId="{5FE09781-940C-49FE-9E73-5226F3F0B560}" type="presParOf" srcId="{CE1D0F76-299B-4174-ABB6-D910D4C6934E}" destId="{75B4B7FD-6A07-408F-9816-C42241D4D24F}" srcOrd="0" destOrd="0" presId="urn:microsoft.com/office/officeart/2005/8/layout/orgChart1"/>
-    <dgm:cxn modelId="{8BBCA4ED-65D8-409F-ABEE-997C84E67262}" type="presParOf" srcId="{75B4B7FD-6A07-408F-9816-C42241D4D24F}" destId="{438F5A25-E0BE-4DE2-A543-75B7263FCF76}" srcOrd="0" destOrd="0" presId="urn:microsoft.com/office/officeart/2005/8/layout/orgChart1"/>
-    <dgm:cxn modelId="{CB9241CC-F688-4021-942F-B6A899769F95}" type="presParOf" srcId="{75B4B7FD-6A07-408F-9816-C42241D4D24F}" destId="{D786FC2E-BBD2-4002-8CEE-741757BBB792}" srcOrd="1" destOrd="0" presId="urn:microsoft.com/office/officeart/2005/8/layout/orgChart1"/>
-    <dgm:cxn modelId="{026D4929-593B-4972-998F-3DED34DEF6ED}" type="presParOf" srcId="{CE1D0F76-299B-4174-ABB6-D910D4C6934E}" destId="{EDA2CC02-A6A7-484B-8811-BC44CFCB5EF7}" srcOrd="1" destOrd="0" presId="urn:microsoft.com/office/officeart/2005/8/layout/orgChart1"/>
-    <dgm:cxn modelId="{05BA64AE-72E0-40CA-BA18-EFD6DB0E1BE4}" type="presParOf" srcId="{CE1D0F76-299B-4174-ABB6-D910D4C6934E}" destId="{12D066F9-C62E-413B-A8A2-0C65703D4FD3}" srcOrd="2" destOrd="0" presId="urn:microsoft.com/office/officeart/2005/8/layout/orgChart1"/>
-    <dgm:cxn modelId="{5E98D0AE-C025-45FE-801F-2945379D5AB8}" type="presParOf" srcId="{46732DBD-9621-4E92-B62C-FA6A7AA7F493}" destId="{DC9A2E96-A113-412A-A269-19D6363E13F4}" srcOrd="2" destOrd="0" presId="urn:microsoft.com/office/officeart/2005/8/layout/orgChart1"/>
+    <dgm:cxn modelId="{E95EB5ED-DE01-4D12-99D9-A6F0A2F7ED43}" type="presParOf" srcId="{AAB3E443-3734-4B68-8876-9560E80A50D7}" destId="{46732DBD-9621-4E92-B62C-FA6A7AA7F493}" srcOrd="0" destOrd="0" presId="urn:microsoft.com/office/officeart/2005/8/layout/orgChart1"/>
+    <dgm:cxn modelId="{7C7E7290-9773-463A-87F1-4A2B4176F1B9}" type="presParOf" srcId="{46732DBD-9621-4E92-B62C-FA6A7AA7F493}" destId="{C01FF65E-2850-4A57-809D-79F719D63148}" srcOrd="0" destOrd="0" presId="urn:microsoft.com/office/officeart/2005/8/layout/orgChart1"/>
+    <dgm:cxn modelId="{721F8647-DAEC-4A7A-9A56-009A66CDE690}" type="presParOf" srcId="{C01FF65E-2850-4A57-809D-79F719D63148}" destId="{0EA68955-0B03-4132-B79C-83BF97C1751B}" srcOrd="0" destOrd="0" presId="urn:microsoft.com/office/officeart/2005/8/layout/orgChart1"/>
+    <dgm:cxn modelId="{35F9FF57-898A-4888-B6F0-0F590DCE7F4D}" type="presParOf" srcId="{C01FF65E-2850-4A57-809D-79F719D63148}" destId="{A2B6118C-07AD-4C8B-BE56-16F635147B25}" srcOrd="1" destOrd="0" presId="urn:microsoft.com/office/officeart/2005/8/layout/orgChart1"/>
+    <dgm:cxn modelId="{6454269A-55CB-4214-8CA4-600DFC4AB9EA}" type="presParOf" srcId="{46732DBD-9621-4E92-B62C-FA6A7AA7F493}" destId="{ABF5E9A1-3B39-4EB0-8EA8-2BD6B7C2BDE3}" srcOrd="1" destOrd="0" presId="urn:microsoft.com/office/officeart/2005/8/layout/orgChart1"/>
+    <dgm:cxn modelId="{0D999E11-366D-45BF-9F04-4A9DD9E58FD9}" type="presParOf" srcId="{ABF5E9A1-3B39-4EB0-8EA8-2BD6B7C2BDE3}" destId="{7E2B22AD-24DF-4937-90CE-CD6422006E09}" srcOrd="0" destOrd="0" presId="urn:microsoft.com/office/officeart/2005/8/layout/orgChart1"/>
+    <dgm:cxn modelId="{9282ACFF-ED1C-4845-92DD-3CFB6D5E2AAA}" type="presParOf" srcId="{ABF5E9A1-3B39-4EB0-8EA8-2BD6B7C2BDE3}" destId="{AF7D7150-B7B4-49FC-87E8-548936E5EA78}" srcOrd="1" destOrd="0" presId="urn:microsoft.com/office/officeart/2005/8/layout/orgChart1"/>
+    <dgm:cxn modelId="{CB47DEF5-566D-4AC5-9F02-3D98924A96D7}" type="presParOf" srcId="{AF7D7150-B7B4-49FC-87E8-548936E5EA78}" destId="{B27C260F-AB08-4455-8856-788632E59373}" srcOrd="0" destOrd="0" presId="urn:microsoft.com/office/officeart/2005/8/layout/orgChart1"/>
+    <dgm:cxn modelId="{18527ECC-A5F7-439A-9675-090496147FCA}" type="presParOf" srcId="{B27C260F-AB08-4455-8856-788632E59373}" destId="{363274B1-C6CF-4D7C-9CAE-BDAE04C1D4B2}" srcOrd="0" destOrd="0" presId="urn:microsoft.com/office/officeart/2005/8/layout/orgChart1"/>
+    <dgm:cxn modelId="{1DD9E7D7-CBED-4AA0-9F0B-D9CE28A7ADDD}" type="presParOf" srcId="{B27C260F-AB08-4455-8856-788632E59373}" destId="{65CD50E4-D472-4534-A395-294B715CE1C2}" srcOrd="1" destOrd="0" presId="urn:microsoft.com/office/officeart/2005/8/layout/orgChart1"/>
+    <dgm:cxn modelId="{AE08FB0B-3881-4F04-84A2-3E273D6C315A}" type="presParOf" srcId="{AF7D7150-B7B4-49FC-87E8-548936E5EA78}" destId="{3AEF4B05-03EA-4414-AF7C-29CB650FA5E4}" srcOrd="1" destOrd="0" presId="urn:microsoft.com/office/officeart/2005/8/layout/orgChart1"/>
+    <dgm:cxn modelId="{A4606CEF-1293-428C-94EC-2C5D09193368}" type="presParOf" srcId="{AF7D7150-B7B4-49FC-87E8-548936E5EA78}" destId="{9C2537A2-6F4A-4BDE-8AE3-9EC8DFDFA68D}" srcOrd="2" destOrd="0" presId="urn:microsoft.com/office/officeart/2005/8/layout/orgChart1"/>
+    <dgm:cxn modelId="{833F881A-94EE-4C91-9108-C077979F532D}" type="presParOf" srcId="{ABF5E9A1-3B39-4EB0-8EA8-2BD6B7C2BDE3}" destId="{383B315B-93D8-4BB6-9292-A7467A6BD999}" srcOrd="2" destOrd="0" presId="urn:microsoft.com/office/officeart/2005/8/layout/orgChart1"/>
+    <dgm:cxn modelId="{BC9E0DE3-3B23-4823-8015-81B89E630399}" type="presParOf" srcId="{ABF5E9A1-3B39-4EB0-8EA8-2BD6B7C2BDE3}" destId="{CE1D0F76-299B-4174-ABB6-D910D4C6934E}" srcOrd="3" destOrd="0" presId="urn:microsoft.com/office/officeart/2005/8/layout/orgChart1"/>
+    <dgm:cxn modelId="{A9313B75-C031-4349-B817-9E21DF8AAB7C}" type="presParOf" srcId="{CE1D0F76-299B-4174-ABB6-D910D4C6934E}" destId="{75B4B7FD-6A07-408F-9816-C42241D4D24F}" srcOrd="0" destOrd="0" presId="urn:microsoft.com/office/officeart/2005/8/layout/orgChart1"/>
+    <dgm:cxn modelId="{869DE78B-EE1B-4CFC-A9B3-4184E7C5215E}" type="presParOf" srcId="{75B4B7FD-6A07-408F-9816-C42241D4D24F}" destId="{438F5A25-E0BE-4DE2-A543-75B7263FCF76}" srcOrd="0" destOrd="0" presId="urn:microsoft.com/office/officeart/2005/8/layout/orgChart1"/>
+    <dgm:cxn modelId="{7654E0C2-068C-468E-8F38-83413BBCBA53}" type="presParOf" srcId="{75B4B7FD-6A07-408F-9816-C42241D4D24F}" destId="{D786FC2E-BBD2-4002-8CEE-741757BBB792}" srcOrd="1" destOrd="0" presId="urn:microsoft.com/office/officeart/2005/8/layout/orgChart1"/>
+    <dgm:cxn modelId="{63A1FFAA-9E53-48C3-B168-CF34996D7DBD}" type="presParOf" srcId="{CE1D0F76-299B-4174-ABB6-D910D4C6934E}" destId="{EDA2CC02-A6A7-484B-8811-BC44CFCB5EF7}" srcOrd="1" destOrd="0" presId="urn:microsoft.com/office/officeart/2005/8/layout/orgChart1"/>
+    <dgm:cxn modelId="{76AE72C4-99E7-41A2-BD12-F3CCD5C30154}" type="presParOf" srcId="{CE1D0F76-299B-4174-ABB6-D910D4C6934E}" destId="{12D066F9-C62E-413B-A8A2-0C65703D4FD3}" srcOrd="2" destOrd="0" presId="urn:microsoft.com/office/officeart/2005/8/layout/orgChart1"/>
+    <dgm:cxn modelId="{4DF0B250-4A17-4E5C-8EBB-8CE4FDA6CC01}" type="presParOf" srcId="{46732DBD-9621-4E92-B62C-FA6A7AA7F493}" destId="{DC9A2E96-A113-412A-A269-19D6363E13F4}" srcOrd="2" destOrd="0" presId="urn:microsoft.com/office/officeart/2005/8/layout/orgChart1"/>
   </dgm:cxnLst>
   <dgm:bg/>
   <dgm:whole/>
@@ -13785,7 +13786,7 @@
             <a:fld id="{9515075B-F3F0-4441-A1BD-B7B515B708FF}" type="datetimeFigureOut">
               <a:rPr lang="en-US" smtClean="0"/>
               <a:pPr/>
-              <a:t>8/27/2018</a:t>
+              <a:t>7/23/2019</a:t>
             </a:fld>
             <a:endParaRPr lang="en-US"/>
           </a:p>
@@ -14119,7 +14120,7 @@
             <a:fld id="{7399046D-0A48-46A7-81AC-1A4C0754FE96}" type="slidenum">
               <a:rPr lang="en-US" smtClean="0"/>
               <a:pPr/>
-              <a:t>8</a:t>
+              <a:t>11</a:t>
             </a:fld>
             <a:endParaRPr lang="en-US"/>
           </a:p>
@@ -14322,7 +14323,7 @@
             <a:fld id="{6E658DF8-B8C0-4C7F-85EB-B53A2DDD44A9}" type="datetimeFigureOut">
               <a:rPr lang="en-US" smtClean="0"/>
               <a:pPr/>
-              <a:t>8/27/2018</a:t>
+              <a:t>7/23/2019</a:t>
             </a:fld>
             <a:endParaRPr lang="en-US"/>
           </a:p>
@@ -14489,7 +14490,7 @@
             <a:fld id="{6E658DF8-B8C0-4C7F-85EB-B53A2DDD44A9}" type="datetimeFigureOut">
               <a:rPr lang="en-US" smtClean="0"/>
               <a:pPr/>
-              <a:t>8/27/2018</a:t>
+              <a:t>7/23/2019</a:t>
             </a:fld>
             <a:endParaRPr lang="en-US"/>
           </a:p>
@@ -14666,7 +14667,7 @@
             <a:fld id="{6E658DF8-B8C0-4C7F-85EB-B53A2DDD44A9}" type="datetimeFigureOut">
               <a:rPr lang="en-US" smtClean="0"/>
               <a:pPr/>
-              <a:t>8/27/2018</a:t>
+              <a:t>7/23/2019</a:t>
             </a:fld>
             <a:endParaRPr lang="en-US"/>
           </a:p>
@@ -14865,7 +14866,7 @@
             <a:fld id="{6E658DF8-B8C0-4C7F-85EB-B53A2DDD44A9}" type="datetimeFigureOut">
               <a:rPr lang="en-US" smtClean="0"/>
               <a:pPr/>
-              <a:t>8/27/2018</a:t>
+              <a:t>7/23/2019</a:t>
             </a:fld>
             <a:endParaRPr lang="en-US"/>
           </a:p>
@@ -15108,7 +15109,7 @@
             <a:fld id="{6E658DF8-B8C0-4C7F-85EB-B53A2DDD44A9}" type="datetimeFigureOut">
               <a:rPr lang="en-US" smtClean="0"/>
               <a:pPr/>
-              <a:t>8/27/2018</a:t>
+              <a:t>7/23/2019</a:t>
             </a:fld>
             <a:endParaRPr lang="en-US"/>
           </a:p>
@@ -15393,7 +15394,7 @@
             <a:fld id="{6E658DF8-B8C0-4C7F-85EB-B53A2DDD44A9}" type="datetimeFigureOut">
               <a:rPr lang="en-US" smtClean="0"/>
               <a:pPr/>
-              <a:t>8/27/2018</a:t>
+              <a:t>7/23/2019</a:t>
             </a:fld>
             <a:endParaRPr lang="en-US"/>
           </a:p>
@@ -15812,7 +15813,7 @@
             <a:fld id="{6E658DF8-B8C0-4C7F-85EB-B53A2DDD44A9}" type="datetimeFigureOut">
               <a:rPr lang="en-US" smtClean="0"/>
               <a:pPr/>
-              <a:t>8/27/2018</a:t>
+              <a:t>7/23/2019</a:t>
             </a:fld>
             <a:endParaRPr lang="en-US"/>
           </a:p>
@@ -15927,7 +15928,7 @@
             <a:fld id="{6E658DF8-B8C0-4C7F-85EB-B53A2DDD44A9}" type="datetimeFigureOut">
               <a:rPr lang="en-US" smtClean="0"/>
               <a:pPr/>
-              <a:t>8/27/2018</a:t>
+              <a:t>7/23/2019</a:t>
             </a:fld>
             <a:endParaRPr lang="en-US"/>
           </a:p>
@@ -16019,7 +16020,7 @@
             <a:fld id="{6E658DF8-B8C0-4C7F-85EB-B53A2DDD44A9}" type="datetimeFigureOut">
               <a:rPr lang="en-US" smtClean="0"/>
               <a:pPr/>
-              <a:t>8/27/2018</a:t>
+              <a:t>7/23/2019</a:t>
             </a:fld>
             <a:endParaRPr lang="en-US"/>
           </a:p>
@@ -16293,7 +16294,7 @@
             <a:fld id="{6E658DF8-B8C0-4C7F-85EB-B53A2DDD44A9}" type="datetimeFigureOut">
               <a:rPr lang="en-US" smtClean="0"/>
               <a:pPr/>
-              <a:t>8/27/2018</a:t>
+              <a:t>7/23/2019</a:t>
             </a:fld>
             <a:endParaRPr lang="en-US"/>
           </a:p>
@@ -16543,7 +16544,7 @@
             <a:fld id="{6E658DF8-B8C0-4C7F-85EB-B53A2DDD44A9}" type="datetimeFigureOut">
               <a:rPr lang="en-US" smtClean="0"/>
               <a:pPr/>
-              <a:t>8/27/2018</a:t>
+              <a:t>7/23/2019</a:t>
             </a:fld>
             <a:endParaRPr lang="en-US"/>
           </a:p>
@@ -16759,7 +16760,7 @@
             <a:fld id="{6E658DF8-B8C0-4C7F-85EB-B53A2DDD44A9}" type="datetimeFigureOut">
               <a:rPr lang="en-US" smtClean="0"/>
               <a:pPr/>
-              <a:t>8/27/2018</a:t>
+              <a:t>7/23/2019</a:t>
             </a:fld>
             <a:endParaRPr lang="en-US"/>
           </a:p>
@@ -17325,2848 +17326,6 @@
 </file>
 
 <file path=ppt/slides/slide10.xml><?xml version="1.0" encoding="utf-8"?>
-<p:sld xmlns:a="http://schemas.openxmlformats.org/drawingml/2006/main" xmlns:r="http://schemas.openxmlformats.org/officeDocument/2006/relationships" xmlns:p="http://schemas.openxmlformats.org/presentationml/2006/main">
-  <p:cSld>
-    <p:spTree>
-      <p:nvGrpSpPr>
-        <p:cNvPr id="1" name=""/>
-        <p:cNvGrpSpPr/>
-        <p:nvPr/>
-      </p:nvGrpSpPr>
-      <p:grpSpPr>
-        <a:xfrm>
-          <a:off x="0" y="0"/>
-          <a:ext cx="0" cy="0"/>
-          <a:chOff x="0" y="0"/>
-          <a:chExt cx="0" cy="0"/>
-        </a:xfrm>
-      </p:grpSpPr>
-      <p:sp>
-        <p:nvSpPr>
-          <p:cNvPr id="2" name="Title 1"/>
-          <p:cNvSpPr>
-            <a:spLocks noGrp="1"/>
-          </p:cNvSpPr>
-          <p:nvPr>
-            <p:ph type="title"/>
-          </p:nvPr>
-        </p:nvSpPr>
-        <p:spPr/>
-        <p:txBody>
-          <a:bodyPr/>
-          <a:lstStyle/>
-          <a:p>
-            <a:r>
-              <a:rPr lang="en-IN" dirty="0" err="1" smtClean="0"/>
-              <a:t>InputStream</a:t>
-            </a:r>
-            <a:endParaRPr lang="en-US" dirty="0"/>
-          </a:p>
-        </p:txBody>
-      </p:sp>
-      <p:pic>
-        <p:nvPicPr>
-          <p:cNvPr id="25602" name="Picture 2" descr="Java input stream hierarchy"/>
-          <p:cNvPicPr>
-            <a:picLocks noChangeAspect="1" noChangeArrowheads="1"/>
-          </p:cNvPicPr>
-          <p:nvPr/>
-        </p:nvPicPr>
-        <p:blipFill>
-          <a:blip r:embed="rId2"/>
-          <a:srcRect/>
-          <a:stretch>
-            <a:fillRect/>
-          </a:stretch>
-        </p:blipFill>
-        <p:spPr bwMode="auto">
-          <a:xfrm>
-            <a:off x="228600" y="2133600"/>
-            <a:ext cx="8617102" cy="3352800"/>
-          </a:xfrm>
-          <a:prstGeom prst="rect">
-            <a:avLst/>
-          </a:prstGeom>
-          <a:noFill/>
-        </p:spPr>
-      </p:pic>
-    </p:spTree>
-  </p:cSld>
-  <p:clrMapOvr>
-    <a:masterClrMapping/>
-  </p:clrMapOvr>
-</p:sld>
-</file>
-
-<file path=ppt/slides/slide11.xml><?xml version="1.0" encoding="utf-8"?>
-<p:sld xmlns:a="http://schemas.openxmlformats.org/drawingml/2006/main" xmlns:r="http://schemas.openxmlformats.org/officeDocument/2006/relationships" xmlns:p="http://schemas.openxmlformats.org/presentationml/2006/main">
-  <p:cSld>
-    <p:spTree>
-      <p:nvGrpSpPr>
-        <p:cNvPr id="1" name=""/>
-        <p:cNvGrpSpPr/>
-        <p:nvPr/>
-      </p:nvGrpSpPr>
-      <p:grpSpPr>
-        <a:xfrm>
-          <a:off x="0" y="0"/>
-          <a:ext cx="0" cy="0"/>
-          <a:chOff x="0" y="0"/>
-          <a:chExt cx="0" cy="0"/>
-        </a:xfrm>
-      </p:grpSpPr>
-      <p:sp>
-        <p:nvSpPr>
-          <p:cNvPr id="2" name="Title 1"/>
-          <p:cNvSpPr>
-            <a:spLocks noGrp="1"/>
-          </p:cNvSpPr>
-          <p:nvPr>
-            <p:ph type="title"/>
-          </p:nvPr>
-        </p:nvSpPr>
-        <p:spPr/>
-        <p:txBody>
-          <a:bodyPr>
-            <a:normAutofit/>
-          </a:bodyPr>
-          <a:lstStyle/>
-          <a:p>
-            <a:r>
-              <a:rPr lang="en-IN" sz="3600" dirty="0" smtClean="0"/>
-              <a:t>Types of Stream </a:t>
-            </a:r>
-            <a:br>
-              <a:rPr lang="en-IN" sz="3600" dirty="0" smtClean="0"/>
-            </a:br>
-            <a:r>
-              <a:rPr lang="en-IN" sz="2800" b="1" i="1" dirty="0" smtClean="0"/>
-              <a:t>Based of Data Handling</a:t>
-            </a:r>
-            <a:endParaRPr lang="en-US" sz="2800" b="1" i="1" dirty="0"/>
-          </a:p>
-        </p:txBody>
-      </p:sp>
-      <p:graphicFrame>
-        <p:nvGraphicFramePr>
-          <p:cNvPr id="4" name="Content Placeholder 3"/>
-          <p:cNvGraphicFramePr>
-            <a:graphicFrameLocks noGrp="1"/>
-          </p:cNvGraphicFramePr>
-          <p:nvPr>
-            <p:ph idx="1"/>
-          </p:nvPr>
-        </p:nvGraphicFramePr>
-        <p:xfrm>
-          <a:off x="457200" y="1752600"/>
-          <a:ext cx="8229600" cy="3992563"/>
-        </p:xfrm>
-        <a:graphic>
-          <a:graphicData uri="http://schemas.openxmlformats.org/drawingml/2006/diagram">
-            <dgm:relIds xmlns:dgm="http://schemas.openxmlformats.org/drawingml/2006/diagram" xmlns:r="http://schemas.openxmlformats.org/officeDocument/2006/relationships" r:dm="rId2" r:lo="rId3" r:qs="rId4" r:cs="rId5"/>
-          </a:graphicData>
-        </a:graphic>
-      </p:graphicFrame>
-    </p:spTree>
-  </p:cSld>
-  <p:clrMapOvr>
-    <a:masterClrMapping/>
-  </p:clrMapOvr>
-</p:sld>
-</file>
-
-<file path=ppt/slides/slide12.xml><?xml version="1.0" encoding="utf-8"?>
-<p:sld xmlns:a="http://schemas.openxmlformats.org/drawingml/2006/main" xmlns:r="http://schemas.openxmlformats.org/officeDocument/2006/relationships" xmlns:p="http://schemas.openxmlformats.org/presentationml/2006/main">
-  <p:cSld>
-    <p:spTree>
-      <p:nvGrpSpPr>
-        <p:cNvPr id="1" name=""/>
-        <p:cNvGrpSpPr/>
-        <p:nvPr/>
-      </p:nvGrpSpPr>
-      <p:grpSpPr>
-        <a:xfrm>
-          <a:off x="0" y="0"/>
-          <a:ext cx="0" cy="0"/>
-          <a:chOff x="0" y="0"/>
-          <a:chExt cx="0" cy="0"/>
-        </a:xfrm>
-      </p:grpSpPr>
-      <p:sp>
-        <p:nvSpPr>
-          <p:cNvPr id="2" name="Title 1"/>
-          <p:cNvSpPr>
-            <a:spLocks noGrp="1"/>
-          </p:cNvSpPr>
-          <p:nvPr>
-            <p:ph type="title"/>
-          </p:nvPr>
-        </p:nvSpPr>
-        <p:spPr/>
-        <p:txBody>
-          <a:bodyPr/>
-          <a:lstStyle/>
-          <a:p>
-            <a:r>
-              <a:rPr lang="en-IN" dirty="0" smtClean="0"/>
-              <a:t>Character Streams</a:t>
-            </a:r>
-            <a:endParaRPr lang="en-US" dirty="0"/>
-          </a:p>
-        </p:txBody>
-      </p:sp>
-      <p:sp>
-        <p:nvSpPr>
-          <p:cNvPr id="3" name="Content Placeholder 2"/>
-          <p:cNvSpPr>
-            <a:spLocks noGrp="1"/>
-          </p:cNvSpPr>
-          <p:nvPr>
-            <p:ph idx="1"/>
-          </p:nvPr>
-        </p:nvSpPr>
-        <p:spPr/>
-        <p:txBody>
-          <a:bodyPr>
-            <a:normAutofit fontScale="85000" lnSpcReduction="20000"/>
-          </a:bodyPr>
-          <a:lstStyle/>
-          <a:p>
-            <a:r>
-              <a:rPr lang="en-US" dirty="0" smtClean="0"/>
-              <a:t>In Java, characters are stored using Unicode conventions</a:t>
-            </a:r>
-          </a:p>
-          <a:p>
-            <a:r>
-              <a:rPr lang="en-US" dirty="0" smtClean="0"/>
-              <a:t>Character stream automatically allows us to read/write data character by character.</a:t>
-            </a:r>
-          </a:p>
-          <a:p>
-            <a:r>
-              <a:rPr lang="en-IN" dirty="0" smtClean="0"/>
-              <a:t>Suitable to perform reading and writing in text files.</a:t>
-            </a:r>
-          </a:p>
-          <a:p>
-            <a:r>
-              <a:rPr lang="en-IN" dirty="0" smtClean="0"/>
-              <a:t>It process 16 bit [standard for </a:t>
-            </a:r>
-            <a:r>
-              <a:rPr lang="en-IN" dirty="0" err="1" smtClean="0"/>
-              <a:t>unicode</a:t>
-            </a:r>
-            <a:r>
-              <a:rPr lang="en-IN" dirty="0" smtClean="0"/>
-              <a:t> character] per operation[read/write].</a:t>
-            </a:r>
-          </a:p>
-          <a:p>
-            <a:r>
-              <a:rPr lang="en-IN" dirty="0" err="1" smtClean="0"/>
-              <a:t>Eg</a:t>
-            </a:r>
-            <a:r>
-              <a:rPr lang="en-IN" dirty="0" smtClean="0"/>
-              <a:t>:</a:t>
-            </a:r>
-          </a:p>
-          <a:p>
-            <a:pPr lvl="1"/>
-            <a:r>
-              <a:rPr lang="en-IN" dirty="0" err="1" smtClean="0"/>
-              <a:t>FileReader</a:t>
-            </a:r>
-            <a:endParaRPr lang="en-IN" dirty="0" smtClean="0"/>
-          </a:p>
-          <a:p>
-            <a:pPr lvl="1"/>
-            <a:r>
-              <a:rPr lang="en-IN" dirty="0" err="1" smtClean="0"/>
-              <a:t>FileWriter</a:t>
-            </a:r>
-            <a:endParaRPr lang="en-IN" dirty="0" smtClean="0"/>
-          </a:p>
-          <a:p>
-            <a:pPr lvl="1"/>
-            <a:r>
-              <a:rPr lang="en-IN" dirty="0" err="1" smtClean="0"/>
-              <a:t>BufferedReader</a:t>
-            </a:r>
-            <a:endParaRPr lang="en-IN" dirty="0" smtClean="0"/>
-          </a:p>
-          <a:p>
-            <a:pPr lvl="1"/>
-            <a:r>
-              <a:rPr lang="en-IN" dirty="0" err="1" smtClean="0"/>
-              <a:t>BufferedWriter</a:t>
-            </a:r>
-            <a:endParaRPr lang="en-IN" dirty="0" smtClean="0"/>
-          </a:p>
-        </p:txBody>
-      </p:sp>
-    </p:spTree>
-  </p:cSld>
-  <p:clrMapOvr>
-    <a:masterClrMapping/>
-  </p:clrMapOvr>
-</p:sld>
-</file>
-
-<file path=ppt/slides/slide13.xml><?xml version="1.0" encoding="utf-8"?>
-<p:sld xmlns:a="http://schemas.openxmlformats.org/drawingml/2006/main" xmlns:r="http://schemas.openxmlformats.org/officeDocument/2006/relationships" xmlns:p="http://schemas.openxmlformats.org/presentationml/2006/main">
-  <p:cSld>
-    <p:spTree>
-      <p:nvGrpSpPr>
-        <p:cNvPr id="1" name=""/>
-        <p:cNvGrpSpPr/>
-        <p:nvPr/>
-      </p:nvGrpSpPr>
-      <p:grpSpPr>
-        <a:xfrm>
-          <a:off x="0" y="0"/>
-          <a:ext cx="0" cy="0"/>
-          <a:chOff x="0" y="0"/>
-          <a:chExt cx="0" cy="0"/>
-        </a:xfrm>
-      </p:grpSpPr>
-      <p:sp>
-        <p:nvSpPr>
-          <p:cNvPr id="2" name="Title 1"/>
-          <p:cNvSpPr>
-            <a:spLocks noGrp="1"/>
-          </p:cNvSpPr>
-          <p:nvPr>
-            <p:ph type="title"/>
-          </p:nvPr>
-        </p:nvSpPr>
-        <p:spPr/>
-        <p:txBody>
-          <a:bodyPr/>
-          <a:lstStyle/>
-          <a:p>
-            <a:r>
-              <a:rPr lang="en-IN" dirty="0" smtClean="0"/>
-              <a:t>Byte Streams</a:t>
-            </a:r>
-            <a:endParaRPr lang="en-US" dirty="0"/>
-          </a:p>
-        </p:txBody>
-      </p:sp>
-      <p:sp>
-        <p:nvSpPr>
-          <p:cNvPr id="3" name="Content Placeholder 2"/>
-          <p:cNvSpPr>
-            <a:spLocks noGrp="1"/>
-          </p:cNvSpPr>
-          <p:nvPr>
-            <p:ph idx="1"/>
-          </p:nvPr>
-        </p:nvSpPr>
-        <p:spPr/>
-        <p:txBody>
-          <a:bodyPr>
-            <a:normAutofit/>
-          </a:bodyPr>
-          <a:lstStyle/>
-          <a:p>
-            <a:r>
-              <a:rPr lang="en-US" dirty="0" smtClean="0"/>
-              <a:t>Byte streams process data byte by byte (8 bits)</a:t>
-            </a:r>
-          </a:p>
-          <a:p>
-            <a:r>
-              <a:rPr lang="en-IN" dirty="0" smtClean="0"/>
-              <a:t>Suitable to perform reading and writing in binary files.</a:t>
-            </a:r>
-          </a:p>
-          <a:p>
-            <a:r>
-              <a:rPr lang="en-IN" dirty="0" err="1" smtClean="0"/>
-              <a:t>Eg</a:t>
-            </a:r>
-            <a:r>
-              <a:rPr lang="en-IN" dirty="0" smtClean="0"/>
-              <a:t>:</a:t>
-            </a:r>
-          </a:p>
-          <a:p>
-            <a:pPr lvl="1"/>
-            <a:r>
-              <a:rPr lang="en-IN" dirty="0" err="1" smtClean="0"/>
-              <a:t>FileInputStream</a:t>
-            </a:r>
-            <a:endParaRPr lang="en-IN" dirty="0" smtClean="0"/>
-          </a:p>
-          <a:p>
-            <a:pPr lvl="1"/>
-            <a:r>
-              <a:rPr lang="en-IN" dirty="0" err="1" smtClean="0"/>
-              <a:t>FileOutputStream</a:t>
-            </a:r>
-            <a:endParaRPr lang="en-IN" dirty="0" smtClean="0"/>
-          </a:p>
-          <a:p>
-            <a:pPr lvl="1"/>
-            <a:endParaRPr lang="en-IN" dirty="0" smtClean="0"/>
-          </a:p>
-          <a:p>
-            <a:endParaRPr lang="en-US" dirty="0"/>
-          </a:p>
-        </p:txBody>
-      </p:sp>
-    </p:spTree>
-  </p:cSld>
-  <p:clrMapOvr>
-    <a:masterClrMapping/>
-  </p:clrMapOvr>
-</p:sld>
-</file>
-
-<file path=ppt/slides/slide14.xml><?xml version="1.0" encoding="utf-8"?>
-<p:sld xmlns:a="http://schemas.openxmlformats.org/drawingml/2006/main" xmlns:r="http://schemas.openxmlformats.org/officeDocument/2006/relationships" xmlns:p="http://schemas.openxmlformats.org/presentationml/2006/main">
-  <p:cSld>
-    <p:spTree>
-      <p:nvGrpSpPr>
-        <p:cNvPr id="1" name=""/>
-        <p:cNvGrpSpPr/>
-        <p:nvPr/>
-      </p:nvGrpSpPr>
-      <p:grpSpPr>
-        <a:xfrm>
-          <a:off x="0" y="0"/>
-          <a:ext cx="0" cy="0"/>
-          <a:chOff x="0" y="0"/>
-          <a:chExt cx="0" cy="0"/>
-        </a:xfrm>
-      </p:grpSpPr>
-      <p:sp>
-        <p:nvSpPr>
-          <p:cNvPr id="2" name="Title 1"/>
-          <p:cNvSpPr>
-            <a:spLocks noGrp="1"/>
-          </p:cNvSpPr>
-          <p:nvPr>
-            <p:ph type="title"/>
-          </p:nvPr>
-        </p:nvSpPr>
-        <p:spPr/>
-        <p:txBody>
-          <a:bodyPr>
-            <a:normAutofit/>
-          </a:bodyPr>
-          <a:lstStyle/>
-          <a:p>
-            <a:r>
-              <a:rPr lang="en-IN" dirty="0" smtClean="0"/>
-              <a:t>Reading from Console</a:t>
-            </a:r>
-            <a:endParaRPr lang="en-US" dirty="0"/>
-          </a:p>
-        </p:txBody>
-      </p:sp>
-      <p:graphicFrame>
-        <p:nvGraphicFramePr>
-          <p:cNvPr id="4" name="Content Placeholder 3"/>
-          <p:cNvGraphicFramePr>
-            <a:graphicFrameLocks noGrp="1"/>
-          </p:cNvGraphicFramePr>
-          <p:nvPr>
-            <p:ph idx="1"/>
-          </p:nvPr>
-        </p:nvGraphicFramePr>
-        <p:xfrm>
-          <a:off x="457200" y="1752600"/>
-          <a:ext cx="8229600" cy="3992563"/>
-        </p:xfrm>
-        <a:graphic>
-          <a:graphicData uri="http://schemas.openxmlformats.org/drawingml/2006/diagram">
-            <dgm:relIds xmlns:dgm="http://schemas.openxmlformats.org/drawingml/2006/diagram" xmlns:r="http://schemas.openxmlformats.org/officeDocument/2006/relationships" r:dm="rId2" r:lo="rId3" r:qs="rId4" r:cs="rId5"/>
-          </a:graphicData>
-        </a:graphic>
-      </p:graphicFrame>
-    </p:spTree>
-  </p:cSld>
-  <p:clrMapOvr>
-    <a:masterClrMapping/>
-  </p:clrMapOvr>
-</p:sld>
-</file>
-
-<file path=ppt/slides/slide15.xml><?xml version="1.0" encoding="utf-8"?>
-<p:sld xmlns:a="http://schemas.openxmlformats.org/drawingml/2006/main" xmlns:r="http://schemas.openxmlformats.org/officeDocument/2006/relationships" xmlns:p="http://schemas.openxmlformats.org/presentationml/2006/main">
-  <p:cSld>
-    <p:spTree>
-      <p:nvGrpSpPr>
-        <p:cNvPr id="1" name=""/>
-        <p:cNvGrpSpPr/>
-        <p:nvPr/>
-      </p:nvGrpSpPr>
-      <p:grpSpPr>
-        <a:xfrm>
-          <a:off x="0" y="0"/>
-          <a:ext cx="0" cy="0"/>
-          <a:chOff x="0" y="0"/>
-          <a:chExt cx="0" cy="0"/>
-        </a:xfrm>
-      </p:grpSpPr>
-      <p:sp>
-        <p:nvSpPr>
-          <p:cNvPr id="2" name="Title 1"/>
-          <p:cNvSpPr>
-            <a:spLocks noGrp="1"/>
-          </p:cNvSpPr>
-          <p:nvPr>
-            <p:ph type="title"/>
-          </p:nvPr>
-        </p:nvSpPr>
-        <p:spPr/>
-        <p:txBody>
-          <a:bodyPr/>
-          <a:lstStyle/>
-          <a:p>
-            <a:r>
-              <a:rPr lang="en-IN" dirty="0" smtClean="0"/>
-              <a:t>Using </a:t>
-            </a:r>
-            <a:r>
-              <a:rPr lang="en-IN" dirty="0" err="1" smtClean="0"/>
-              <a:t>BufferedReader</a:t>
-            </a:r>
-            <a:endParaRPr lang="en-US" dirty="0"/>
-          </a:p>
-        </p:txBody>
-      </p:sp>
-      <p:pic>
-        <p:nvPicPr>
-          <p:cNvPr id="26626" name="Picture 2"/>
-          <p:cNvPicPr>
-            <a:picLocks noChangeAspect="1" noChangeArrowheads="1"/>
-          </p:cNvPicPr>
-          <p:nvPr/>
-        </p:nvPicPr>
-        <p:blipFill>
-          <a:blip r:embed="rId2"/>
-          <a:srcRect/>
-          <a:stretch>
-            <a:fillRect/>
-          </a:stretch>
-        </p:blipFill>
-        <p:spPr bwMode="auto">
-          <a:xfrm>
-            <a:off x="533400" y="1600200"/>
-            <a:ext cx="7239000" cy="4793392"/>
-          </a:xfrm>
-          <a:prstGeom prst="rect">
-            <a:avLst/>
-          </a:prstGeom>
-          <a:noFill/>
-          <a:ln w="9525">
-            <a:noFill/>
-            <a:miter lim="800000"/>
-            <a:headEnd/>
-            <a:tailEnd/>
-          </a:ln>
-          <a:effectLst/>
-        </p:spPr>
-      </p:pic>
-    </p:spTree>
-  </p:cSld>
-  <p:clrMapOvr>
-    <a:masterClrMapping/>
-  </p:clrMapOvr>
-</p:sld>
-</file>
-
-<file path=ppt/slides/slide16.xml><?xml version="1.0" encoding="utf-8"?>
-<p:sld xmlns:a="http://schemas.openxmlformats.org/drawingml/2006/main" xmlns:r="http://schemas.openxmlformats.org/officeDocument/2006/relationships" xmlns:p="http://schemas.openxmlformats.org/presentationml/2006/main">
-  <p:cSld>
-    <p:spTree>
-      <p:nvGrpSpPr>
-        <p:cNvPr id="1" name=""/>
-        <p:cNvGrpSpPr/>
-        <p:nvPr/>
-      </p:nvGrpSpPr>
-      <p:grpSpPr>
-        <a:xfrm>
-          <a:off x="0" y="0"/>
-          <a:ext cx="0" cy="0"/>
-          <a:chOff x="0" y="0"/>
-          <a:chExt cx="0" cy="0"/>
-        </a:xfrm>
-      </p:grpSpPr>
-      <p:sp>
-        <p:nvSpPr>
-          <p:cNvPr id="2" name="Title 1"/>
-          <p:cNvSpPr>
-            <a:spLocks noGrp="1"/>
-          </p:cNvSpPr>
-          <p:nvPr>
-            <p:ph type="title"/>
-          </p:nvPr>
-        </p:nvSpPr>
-        <p:spPr/>
-        <p:txBody>
-          <a:bodyPr/>
-          <a:lstStyle/>
-          <a:p>
-            <a:r>
-              <a:rPr lang="en-IN" dirty="0" smtClean="0"/>
-              <a:t>Output</a:t>
-            </a:r>
-            <a:endParaRPr lang="en-US" dirty="0"/>
-          </a:p>
-        </p:txBody>
-      </p:sp>
-      <p:pic>
-        <p:nvPicPr>
-          <p:cNvPr id="27650" name="Picture 2"/>
-          <p:cNvPicPr>
-            <a:picLocks noChangeAspect="1" noChangeArrowheads="1"/>
-          </p:cNvPicPr>
-          <p:nvPr/>
-        </p:nvPicPr>
-        <p:blipFill>
-          <a:blip r:embed="rId2"/>
-          <a:srcRect/>
-          <a:stretch>
-            <a:fillRect/>
-          </a:stretch>
-        </p:blipFill>
-        <p:spPr bwMode="auto">
-          <a:xfrm>
-            <a:off x="609600" y="1828800"/>
-            <a:ext cx="7661189" cy="3048000"/>
-          </a:xfrm>
-          <a:prstGeom prst="rect">
-            <a:avLst/>
-          </a:prstGeom>
-          <a:noFill/>
-          <a:ln w="9525">
-            <a:noFill/>
-            <a:miter lim="800000"/>
-            <a:headEnd/>
-            <a:tailEnd/>
-          </a:ln>
-          <a:effectLst/>
-        </p:spPr>
-      </p:pic>
-    </p:spTree>
-  </p:cSld>
-  <p:clrMapOvr>
-    <a:masterClrMapping/>
-  </p:clrMapOvr>
-</p:sld>
-</file>
-
-<file path=ppt/slides/slide17.xml><?xml version="1.0" encoding="utf-8"?>
-<p:sld xmlns:a="http://schemas.openxmlformats.org/drawingml/2006/main" xmlns:r="http://schemas.openxmlformats.org/officeDocument/2006/relationships" xmlns:p="http://schemas.openxmlformats.org/presentationml/2006/main">
-  <p:cSld>
-    <p:spTree>
-      <p:nvGrpSpPr>
-        <p:cNvPr id="1" name=""/>
-        <p:cNvGrpSpPr/>
-        <p:nvPr/>
-      </p:nvGrpSpPr>
-      <p:grpSpPr>
-        <a:xfrm>
-          <a:off x="0" y="0"/>
-          <a:ext cx="0" cy="0"/>
-          <a:chOff x="0" y="0"/>
-          <a:chExt cx="0" cy="0"/>
-        </a:xfrm>
-      </p:grpSpPr>
-      <p:sp>
-        <p:nvSpPr>
-          <p:cNvPr id="2" name="Title 1"/>
-          <p:cNvSpPr>
-            <a:spLocks noGrp="1"/>
-          </p:cNvSpPr>
-          <p:nvPr>
-            <p:ph type="title"/>
-          </p:nvPr>
-        </p:nvSpPr>
-        <p:spPr/>
-        <p:txBody>
-          <a:bodyPr/>
-          <a:lstStyle/>
-          <a:p>
-            <a:r>
-              <a:rPr lang="en-IN" dirty="0" smtClean="0"/>
-              <a:t>Console Class for I/O</a:t>
-            </a:r>
-            <a:endParaRPr lang="en-US" dirty="0"/>
-          </a:p>
-        </p:txBody>
-      </p:sp>
-      <p:sp>
-        <p:nvSpPr>
-          <p:cNvPr id="3" name="Content Placeholder 2"/>
-          <p:cNvSpPr>
-            <a:spLocks noGrp="1"/>
-          </p:cNvSpPr>
-          <p:nvPr>
-            <p:ph idx="1"/>
-          </p:nvPr>
-        </p:nvSpPr>
-        <p:spPr/>
-        <p:txBody>
-          <a:bodyPr/>
-          <a:lstStyle/>
-          <a:p>
-            <a:r>
-              <a:rPr lang="en-US" dirty="0" smtClean="0"/>
-              <a:t>The </a:t>
-            </a:r>
-            <a:r>
-              <a:rPr lang="en-US" dirty="0" err="1" smtClean="0"/>
-              <a:t>Java.io.Console</a:t>
-            </a:r>
-            <a:r>
-              <a:rPr lang="en-US" dirty="0" smtClean="0"/>
-              <a:t> class provides methods to access the character-based console device, if any, associated with the current Java virtual machine. </a:t>
-            </a:r>
-          </a:p>
-          <a:p>
-            <a:r>
-              <a:rPr lang="en-US" dirty="0" smtClean="0"/>
-              <a:t>The Console class was added to java.io by JDK 6.</a:t>
-            </a:r>
-            <a:endParaRPr lang="en-US" dirty="0"/>
-          </a:p>
-        </p:txBody>
-      </p:sp>
-    </p:spTree>
-  </p:cSld>
-  <p:clrMapOvr>
-    <a:masterClrMapping/>
-  </p:clrMapOvr>
-</p:sld>
-</file>
-
-<file path=ppt/slides/slide18.xml><?xml version="1.0" encoding="utf-8"?>
-<p:sld xmlns:a="http://schemas.openxmlformats.org/drawingml/2006/main" xmlns:r="http://schemas.openxmlformats.org/officeDocument/2006/relationships" xmlns:p="http://schemas.openxmlformats.org/presentationml/2006/main">
-  <p:cSld>
-    <p:spTree>
-      <p:nvGrpSpPr>
-        <p:cNvPr id="1" name=""/>
-        <p:cNvGrpSpPr/>
-        <p:nvPr/>
-      </p:nvGrpSpPr>
-      <p:grpSpPr>
-        <a:xfrm>
-          <a:off x="0" y="0"/>
-          <a:ext cx="0" cy="0"/>
-          <a:chOff x="0" y="0"/>
-          <a:chExt cx="0" cy="0"/>
-        </a:xfrm>
-      </p:grpSpPr>
-      <p:sp>
-        <p:nvSpPr>
-          <p:cNvPr id="2" name="Title 1"/>
-          <p:cNvSpPr>
-            <a:spLocks noGrp="1"/>
-          </p:cNvSpPr>
-          <p:nvPr>
-            <p:ph type="title"/>
-          </p:nvPr>
-        </p:nvSpPr>
-        <p:spPr/>
-        <p:txBody>
-          <a:bodyPr/>
-          <a:lstStyle/>
-          <a:p>
-            <a:r>
-              <a:rPr lang="en-IN" dirty="0" smtClean="0"/>
-              <a:t>Importance of Console</a:t>
-            </a:r>
-            <a:endParaRPr lang="en-US" dirty="0"/>
-          </a:p>
-        </p:txBody>
-      </p:sp>
-      <p:sp>
-        <p:nvSpPr>
-          <p:cNvPr id="3" name="Content Placeholder 2"/>
-          <p:cNvSpPr>
-            <a:spLocks noGrp="1"/>
-          </p:cNvSpPr>
-          <p:nvPr>
-            <p:ph idx="1"/>
-          </p:nvPr>
-        </p:nvSpPr>
-        <p:spPr/>
-        <p:txBody>
-          <a:bodyPr>
-            <a:normAutofit fontScale="85000" lnSpcReduction="20000"/>
-          </a:bodyPr>
-          <a:lstStyle/>
-          <a:p>
-            <a:pPr fontAlgn="base"/>
-            <a:r>
-              <a:rPr lang="en-US" dirty="0" smtClean="0"/>
-              <a:t>It is used to read from and write to the console, if one exists.</a:t>
-            </a:r>
-          </a:p>
-          <a:p>
-            <a:pPr fontAlgn="base"/>
-            <a:r>
-              <a:rPr lang="en-US" dirty="0" smtClean="0"/>
-              <a:t>Console is primarily a convenience class because most of its functionality is available through </a:t>
-            </a:r>
-            <a:r>
-              <a:rPr lang="en-US" dirty="0" err="1" smtClean="0"/>
-              <a:t>System.in</a:t>
-            </a:r>
-            <a:r>
-              <a:rPr lang="en-US" dirty="0" smtClean="0"/>
-              <a:t> and </a:t>
-            </a:r>
-            <a:r>
-              <a:rPr lang="en-US" dirty="0" err="1" smtClean="0"/>
-              <a:t>System.out</a:t>
-            </a:r>
-            <a:r>
-              <a:rPr lang="en-US" dirty="0" smtClean="0"/>
-              <a:t>.</a:t>
-            </a:r>
-          </a:p>
-          <a:p>
-            <a:r>
-              <a:rPr lang="en-US" dirty="0" smtClean="0"/>
-              <a:t>Console supplies no constructors. Instead, a Console object is obtained by calling </a:t>
-            </a:r>
-            <a:r>
-              <a:rPr lang="en-US" dirty="0" err="1" smtClean="0"/>
-              <a:t>System.console</a:t>
-            </a:r>
-            <a:r>
-              <a:rPr lang="en-US" dirty="0" smtClean="0"/>
-              <a:t>( ).</a:t>
-            </a:r>
-          </a:p>
-          <a:p>
-            <a:r>
-              <a:rPr lang="en-US" dirty="0" smtClean="0"/>
-              <a:t>It provides methods to read text and password. If you read password using Console class, it will not be displayed to the user.</a:t>
-            </a:r>
-          </a:p>
-          <a:p>
-            <a:r>
-              <a:rPr lang="en-US" dirty="0" smtClean="0"/>
-              <a:t>The </a:t>
-            </a:r>
-            <a:r>
-              <a:rPr lang="en-US" dirty="0" err="1" smtClean="0"/>
-              <a:t>java.io.Console</a:t>
-            </a:r>
-            <a:r>
-              <a:rPr lang="en-US" dirty="0" smtClean="0"/>
-              <a:t> class is attached with system console internally.</a:t>
-            </a:r>
-          </a:p>
-          <a:p>
-            <a:endParaRPr lang="en-US" dirty="0"/>
-          </a:p>
-        </p:txBody>
-      </p:sp>
-    </p:spTree>
-  </p:cSld>
-  <p:clrMapOvr>
-    <a:masterClrMapping/>
-  </p:clrMapOvr>
-</p:sld>
-</file>
-
-<file path=ppt/slides/slide19.xml><?xml version="1.0" encoding="utf-8"?>
-<p:sld xmlns:a="http://schemas.openxmlformats.org/drawingml/2006/main" xmlns:r="http://schemas.openxmlformats.org/officeDocument/2006/relationships" xmlns:p="http://schemas.openxmlformats.org/presentationml/2006/main">
-  <p:cSld>
-    <p:spTree>
-      <p:nvGrpSpPr>
-        <p:cNvPr id="1" name=""/>
-        <p:cNvGrpSpPr/>
-        <p:nvPr/>
-      </p:nvGrpSpPr>
-      <p:grpSpPr>
-        <a:xfrm>
-          <a:off x="0" y="0"/>
-          <a:ext cx="0" cy="0"/>
-          <a:chOff x="0" y="0"/>
-          <a:chExt cx="0" cy="0"/>
-        </a:xfrm>
-      </p:grpSpPr>
-      <p:sp>
-        <p:nvSpPr>
-          <p:cNvPr id="2" name="Title 1"/>
-          <p:cNvSpPr>
-            <a:spLocks noGrp="1"/>
-          </p:cNvSpPr>
-          <p:nvPr>
-            <p:ph type="title"/>
-          </p:nvPr>
-        </p:nvSpPr>
-        <p:spPr/>
-        <p:txBody>
-          <a:bodyPr/>
-          <a:lstStyle/>
-          <a:p>
-            <a:r>
-              <a:rPr lang="en-IN" dirty="0" smtClean="0"/>
-              <a:t>Using Console</a:t>
-            </a:r>
-            <a:endParaRPr lang="en-US" dirty="0"/>
-          </a:p>
-        </p:txBody>
-      </p:sp>
-      <p:pic>
-        <p:nvPicPr>
-          <p:cNvPr id="28675" name="Picture 3"/>
-          <p:cNvPicPr>
-            <a:picLocks noChangeAspect="1" noChangeArrowheads="1"/>
-          </p:cNvPicPr>
-          <p:nvPr/>
-        </p:nvPicPr>
-        <p:blipFill>
-          <a:blip r:embed="rId2"/>
-          <a:srcRect/>
-          <a:stretch>
-            <a:fillRect/>
-          </a:stretch>
-        </p:blipFill>
-        <p:spPr bwMode="auto">
-          <a:xfrm>
-            <a:off x="457200" y="1524000"/>
-            <a:ext cx="6781800" cy="3467100"/>
-          </a:xfrm>
-          <a:prstGeom prst="rect">
-            <a:avLst/>
-          </a:prstGeom>
-          <a:noFill/>
-          <a:ln w="9525">
-            <a:noFill/>
-            <a:miter lim="800000"/>
-            <a:headEnd/>
-            <a:tailEnd/>
-          </a:ln>
-          <a:effectLst/>
-        </p:spPr>
-      </p:pic>
-      <p:pic>
-        <p:nvPicPr>
-          <p:cNvPr id="4" name="Picture 2"/>
-          <p:cNvPicPr>
-            <a:picLocks noChangeAspect="1" noChangeArrowheads="1"/>
-          </p:cNvPicPr>
-          <p:nvPr/>
-        </p:nvPicPr>
-        <p:blipFill>
-          <a:blip r:embed="rId3"/>
-          <a:srcRect/>
-          <a:stretch>
-            <a:fillRect/>
-          </a:stretch>
-        </p:blipFill>
-        <p:spPr bwMode="auto">
-          <a:xfrm>
-            <a:off x="2743200" y="4191000"/>
-            <a:ext cx="6127174" cy="2385802"/>
-          </a:xfrm>
-          <a:prstGeom prst="rect">
-            <a:avLst/>
-          </a:prstGeom>
-          <a:noFill/>
-          <a:ln w="9525">
-            <a:noFill/>
-            <a:miter lim="800000"/>
-            <a:headEnd/>
-            <a:tailEnd/>
-          </a:ln>
-          <a:effectLst/>
-        </p:spPr>
-      </p:pic>
-      <p:sp>
-        <p:nvSpPr>
-          <p:cNvPr id="5" name="Rectangle 4"/>
-          <p:cNvSpPr/>
-          <p:nvPr/>
-        </p:nvSpPr>
-        <p:spPr>
-          <a:xfrm>
-            <a:off x="5791200" y="1752600"/>
-            <a:ext cx="2057400" cy="381000"/>
-          </a:xfrm>
-          <a:prstGeom prst="rect">
-            <a:avLst/>
-          </a:prstGeom>
-        </p:spPr>
-        <p:style>
-          <a:lnRef idx="1">
-            <a:schemeClr val="accent3"/>
-          </a:lnRef>
-          <a:fillRef idx="2">
-            <a:schemeClr val="accent3"/>
-          </a:fillRef>
-          <a:effectRef idx="1">
-            <a:schemeClr val="accent3"/>
-          </a:effectRef>
-          <a:fontRef idx="minor">
-            <a:schemeClr val="dk1"/>
-          </a:fontRef>
-        </p:style>
-        <p:txBody>
-          <a:bodyPr rtlCol="0" anchor="ctr"/>
-          <a:lstStyle/>
-          <a:p>
-            <a:pPr algn="ctr"/>
-            <a:r>
-              <a:rPr lang="en-IN" sz="1500" b="1" dirty="0" smtClean="0">
-                <a:latin typeface="Times New Roman" pitchFamily="18" charset="0"/>
-                <a:cs typeface="Times New Roman" pitchFamily="18" charset="0"/>
-              </a:rPr>
-              <a:t>Console Class</a:t>
-            </a:r>
-            <a:endParaRPr lang="en-US" sz="1500" b="1" dirty="0">
-              <a:latin typeface="Times New Roman" pitchFamily="18" charset="0"/>
-              <a:cs typeface="Times New Roman" pitchFamily="18" charset="0"/>
-            </a:endParaRPr>
-          </a:p>
-        </p:txBody>
-      </p:sp>
-      <p:cxnSp>
-        <p:nvCxnSpPr>
-          <p:cNvPr id="7" name="Straight Arrow Connector 6"/>
-          <p:cNvCxnSpPr>
-            <a:stCxn id="5" idx="2"/>
-          </p:cNvCxnSpPr>
-          <p:nvPr/>
-        </p:nvCxnSpPr>
-        <p:spPr>
-          <a:xfrm rot="5400000">
-            <a:off x="6076950" y="2000250"/>
-            <a:ext cx="609600" cy="876300"/>
-          </a:xfrm>
-          <a:prstGeom prst="straightConnector1">
-            <a:avLst/>
-          </a:prstGeom>
-          <a:ln>
-            <a:tailEnd type="arrow"/>
-          </a:ln>
-        </p:spPr>
-        <p:style>
-          <a:lnRef idx="2">
-            <a:schemeClr val="dk1"/>
-          </a:lnRef>
-          <a:fillRef idx="0">
-            <a:schemeClr val="dk1"/>
-          </a:fillRef>
-          <a:effectRef idx="1">
-            <a:schemeClr val="dk1"/>
-          </a:effectRef>
-          <a:fontRef idx="minor">
-            <a:schemeClr val="tx1"/>
-          </a:fontRef>
-        </p:style>
-      </p:cxnSp>
-      <p:sp>
-        <p:nvSpPr>
-          <p:cNvPr id="8" name="Rectangle 7"/>
-          <p:cNvSpPr/>
-          <p:nvPr/>
-        </p:nvSpPr>
-        <p:spPr>
-          <a:xfrm>
-            <a:off x="6934200" y="2971800"/>
-            <a:ext cx="1600200" cy="304800"/>
-          </a:xfrm>
-          <a:prstGeom prst="rect">
-            <a:avLst/>
-          </a:prstGeom>
-        </p:spPr>
-        <p:style>
-          <a:lnRef idx="1">
-            <a:schemeClr val="accent3"/>
-          </a:lnRef>
-          <a:fillRef idx="2">
-            <a:schemeClr val="accent3"/>
-          </a:fillRef>
-          <a:effectRef idx="1">
-            <a:schemeClr val="accent3"/>
-          </a:effectRef>
-          <a:fontRef idx="minor">
-            <a:schemeClr val="dk1"/>
-          </a:fontRef>
-        </p:style>
-        <p:txBody>
-          <a:bodyPr rtlCol="0" anchor="ctr"/>
-          <a:lstStyle/>
-          <a:p>
-            <a:pPr algn="ctr"/>
-            <a:r>
-              <a:rPr lang="en-IN" sz="1500" b="1" dirty="0" smtClean="0">
-                <a:latin typeface="Times New Roman" pitchFamily="18" charset="0"/>
-                <a:cs typeface="Times New Roman" pitchFamily="18" charset="0"/>
-              </a:rPr>
-              <a:t>Read User Input</a:t>
-            </a:r>
-            <a:endParaRPr lang="en-US" sz="1500" b="1" dirty="0">
-              <a:latin typeface="Times New Roman" pitchFamily="18" charset="0"/>
-              <a:cs typeface="Times New Roman" pitchFamily="18" charset="0"/>
-            </a:endParaRPr>
-          </a:p>
-        </p:txBody>
-      </p:sp>
-      <p:cxnSp>
-        <p:nvCxnSpPr>
-          <p:cNvPr id="9" name="Straight Arrow Connector 8"/>
-          <p:cNvCxnSpPr>
-            <a:stCxn id="8" idx="1"/>
-          </p:cNvCxnSpPr>
-          <p:nvPr/>
-        </p:nvCxnSpPr>
-        <p:spPr>
-          <a:xfrm rot="10800000" flipV="1">
-            <a:off x="4800600" y="3124200"/>
-            <a:ext cx="2133600" cy="533400"/>
-          </a:xfrm>
-          <a:prstGeom prst="straightConnector1">
-            <a:avLst/>
-          </a:prstGeom>
-          <a:ln>
-            <a:tailEnd type="arrow"/>
-          </a:ln>
-        </p:spPr>
-        <p:style>
-          <a:lnRef idx="2">
-            <a:schemeClr val="dk1"/>
-          </a:lnRef>
-          <a:fillRef idx="0">
-            <a:schemeClr val="dk1"/>
-          </a:fillRef>
-          <a:effectRef idx="1">
-            <a:schemeClr val="dk1"/>
-          </a:effectRef>
-          <a:fontRef idx="minor">
-            <a:schemeClr val="tx1"/>
-          </a:fontRef>
-        </p:style>
-      </p:cxnSp>
-    </p:spTree>
-  </p:cSld>
-  <p:clrMapOvr>
-    <a:masterClrMapping/>
-  </p:clrMapOvr>
-</p:sld>
-</file>
-
-<file path=ppt/slides/slide2.xml><?xml version="1.0" encoding="utf-8"?>
-<p:sld xmlns:a="http://schemas.openxmlformats.org/drawingml/2006/main" xmlns:r="http://schemas.openxmlformats.org/officeDocument/2006/relationships" xmlns:p="http://schemas.openxmlformats.org/presentationml/2006/main">
-  <p:cSld>
-    <p:spTree>
-      <p:nvGrpSpPr>
-        <p:cNvPr id="1" name=""/>
-        <p:cNvGrpSpPr/>
-        <p:nvPr/>
-      </p:nvGrpSpPr>
-      <p:grpSpPr>
-        <a:xfrm>
-          <a:off x="0" y="0"/>
-          <a:ext cx="0" cy="0"/>
-          <a:chOff x="0" y="0"/>
-          <a:chExt cx="0" cy="0"/>
-        </a:xfrm>
-      </p:grpSpPr>
-      <p:sp>
-        <p:nvSpPr>
-          <p:cNvPr id="2" name="Title 1"/>
-          <p:cNvSpPr>
-            <a:spLocks noGrp="1"/>
-          </p:cNvSpPr>
-          <p:nvPr>
-            <p:ph type="title"/>
-          </p:nvPr>
-        </p:nvSpPr>
-        <p:spPr/>
-        <p:txBody>
-          <a:bodyPr/>
-          <a:lstStyle/>
-          <a:p>
-            <a:r>
-              <a:rPr lang="en-IN" dirty="0" smtClean="0"/>
-              <a:t>Input and Output</a:t>
-            </a:r>
-            <a:endParaRPr lang="en-US" dirty="0"/>
-          </a:p>
-        </p:txBody>
-      </p:sp>
-      <p:sp>
-        <p:nvSpPr>
-          <p:cNvPr id="3" name="Content Placeholder 2"/>
-          <p:cNvSpPr>
-            <a:spLocks noGrp="1"/>
-          </p:cNvSpPr>
-          <p:nvPr>
-            <p:ph idx="1"/>
-          </p:nvPr>
-        </p:nvSpPr>
-        <p:spPr/>
-        <p:txBody>
-          <a:bodyPr>
-            <a:normAutofit lnSpcReduction="10000"/>
-          </a:bodyPr>
-          <a:lstStyle/>
-          <a:p>
-            <a:r>
-              <a:rPr lang="en-IN" dirty="0" smtClean="0"/>
-              <a:t>Java supports I/O operations for the verity of source and destinations.</a:t>
-            </a:r>
-          </a:p>
-          <a:p>
-            <a:r>
-              <a:rPr lang="en-IN" dirty="0" smtClean="0"/>
-              <a:t>It contain java.io package that has all classes for </a:t>
-            </a:r>
-            <a:r>
-              <a:rPr lang="en-IN" dirty="0" err="1" smtClean="0"/>
-              <a:t>io</a:t>
-            </a:r>
-            <a:r>
-              <a:rPr lang="en-IN" dirty="0" smtClean="0"/>
-              <a:t> operations.</a:t>
-            </a:r>
-          </a:p>
-          <a:p>
-            <a:r>
-              <a:rPr lang="en-IN" dirty="0" smtClean="0"/>
-              <a:t>It handles the streams</a:t>
-            </a:r>
-          </a:p>
-          <a:p>
-            <a:pPr lvl="1"/>
-            <a:r>
-              <a:rPr lang="en-IN" dirty="0" smtClean="0"/>
-              <a:t>Stream is a sequence of data.</a:t>
-            </a:r>
-          </a:p>
-          <a:p>
-            <a:pPr lvl="1"/>
-            <a:r>
-              <a:rPr lang="en-IN" dirty="0" smtClean="0"/>
-              <a:t>It can be obtained from a specific source.</a:t>
-            </a:r>
-          </a:p>
-          <a:p>
-            <a:pPr lvl="1"/>
-            <a:r>
-              <a:rPr lang="en-IN" dirty="0" smtClean="0"/>
-              <a:t>It is processed by the program to obtain desired results.</a:t>
-            </a:r>
-          </a:p>
-          <a:p>
-            <a:endParaRPr lang="en-IN" dirty="0" smtClean="0"/>
-          </a:p>
-        </p:txBody>
-      </p:sp>
-    </p:spTree>
-  </p:cSld>
-  <p:clrMapOvr>
-    <a:masterClrMapping/>
-  </p:clrMapOvr>
-</p:sld>
-</file>
-
-<file path=ppt/slides/slide20.xml><?xml version="1.0" encoding="utf-8"?>
-<p:sld xmlns:a="http://schemas.openxmlformats.org/drawingml/2006/main" xmlns:r="http://schemas.openxmlformats.org/officeDocument/2006/relationships" xmlns:p="http://schemas.openxmlformats.org/presentationml/2006/main">
-  <p:cSld>
-    <p:spTree>
-      <p:nvGrpSpPr>
-        <p:cNvPr id="1" name=""/>
-        <p:cNvGrpSpPr/>
-        <p:nvPr/>
-      </p:nvGrpSpPr>
-      <p:grpSpPr>
-        <a:xfrm>
-          <a:off x="0" y="0"/>
-          <a:ext cx="0" cy="0"/>
-          <a:chOff x="0" y="0"/>
-          <a:chExt cx="0" cy="0"/>
-        </a:xfrm>
-      </p:grpSpPr>
-      <p:sp>
-        <p:nvSpPr>
-          <p:cNvPr id="2" name="Title 1"/>
-          <p:cNvSpPr>
-            <a:spLocks noGrp="1"/>
-          </p:cNvSpPr>
-          <p:nvPr>
-            <p:ph type="title"/>
-          </p:nvPr>
-        </p:nvSpPr>
-        <p:spPr/>
-        <p:txBody>
-          <a:bodyPr/>
-          <a:lstStyle/>
-          <a:p>
-            <a:r>
-              <a:rPr lang="en-IN" dirty="0" smtClean="0"/>
-              <a:t>Writing data to console</a:t>
-            </a:r>
-            <a:endParaRPr lang="en-US" dirty="0"/>
-          </a:p>
-        </p:txBody>
-      </p:sp>
-      <p:grpSp>
-        <p:nvGrpSpPr>
-          <p:cNvPr id="13" name="Group 12"/>
-          <p:cNvGrpSpPr/>
-          <p:nvPr/>
-        </p:nvGrpSpPr>
-        <p:grpSpPr>
-          <a:xfrm>
-            <a:off x="609600" y="1752600"/>
-            <a:ext cx="7934325" cy="4829175"/>
-            <a:chOff x="609600" y="1752600"/>
-            <a:chExt cx="7934325" cy="4829175"/>
-          </a:xfrm>
-        </p:grpSpPr>
-        <p:pic>
-          <p:nvPicPr>
-            <p:cNvPr id="1026" name="Picture 2"/>
-            <p:cNvPicPr>
-              <a:picLocks noChangeAspect="1" noChangeArrowheads="1"/>
-            </p:cNvPicPr>
-            <p:nvPr/>
-          </p:nvPicPr>
-          <p:blipFill>
-            <a:blip r:embed="rId2"/>
-            <a:srcRect/>
-            <a:stretch>
-              <a:fillRect/>
-            </a:stretch>
-          </p:blipFill>
-          <p:spPr bwMode="auto">
-            <a:xfrm>
-              <a:off x="609600" y="1752600"/>
-              <a:ext cx="5486400" cy="3858178"/>
-            </a:xfrm>
-            <a:prstGeom prst="rect">
-              <a:avLst/>
-            </a:prstGeom>
-            <a:noFill/>
-            <a:ln w="9525">
-              <a:noFill/>
-              <a:miter lim="800000"/>
-              <a:headEnd/>
-              <a:tailEnd/>
-            </a:ln>
-            <a:effectLst/>
-          </p:spPr>
-        </p:pic>
-        <p:pic>
-          <p:nvPicPr>
-            <p:cNvPr id="1027" name="Picture 3"/>
-            <p:cNvPicPr>
-              <a:picLocks noChangeAspect="1" noChangeArrowheads="1"/>
-            </p:cNvPicPr>
-            <p:nvPr/>
-          </p:nvPicPr>
-          <p:blipFill>
-            <a:blip r:embed="rId3"/>
-            <a:srcRect/>
-            <a:stretch>
-              <a:fillRect/>
-            </a:stretch>
-          </p:blipFill>
-          <p:spPr bwMode="auto">
-            <a:xfrm>
-              <a:off x="2824280" y="4419600"/>
-              <a:ext cx="5719645" cy="2162175"/>
-            </a:xfrm>
-            <a:prstGeom prst="rect">
-              <a:avLst/>
-            </a:prstGeom>
-            <a:noFill/>
-            <a:ln w="9525">
-              <a:noFill/>
-              <a:miter lim="800000"/>
-              <a:headEnd/>
-              <a:tailEnd/>
-            </a:ln>
-            <a:effectLst/>
-          </p:spPr>
-        </p:pic>
-        <p:sp>
-          <p:nvSpPr>
-            <p:cNvPr id="5" name="Rectangle 4"/>
-            <p:cNvSpPr/>
-            <p:nvPr/>
-          </p:nvSpPr>
-          <p:spPr>
-            <a:xfrm>
-              <a:off x="6934200" y="2971800"/>
-              <a:ext cx="1600200" cy="304800"/>
-            </a:xfrm>
-            <a:prstGeom prst="rect">
-              <a:avLst/>
-            </a:prstGeom>
-          </p:spPr>
-          <p:style>
-            <a:lnRef idx="1">
-              <a:schemeClr val="accent3"/>
-            </a:lnRef>
-            <a:fillRef idx="2">
-              <a:schemeClr val="accent3"/>
-            </a:fillRef>
-            <a:effectRef idx="1">
-              <a:schemeClr val="accent3"/>
-            </a:effectRef>
-            <a:fontRef idx="minor">
-              <a:schemeClr val="dk1"/>
-            </a:fontRef>
-          </p:style>
-          <p:txBody>
-            <a:bodyPr rtlCol="0" anchor="ctr"/>
-            <a:lstStyle/>
-            <a:p>
-              <a:pPr algn="ctr"/>
-              <a:r>
-                <a:rPr lang="en-IN" sz="1500" b="1" dirty="0" smtClean="0">
-                  <a:latin typeface="Times New Roman" pitchFamily="18" charset="0"/>
-                  <a:cs typeface="Times New Roman" pitchFamily="18" charset="0"/>
-                </a:rPr>
-                <a:t>Getting Writer</a:t>
-              </a:r>
-              <a:endParaRPr lang="en-US" sz="1500" b="1" dirty="0">
-                <a:latin typeface="Times New Roman" pitchFamily="18" charset="0"/>
-                <a:cs typeface="Times New Roman" pitchFamily="18" charset="0"/>
-              </a:endParaRPr>
-            </a:p>
-          </p:txBody>
-        </p:sp>
-        <p:cxnSp>
-          <p:nvCxnSpPr>
-            <p:cNvPr id="6" name="Straight Arrow Connector 5"/>
-            <p:cNvCxnSpPr/>
-            <p:nvPr/>
-          </p:nvCxnSpPr>
-          <p:spPr>
-            <a:xfrm rot="10800000">
-              <a:off x="4648200" y="3124200"/>
-              <a:ext cx="2286000" cy="1588"/>
-            </a:xfrm>
-            <a:prstGeom prst="straightConnector1">
-              <a:avLst/>
-            </a:prstGeom>
-            <a:ln>
-              <a:tailEnd type="arrow"/>
-            </a:ln>
-          </p:spPr>
-          <p:style>
-            <a:lnRef idx="2">
-              <a:schemeClr val="dk1"/>
-            </a:lnRef>
-            <a:fillRef idx="0">
-              <a:schemeClr val="dk1"/>
-            </a:fillRef>
-            <a:effectRef idx="1">
-              <a:schemeClr val="dk1"/>
-            </a:effectRef>
-            <a:fontRef idx="minor">
-              <a:schemeClr val="tx1"/>
-            </a:fontRef>
-          </p:style>
-        </p:cxnSp>
-        <p:sp>
-          <p:nvSpPr>
-            <p:cNvPr id="8" name="Rectangle 7"/>
-            <p:cNvSpPr/>
-            <p:nvPr/>
-          </p:nvSpPr>
-          <p:spPr>
-            <a:xfrm>
-              <a:off x="6858000" y="4038600"/>
-              <a:ext cx="1600200" cy="304800"/>
-            </a:xfrm>
-            <a:prstGeom prst="rect">
-              <a:avLst/>
-            </a:prstGeom>
-          </p:spPr>
-          <p:style>
-            <a:lnRef idx="1">
-              <a:schemeClr val="accent3"/>
-            </a:lnRef>
-            <a:fillRef idx="2">
-              <a:schemeClr val="accent3"/>
-            </a:fillRef>
-            <a:effectRef idx="1">
-              <a:schemeClr val="accent3"/>
-            </a:effectRef>
-            <a:fontRef idx="minor">
-              <a:schemeClr val="dk1"/>
-            </a:fontRef>
-          </p:style>
-          <p:txBody>
-            <a:bodyPr rtlCol="0" anchor="ctr"/>
-            <a:lstStyle/>
-            <a:p>
-              <a:pPr algn="ctr"/>
-              <a:r>
-                <a:rPr lang="en-IN" sz="1500" b="1" dirty="0" smtClean="0">
-                  <a:latin typeface="Times New Roman" pitchFamily="18" charset="0"/>
-                  <a:cs typeface="Times New Roman" pitchFamily="18" charset="0"/>
-                </a:rPr>
-                <a:t>Writing data</a:t>
-              </a:r>
-              <a:endParaRPr lang="en-US" sz="1500" b="1" dirty="0">
-                <a:latin typeface="Times New Roman" pitchFamily="18" charset="0"/>
-                <a:cs typeface="Times New Roman" pitchFamily="18" charset="0"/>
-              </a:endParaRPr>
-            </a:p>
-          </p:txBody>
-        </p:sp>
-        <p:cxnSp>
-          <p:nvCxnSpPr>
-            <p:cNvPr id="9" name="Straight Arrow Connector 8"/>
-            <p:cNvCxnSpPr>
-              <a:stCxn id="8" idx="1"/>
-            </p:cNvCxnSpPr>
-            <p:nvPr/>
-          </p:nvCxnSpPr>
-          <p:spPr>
-            <a:xfrm rot="10800000">
-              <a:off x="3733800" y="4191000"/>
-              <a:ext cx="3124200" cy="1588"/>
-            </a:xfrm>
-            <a:prstGeom prst="straightConnector1">
-              <a:avLst/>
-            </a:prstGeom>
-            <a:ln>
-              <a:tailEnd type="arrow"/>
-            </a:ln>
-          </p:spPr>
-          <p:style>
-            <a:lnRef idx="2">
-              <a:schemeClr val="dk1"/>
-            </a:lnRef>
-            <a:fillRef idx="0">
-              <a:schemeClr val="dk1"/>
-            </a:fillRef>
-            <a:effectRef idx="1">
-              <a:schemeClr val="dk1"/>
-            </a:effectRef>
-            <a:fontRef idx="minor">
-              <a:schemeClr val="tx1"/>
-            </a:fontRef>
-          </p:style>
-        </p:cxnSp>
-      </p:grpSp>
-    </p:spTree>
-  </p:cSld>
-  <p:clrMapOvr>
-    <a:masterClrMapping/>
-  </p:clrMapOvr>
-</p:sld>
-</file>
-
-<file path=ppt/slides/slide21.xml><?xml version="1.0" encoding="utf-8"?>
-<p:sld xmlns:a="http://schemas.openxmlformats.org/drawingml/2006/main" xmlns:r="http://schemas.openxmlformats.org/officeDocument/2006/relationships" xmlns:p="http://schemas.openxmlformats.org/presentationml/2006/main">
-  <p:cSld>
-    <p:spTree>
-      <p:nvGrpSpPr>
-        <p:cNvPr id="1" name=""/>
-        <p:cNvGrpSpPr/>
-        <p:nvPr/>
-      </p:nvGrpSpPr>
-      <p:grpSpPr>
-        <a:xfrm>
-          <a:off x="0" y="0"/>
-          <a:ext cx="0" cy="0"/>
-          <a:chOff x="0" y="0"/>
-          <a:chExt cx="0" cy="0"/>
-        </a:xfrm>
-      </p:grpSpPr>
-      <p:sp>
-        <p:nvSpPr>
-          <p:cNvPr id="2" name="Title 1"/>
-          <p:cNvSpPr>
-            <a:spLocks noGrp="1"/>
-          </p:cNvSpPr>
-          <p:nvPr>
-            <p:ph type="title"/>
-          </p:nvPr>
-        </p:nvSpPr>
-        <p:spPr/>
-        <p:txBody>
-          <a:bodyPr/>
-          <a:lstStyle/>
-          <a:p>
-            <a:r>
-              <a:rPr lang="en-IN" dirty="0" smtClean="0"/>
-              <a:t>Reading Passwords</a:t>
-            </a:r>
-            <a:endParaRPr lang="en-US" dirty="0"/>
-          </a:p>
-        </p:txBody>
-      </p:sp>
-      <p:pic>
-        <p:nvPicPr>
-          <p:cNvPr id="2050" name="Picture 2"/>
-          <p:cNvPicPr>
-            <a:picLocks noChangeAspect="1" noChangeArrowheads="1"/>
-          </p:cNvPicPr>
-          <p:nvPr/>
-        </p:nvPicPr>
-        <p:blipFill>
-          <a:blip r:embed="rId2"/>
-          <a:srcRect/>
-          <a:stretch>
-            <a:fillRect/>
-          </a:stretch>
-        </p:blipFill>
-        <p:spPr bwMode="auto">
-          <a:xfrm>
-            <a:off x="457200" y="1752600"/>
-            <a:ext cx="7248525" cy="4572000"/>
-          </a:xfrm>
-          <a:prstGeom prst="rect">
-            <a:avLst/>
-          </a:prstGeom>
-          <a:noFill/>
-          <a:ln w="9525">
-            <a:noFill/>
-            <a:miter lim="800000"/>
-            <a:headEnd/>
-            <a:tailEnd/>
-          </a:ln>
-          <a:effectLst/>
-        </p:spPr>
-      </p:pic>
-    </p:spTree>
-  </p:cSld>
-  <p:clrMapOvr>
-    <a:masterClrMapping/>
-  </p:clrMapOvr>
-</p:sld>
-</file>
-
-<file path=ppt/slides/slide22.xml><?xml version="1.0" encoding="utf-8"?>
-<p:sld xmlns:a="http://schemas.openxmlformats.org/drawingml/2006/main" xmlns:r="http://schemas.openxmlformats.org/officeDocument/2006/relationships" xmlns:p="http://schemas.openxmlformats.org/presentationml/2006/main">
-  <p:cSld>
-    <p:spTree>
-      <p:nvGrpSpPr>
-        <p:cNvPr id="1" name=""/>
-        <p:cNvGrpSpPr/>
-        <p:nvPr/>
-      </p:nvGrpSpPr>
-      <p:grpSpPr>
-        <a:xfrm>
-          <a:off x="0" y="0"/>
-          <a:ext cx="0" cy="0"/>
-          <a:chOff x="0" y="0"/>
-          <a:chExt cx="0" cy="0"/>
-        </a:xfrm>
-      </p:grpSpPr>
-      <p:sp>
-        <p:nvSpPr>
-          <p:cNvPr id="2" name="Title 1"/>
-          <p:cNvSpPr>
-            <a:spLocks noGrp="1"/>
-          </p:cNvSpPr>
-          <p:nvPr>
-            <p:ph type="title"/>
-          </p:nvPr>
-        </p:nvSpPr>
-        <p:spPr/>
-        <p:txBody>
-          <a:bodyPr/>
-          <a:lstStyle/>
-          <a:p>
-            <a:r>
-              <a:rPr lang="en-IN" dirty="0" smtClean="0"/>
-              <a:t>Output</a:t>
-            </a:r>
-            <a:endParaRPr lang="en-US" dirty="0"/>
-          </a:p>
-        </p:txBody>
-      </p:sp>
-      <p:pic>
-        <p:nvPicPr>
-          <p:cNvPr id="3074" name="Picture 2"/>
-          <p:cNvPicPr>
-            <a:picLocks noChangeAspect="1" noChangeArrowheads="1"/>
-          </p:cNvPicPr>
-          <p:nvPr/>
-        </p:nvPicPr>
-        <p:blipFill>
-          <a:blip r:embed="rId2"/>
-          <a:srcRect/>
-          <a:stretch>
-            <a:fillRect/>
-          </a:stretch>
-        </p:blipFill>
-        <p:spPr bwMode="auto">
-          <a:xfrm>
-            <a:off x="457200" y="1752600"/>
-            <a:ext cx="8223447" cy="1905000"/>
-          </a:xfrm>
-          <a:prstGeom prst="rect">
-            <a:avLst/>
-          </a:prstGeom>
-          <a:noFill/>
-          <a:ln w="9525">
-            <a:noFill/>
-            <a:miter lim="800000"/>
-            <a:headEnd/>
-            <a:tailEnd/>
-          </a:ln>
-          <a:effectLst/>
-        </p:spPr>
-      </p:pic>
-    </p:spTree>
-  </p:cSld>
-  <p:clrMapOvr>
-    <a:masterClrMapping/>
-  </p:clrMapOvr>
-</p:sld>
-</file>
-
-<file path=ppt/slides/slide23.xml><?xml version="1.0" encoding="utf-8"?>
-<p:sld xmlns:a="http://schemas.openxmlformats.org/drawingml/2006/main" xmlns:r="http://schemas.openxmlformats.org/officeDocument/2006/relationships" xmlns:p="http://schemas.openxmlformats.org/presentationml/2006/main">
-  <p:cSld>
-    <p:spTree>
-      <p:nvGrpSpPr>
-        <p:cNvPr id="1" name=""/>
-        <p:cNvGrpSpPr/>
-        <p:nvPr/>
-      </p:nvGrpSpPr>
-      <p:grpSpPr>
-        <a:xfrm>
-          <a:off x="0" y="0"/>
-          <a:ext cx="0" cy="0"/>
-          <a:chOff x="0" y="0"/>
-          <a:chExt cx="0" cy="0"/>
-        </a:xfrm>
-      </p:grpSpPr>
-      <p:sp>
-        <p:nvSpPr>
-          <p:cNvPr id="2" name="Title 1"/>
-          <p:cNvSpPr>
-            <a:spLocks noGrp="1"/>
-          </p:cNvSpPr>
-          <p:nvPr>
-            <p:ph type="title"/>
-          </p:nvPr>
-        </p:nvSpPr>
-        <p:spPr>
-          <a:xfrm>
-            <a:off x="457200" y="274638"/>
-            <a:ext cx="3962400" cy="563562"/>
-          </a:xfrm>
-        </p:spPr>
-        <p:txBody>
-          <a:bodyPr>
-            <a:normAutofit/>
-          </a:bodyPr>
-          <a:lstStyle/>
-          <a:p>
-            <a:r>
-              <a:rPr lang="en-IN" sz="2500" dirty="0" smtClean="0"/>
-              <a:t>Reading data from file</a:t>
-            </a:r>
-            <a:endParaRPr lang="en-US" sz="2500" dirty="0"/>
-          </a:p>
-        </p:txBody>
-      </p:sp>
-      <p:pic>
-        <p:nvPicPr>
-          <p:cNvPr id="4104" name="Picture 8"/>
-          <p:cNvPicPr>
-            <a:picLocks noChangeAspect="1" noChangeArrowheads="1"/>
-          </p:cNvPicPr>
-          <p:nvPr/>
-        </p:nvPicPr>
-        <p:blipFill>
-          <a:blip r:embed="rId2"/>
-          <a:srcRect/>
-          <a:stretch>
-            <a:fillRect/>
-          </a:stretch>
-        </p:blipFill>
-        <p:spPr bwMode="auto">
-          <a:xfrm>
-            <a:off x="219074" y="937652"/>
-            <a:ext cx="6181726" cy="5615548"/>
-          </a:xfrm>
-          <a:prstGeom prst="rect">
-            <a:avLst/>
-          </a:prstGeom>
-          <a:noFill/>
-          <a:ln w="9525">
-            <a:noFill/>
-            <a:miter lim="800000"/>
-            <a:headEnd/>
-            <a:tailEnd/>
-          </a:ln>
-          <a:effectLst/>
-        </p:spPr>
-      </p:pic>
-      <p:pic>
-        <p:nvPicPr>
-          <p:cNvPr id="4100" name="Picture 4"/>
-          <p:cNvPicPr>
-            <a:picLocks noChangeAspect="1" noChangeArrowheads="1"/>
-          </p:cNvPicPr>
-          <p:nvPr/>
-        </p:nvPicPr>
-        <p:blipFill>
-          <a:blip r:embed="rId3"/>
-          <a:srcRect/>
-          <a:stretch>
-            <a:fillRect/>
-          </a:stretch>
-        </p:blipFill>
-        <p:spPr bwMode="auto">
-          <a:xfrm>
-            <a:off x="5715000" y="1609725"/>
-            <a:ext cx="2343150" cy="1162050"/>
-          </a:xfrm>
-          <a:prstGeom prst="rect">
-            <a:avLst/>
-          </a:prstGeom>
-          <a:noFill/>
-          <a:ln w="9525">
-            <a:noFill/>
-            <a:miter lim="800000"/>
-            <a:headEnd/>
-            <a:tailEnd/>
-          </a:ln>
-          <a:effectLst/>
-        </p:spPr>
-      </p:pic>
-      <p:pic>
-        <p:nvPicPr>
-          <p:cNvPr id="4099" name="Picture 3"/>
-          <p:cNvPicPr>
-            <a:picLocks noChangeAspect="1" noChangeArrowheads="1"/>
-          </p:cNvPicPr>
-          <p:nvPr/>
-        </p:nvPicPr>
-        <p:blipFill>
-          <a:blip r:embed="rId4"/>
-          <a:srcRect/>
-          <a:stretch>
-            <a:fillRect/>
-          </a:stretch>
-        </p:blipFill>
-        <p:spPr bwMode="auto">
-          <a:xfrm>
-            <a:off x="5715000" y="3209925"/>
-            <a:ext cx="2971800" cy="1743075"/>
-          </a:xfrm>
-          <a:prstGeom prst="rect">
-            <a:avLst/>
-          </a:prstGeom>
-          <a:noFill/>
-          <a:ln w="9525">
-            <a:noFill/>
-            <a:miter lim="800000"/>
-            <a:headEnd/>
-            <a:tailEnd/>
-          </a:ln>
-          <a:effectLst/>
-        </p:spPr>
-      </p:pic>
-    </p:spTree>
-  </p:cSld>
-  <p:clrMapOvr>
-    <a:masterClrMapping/>
-  </p:clrMapOvr>
-</p:sld>
-</file>
-
-<file path=ppt/slides/slide24.xml><?xml version="1.0" encoding="utf-8"?>
-<p:sld xmlns:a="http://schemas.openxmlformats.org/drawingml/2006/main" xmlns:r="http://schemas.openxmlformats.org/officeDocument/2006/relationships" xmlns:p="http://schemas.openxmlformats.org/presentationml/2006/main">
-  <p:cSld>
-    <p:spTree>
-      <p:nvGrpSpPr>
-        <p:cNvPr id="1" name=""/>
-        <p:cNvGrpSpPr/>
-        <p:nvPr/>
-      </p:nvGrpSpPr>
-      <p:grpSpPr>
-        <a:xfrm>
-          <a:off x="0" y="0"/>
-          <a:ext cx="0" cy="0"/>
-          <a:chOff x="0" y="0"/>
-          <a:chExt cx="0" cy="0"/>
-        </a:xfrm>
-      </p:grpSpPr>
-      <p:sp>
-        <p:nvSpPr>
-          <p:cNvPr id="2" name="Title 1"/>
-          <p:cNvSpPr>
-            <a:spLocks noGrp="1"/>
-          </p:cNvSpPr>
-          <p:nvPr>
-            <p:ph type="title"/>
-          </p:nvPr>
-        </p:nvSpPr>
-        <p:spPr>
-          <a:xfrm>
-            <a:off x="457200" y="274638"/>
-            <a:ext cx="3124200" cy="563562"/>
-          </a:xfrm>
-        </p:spPr>
-        <p:txBody>
-          <a:bodyPr>
-            <a:normAutofit/>
-          </a:bodyPr>
-          <a:lstStyle/>
-          <a:p>
-            <a:r>
-              <a:rPr lang="en-IN" sz="2500" dirty="0" smtClean="0"/>
-              <a:t>Writing data to file</a:t>
-            </a:r>
-            <a:endParaRPr lang="en-US" sz="2500" dirty="0"/>
-          </a:p>
-        </p:txBody>
-      </p:sp>
-      <p:pic>
-        <p:nvPicPr>
-          <p:cNvPr id="4098" name="Picture 2"/>
-          <p:cNvPicPr>
-            <a:picLocks noChangeAspect="1" noChangeArrowheads="1"/>
-          </p:cNvPicPr>
-          <p:nvPr/>
-        </p:nvPicPr>
-        <p:blipFill>
-          <a:blip r:embed="rId2"/>
-          <a:srcRect/>
-          <a:stretch>
-            <a:fillRect/>
-          </a:stretch>
-        </p:blipFill>
-        <p:spPr bwMode="auto">
-          <a:xfrm>
-            <a:off x="457200" y="1142999"/>
-            <a:ext cx="5181600" cy="5514361"/>
-          </a:xfrm>
-          <a:prstGeom prst="rect">
-            <a:avLst/>
-          </a:prstGeom>
-          <a:noFill/>
-          <a:ln w="9525">
-            <a:noFill/>
-            <a:miter lim="800000"/>
-            <a:headEnd/>
-            <a:tailEnd/>
-          </a:ln>
-          <a:effectLst/>
-        </p:spPr>
-      </p:pic>
-      <p:pic>
-        <p:nvPicPr>
-          <p:cNvPr id="4099" name="Picture 3"/>
-          <p:cNvPicPr>
-            <a:picLocks noChangeAspect="1" noChangeArrowheads="1"/>
-          </p:cNvPicPr>
-          <p:nvPr/>
-        </p:nvPicPr>
-        <p:blipFill>
-          <a:blip r:embed="rId3"/>
-          <a:srcRect/>
-          <a:stretch>
-            <a:fillRect/>
-          </a:stretch>
-        </p:blipFill>
-        <p:spPr bwMode="auto">
-          <a:xfrm>
-            <a:off x="5486400" y="3124200"/>
-            <a:ext cx="2971800" cy="1743075"/>
-          </a:xfrm>
-          <a:prstGeom prst="rect">
-            <a:avLst/>
-          </a:prstGeom>
-          <a:noFill/>
-          <a:ln w="9525">
-            <a:noFill/>
-            <a:miter lim="800000"/>
-            <a:headEnd/>
-            <a:tailEnd/>
-          </a:ln>
-          <a:effectLst/>
-        </p:spPr>
-      </p:pic>
-      <p:pic>
-        <p:nvPicPr>
-          <p:cNvPr id="4100" name="Picture 4"/>
-          <p:cNvPicPr>
-            <a:picLocks noChangeAspect="1" noChangeArrowheads="1"/>
-          </p:cNvPicPr>
-          <p:nvPr/>
-        </p:nvPicPr>
-        <p:blipFill>
-          <a:blip r:embed="rId4"/>
-          <a:srcRect/>
-          <a:stretch>
-            <a:fillRect/>
-          </a:stretch>
-        </p:blipFill>
-        <p:spPr bwMode="auto">
-          <a:xfrm>
-            <a:off x="5486400" y="228600"/>
-            <a:ext cx="2343150" cy="1162050"/>
-          </a:xfrm>
-          <a:prstGeom prst="rect">
-            <a:avLst/>
-          </a:prstGeom>
-          <a:noFill/>
-          <a:ln w="9525">
-            <a:noFill/>
-            <a:miter lim="800000"/>
-            <a:headEnd/>
-            <a:tailEnd/>
-          </a:ln>
-          <a:effectLst/>
-        </p:spPr>
-      </p:pic>
-      <p:pic>
-        <p:nvPicPr>
-          <p:cNvPr id="4101" name="Picture 5"/>
-          <p:cNvPicPr>
-            <a:picLocks noChangeAspect="1" noChangeArrowheads="1"/>
-          </p:cNvPicPr>
-          <p:nvPr/>
-        </p:nvPicPr>
-        <p:blipFill>
-          <a:blip r:embed="rId5"/>
-          <a:srcRect/>
-          <a:stretch>
-            <a:fillRect/>
-          </a:stretch>
-        </p:blipFill>
-        <p:spPr bwMode="auto">
-          <a:xfrm>
-            <a:off x="5486400" y="5029200"/>
-            <a:ext cx="3162300" cy="1238250"/>
-          </a:xfrm>
-          <a:prstGeom prst="rect">
-            <a:avLst/>
-          </a:prstGeom>
-          <a:noFill/>
-          <a:ln w="9525">
-            <a:noFill/>
-            <a:miter lim="800000"/>
-            <a:headEnd/>
-            <a:tailEnd/>
-          </a:ln>
-          <a:effectLst/>
-        </p:spPr>
-      </p:pic>
-      <p:pic>
-        <p:nvPicPr>
-          <p:cNvPr id="4102" name="Picture 6"/>
-          <p:cNvPicPr>
-            <a:picLocks noChangeAspect="1" noChangeArrowheads="1"/>
-          </p:cNvPicPr>
-          <p:nvPr/>
-        </p:nvPicPr>
-        <p:blipFill>
-          <a:blip r:embed="rId6"/>
-          <a:srcRect/>
-          <a:stretch>
-            <a:fillRect/>
-          </a:stretch>
-        </p:blipFill>
-        <p:spPr bwMode="auto">
-          <a:xfrm>
-            <a:off x="5486400" y="1524000"/>
-            <a:ext cx="3648075" cy="1333500"/>
-          </a:xfrm>
-          <a:prstGeom prst="rect">
-            <a:avLst/>
-          </a:prstGeom>
-          <a:noFill/>
-          <a:ln w="9525">
-            <a:noFill/>
-            <a:miter lim="800000"/>
-            <a:headEnd/>
-            <a:tailEnd/>
-          </a:ln>
-          <a:effectLst/>
-        </p:spPr>
-      </p:pic>
-    </p:spTree>
-  </p:cSld>
-  <p:clrMapOvr>
-    <a:masterClrMapping/>
-  </p:clrMapOvr>
-</p:sld>
-</file>
-
-<file path=ppt/slides/slide25.xml><?xml version="1.0" encoding="utf-8"?>
-<p:sld xmlns:a="http://schemas.openxmlformats.org/drawingml/2006/main" xmlns:r="http://schemas.openxmlformats.org/officeDocument/2006/relationships" xmlns:p="http://schemas.openxmlformats.org/presentationml/2006/main">
-  <p:cSld>
-    <p:spTree>
-      <p:nvGrpSpPr>
-        <p:cNvPr id="1" name=""/>
-        <p:cNvGrpSpPr/>
-        <p:nvPr/>
-      </p:nvGrpSpPr>
-      <p:grpSpPr>
-        <a:xfrm>
-          <a:off x="0" y="0"/>
-          <a:ext cx="0" cy="0"/>
-          <a:chOff x="0" y="0"/>
-          <a:chExt cx="0" cy="0"/>
-        </a:xfrm>
-      </p:grpSpPr>
-      <p:sp>
-        <p:nvSpPr>
-          <p:cNvPr id="2" name="Title 1"/>
-          <p:cNvSpPr>
-            <a:spLocks noGrp="1"/>
-          </p:cNvSpPr>
-          <p:nvPr>
-            <p:ph type="title"/>
-          </p:nvPr>
-        </p:nvSpPr>
-        <p:spPr>
-          <a:xfrm>
-            <a:off x="457200" y="1981200"/>
-            <a:ext cx="8229600" cy="1143000"/>
-          </a:xfrm>
-        </p:spPr>
-        <p:txBody>
-          <a:bodyPr/>
-          <a:lstStyle/>
-          <a:p>
-            <a:r>
-              <a:rPr lang="en-US" dirty="0" smtClean="0"/>
-              <a:t>Thank You</a:t>
-            </a:r>
-            <a:endParaRPr lang="en-US" dirty="0"/>
-          </a:p>
-        </p:txBody>
-      </p:sp>
-      <p:sp>
-        <p:nvSpPr>
-          <p:cNvPr id="4" name="Subtitle 2"/>
-          <p:cNvSpPr txBox="1">
-            <a:spLocks/>
-          </p:cNvSpPr>
-          <p:nvPr/>
-        </p:nvSpPr>
-        <p:spPr>
-          <a:xfrm>
-            <a:off x="4038600" y="4191000"/>
-            <a:ext cx="4191000" cy="1752600"/>
-          </a:xfrm>
-          <a:prstGeom prst="rect">
-            <a:avLst/>
-          </a:prstGeom>
-        </p:spPr>
-        <p:txBody>
-          <a:bodyPr vert="horz" lIns="91440" tIns="45720" rIns="91440" bIns="45720" rtlCol="0">
-            <a:normAutofit fontScale="92500" lnSpcReduction="10000"/>
-          </a:bodyPr>
-          <a:lstStyle/>
-          <a:p>
-            <a:pPr marL="342900" marR="0" lvl="0" indent="-342900" algn="r" defTabSz="914400" rtl="0" eaLnBrk="1" fontAlgn="auto" latinLnBrk="0" hangingPunct="1">
-              <a:lnSpc>
-                <a:spcPct val="100000"/>
-              </a:lnSpc>
-              <a:spcBef>
-                <a:spcPct val="20000"/>
-              </a:spcBef>
-              <a:spcAft>
-                <a:spcPts val="0"/>
-              </a:spcAft>
-              <a:buClrTx/>
-              <a:buSzTx/>
-              <a:tabLst/>
-              <a:defRPr/>
-            </a:pPr>
-            <a:r>
-              <a:rPr kumimoji="0" lang="en-US" sz="2200" b="0" i="0" u="none" strike="noStrike" kern="1200" cap="none" spc="0" normalizeH="0" baseline="0" noProof="0" dirty="0" err="1" smtClean="0">
-                <a:ln>
-                  <a:noFill/>
-                </a:ln>
-                <a:solidFill>
-                  <a:schemeClr val="tx1"/>
-                </a:solidFill>
-                <a:effectLst/>
-                <a:uLnTx/>
-                <a:uFillTx/>
-                <a:latin typeface="Cambria" pitchFamily="18" charset="0"/>
-                <a:ea typeface="+mn-ea"/>
-                <a:cs typeface="+mn-cs"/>
-              </a:rPr>
-              <a:t>Rajasekaran</a:t>
-            </a:r>
-            <a:r>
-              <a:rPr kumimoji="0" lang="en-US" sz="2200" b="0" i="0" u="none" strike="noStrike" kern="1200" cap="none" spc="0" normalizeH="0" baseline="0" noProof="0" dirty="0" smtClean="0">
-                <a:ln>
-                  <a:noFill/>
-                </a:ln>
-                <a:solidFill>
-                  <a:schemeClr val="tx1"/>
-                </a:solidFill>
-                <a:effectLst/>
-                <a:uLnTx/>
-                <a:uFillTx/>
-                <a:latin typeface="Cambria" pitchFamily="18" charset="0"/>
-                <a:ea typeface="+mn-ea"/>
-                <a:cs typeface="+mn-cs"/>
-              </a:rPr>
-              <a:t> S</a:t>
-            </a:r>
-          </a:p>
-          <a:p>
-            <a:pPr marL="342900" marR="0" lvl="0" indent="-342900" algn="r" defTabSz="914400" rtl="0" eaLnBrk="1" fontAlgn="auto" latinLnBrk="0" hangingPunct="1">
-              <a:lnSpc>
-                <a:spcPct val="100000"/>
-              </a:lnSpc>
-              <a:spcBef>
-                <a:spcPct val="20000"/>
-              </a:spcBef>
-              <a:spcAft>
-                <a:spcPts val="0"/>
-              </a:spcAft>
-              <a:buClrTx/>
-              <a:buSzTx/>
-              <a:tabLst/>
-              <a:defRPr/>
-            </a:pPr>
-            <a:r>
-              <a:rPr kumimoji="0" lang="en-US" sz="1600" b="0" i="0" u="none" strike="noStrike" kern="1200" cap="none" spc="0" normalizeH="0" baseline="0" noProof="0" dirty="0" smtClean="0">
-                <a:ln>
-                  <a:noFill/>
-                </a:ln>
-                <a:solidFill>
-                  <a:schemeClr val="tx1"/>
-                </a:solidFill>
-                <a:effectLst/>
-                <a:uLnTx/>
-                <a:uFillTx/>
-                <a:latin typeface="Cambria" pitchFamily="18" charset="0"/>
-                <a:ea typeface="+mn-ea"/>
-                <a:cs typeface="+mn-cs"/>
-              </a:rPr>
-              <a:t>Assistant Professor,</a:t>
-            </a:r>
-          </a:p>
-          <a:p>
-            <a:pPr marL="342900" marR="0" lvl="0" indent="-342900" algn="r" defTabSz="914400" rtl="0" eaLnBrk="1" fontAlgn="auto" latinLnBrk="0" hangingPunct="1">
-              <a:lnSpc>
-                <a:spcPct val="100000"/>
-              </a:lnSpc>
-              <a:spcBef>
-                <a:spcPct val="20000"/>
-              </a:spcBef>
-              <a:spcAft>
-                <a:spcPts val="0"/>
-              </a:spcAft>
-              <a:buClrTx/>
-              <a:buSzTx/>
-              <a:tabLst/>
-              <a:defRPr/>
-            </a:pPr>
-            <a:r>
-              <a:rPr kumimoji="0" lang="en-US" sz="1600" b="0" i="0" u="none" strike="noStrike" kern="1200" cap="none" spc="0" normalizeH="0" baseline="0" noProof="0" dirty="0" smtClean="0">
-                <a:ln>
-                  <a:noFill/>
-                </a:ln>
-                <a:solidFill>
-                  <a:schemeClr val="tx1"/>
-                </a:solidFill>
-                <a:effectLst/>
-                <a:uLnTx/>
-                <a:uFillTx/>
-                <a:latin typeface="Cambria" pitchFamily="18" charset="0"/>
-                <a:ea typeface="+mn-ea"/>
-                <a:cs typeface="+mn-cs"/>
-              </a:rPr>
-              <a:t>Department of Information Technology,</a:t>
-            </a:r>
-          </a:p>
-          <a:p>
-            <a:pPr marL="342900" marR="0" lvl="0" indent="-342900" algn="r" defTabSz="914400" rtl="0" eaLnBrk="1" fontAlgn="auto" latinLnBrk="0" hangingPunct="1">
-              <a:lnSpc>
-                <a:spcPct val="100000"/>
-              </a:lnSpc>
-              <a:spcBef>
-                <a:spcPct val="20000"/>
-              </a:spcBef>
-              <a:spcAft>
-                <a:spcPts val="0"/>
-              </a:spcAft>
-              <a:buClrTx/>
-              <a:buSzTx/>
-              <a:tabLst/>
-              <a:defRPr/>
-            </a:pPr>
-            <a:r>
-              <a:rPr kumimoji="0" lang="en-US" sz="1600" b="0" i="0" u="none" strike="noStrike" kern="1200" cap="none" spc="0" normalizeH="0" baseline="0" noProof="0" dirty="0" err="1" smtClean="0">
-                <a:ln>
-                  <a:noFill/>
-                </a:ln>
-                <a:solidFill>
-                  <a:schemeClr val="tx1"/>
-                </a:solidFill>
-                <a:effectLst/>
-                <a:uLnTx/>
-                <a:uFillTx/>
-                <a:latin typeface="Cambria" pitchFamily="18" charset="0"/>
-                <a:ea typeface="+mn-ea"/>
-                <a:cs typeface="+mn-cs"/>
-              </a:rPr>
-              <a:t>KGiSL</a:t>
-            </a:r>
-            <a:r>
-              <a:rPr kumimoji="0" lang="en-US" sz="1600" b="0" i="0" u="none" strike="noStrike" kern="1200" cap="none" spc="0" normalizeH="0" baseline="0" noProof="0" dirty="0" smtClean="0">
-                <a:ln>
-                  <a:noFill/>
-                </a:ln>
-                <a:solidFill>
-                  <a:schemeClr val="tx1"/>
-                </a:solidFill>
-                <a:effectLst/>
-                <a:uLnTx/>
-                <a:uFillTx/>
-                <a:latin typeface="Cambria" pitchFamily="18" charset="0"/>
-                <a:ea typeface="+mn-ea"/>
-                <a:cs typeface="+mn-cs"/>
-              </a:rPr>
-              <a:t> Institute of Technology,</a:t>
-            </a:r>
-          </a:p>
-          <a:p>
-            <a:pPr marL="342900" marR="0" lvl="0" indent="-342900" algn="r" defTabSz="914400" rtl="0" eaLnBrk="1" fontAlgn="auto" latinLnBrk="0" hangingPunct="1">
-              <a:lnSpc>
-                <a:spcPct val="100000"/>
-              </a:lnSpc>
-              <a:spcBef>
-                <a:spcPct val="20000"/>
-              </a:spcBef>
-              <a:spcAft>
-                <a:spcPts val="0"/>
-              </a:spcAft>
-              <a:buClrTx/>
-              <a:buSzTx/>
-              <a:tabLst/>
-              <a:defRPr/>
-            </a:pPr>
-            <a:r>
-              <a:rPr kumimoji="0" lang="en-US" sz="1600" b="0" i="0" u="none" strike="noStrike" kern="1200" cap="none" spc="0" normalizeH="0" baseline="0" noProof="0" dirty="0" smtClean="0">
-                <a:ln>
-                  <a:noFill/>
-                </a:ln>
-                <a:solidFill>
-                  <a:schemeClr val="tx1"/>
-                </a:solidFill>
-                <a:effectLst/>
-                <a:uLnTx/>
-                <a:uFillTx/>
-                <a:latin typeface="Cambria" pitchFamily="18" charset="0"/>
-                <a:ea typeface="+mn-ea"/>
-                <a:cs typeface="+mn-cs"/>
-              </a:rPr>
-              <a:t>email: </a:t>
-            </a:r>
-            <a:r>
-              <a:rPr kumimoji="0" lang="en-US" sz="1600" b="0" i="0" u="none" strike="noStrike" kern="1200" cap="none" spc="0" normalizeH="0" baseline="0" noProof="0" dirty="0" smtClean="0">
-                <a:ln>
-                  <a:noFill/>
-                </a:ln>
-                <a:solidFill>
-                  <a:schemeClr val="tx1"/>
-                </a:solidFill>
-                <a:effectLst/>
-                <a:uLnTx/>
-                <a:uFillTx/>
-                <a:latin typeface="Cambria" pitchFamily="18" charset="0"/>
-                <a:ea typeface="+mn-ea"/>
-                <a:cs typeface="+mn-cs"/>
-                <a:hlinkClick r:id="rId2"/>
-              </a:rPr>
-              <a:t>proffraja@gmail.com</a:t>
-            </a:r>
-            <a:endParaRPr lang="en-US" sz="1600" dirty="0" smtClean="0">
-              <a:latin typeface="Cambria" pitchFamily="18" charset="0"/>
-            </a:endParaRPr>
-          </a:p>
-          <a:p>
-            <a:pPr marL="342900" marR="0" lvl="0" indent="-342900" algn="r" defTabSz="914400" rtl="0" eaLnBrk="1" fontAlgn="auto" latinLnBrk="0" hangingPunct="1">
-              <a:lnSpc>
-                <a:spcPct val="100000"/>
-              </a:lnSpc>
-              <a:spcBef>
-                <a:spcPct val="20000"/>
-              </a:spcBef>
-              <a:spcAft>
-                <a:spcPts val="0"/>
-              </a:spcAft>
-              <a:buClrTx/>
-              <a:buSzTx/>
-              <a:tabLst/>
-              <a:defRPr/>
-            </a:pPr>
-            <a:r>
-              <a:rPr lang="en-US" sz="1600" dirty="0" err="1" smtClean="0">
-                <a:latin typeface="Cambria" pitchFamily="18" charset="0"/>
-              </a:rPr>
-              <a:t>Github:</a:t>
-            </a:r>
-            <a:r>
-              <a:rPr lang="en-US" sz="1600" dirty="0" err="1" smtClean="0">
-                <a:latin typeface="Cambria" pitchFamily="18" charset="0"/>
-                <a:hlinkClick r:id="rId3"/>
-              </a:rPr>
-              <a:t>www.github.com</a:t>
-            </a:r>
-            <a:r>
-              <a:rPr lang="en-US" sz="1600" dirty="0" smtClean="0">
-                <a:latin typeface="Cambria" pitchFamily="18" charset="0"/>
-                <a:hlinkClick r:id="rId3"/>
-              </a:rPr>
-              <a:t>/</a:t>
-            </a:r>
-            <a:r>
-              <a:rPr lang="en-US" sz="1600" dirty="0" err="1" smtClean="0">
-                <a:latin typeface="Cambria" pitchFamily="18" charset="0"/>
-                <a:hlinkClick r:id="rId3"/>
-              </a:rPr>
-              <a:t>rajasekaranap</a:t>
-            </a:r>
-            <a:endParaRPr lang="en-US" sz="1600" dirty="0" smtClean="0">
-              <a:latin typeface="Cambria" pitchFamily="18" charset="0"/>
-            </a:endParaRPr>
-          </a:p>
-          <a:p>
-            <a:pPr marL="342900" marR="0" lvl="0" indent="-342900" algn="r" defTabSz="914400" rtl="0" eaLnBrk="1" fontAlgn="auto" latinLnBrk="0" hangingPunct="1">
-              <a:lnSpc>
-                <a:spcPct val="100000"/>
-              </a:lnSpc>
-              <a:spcBef>
-                <a:spcPct val="20000"/>
-              </a:spcBef>
-              <a:spcAft>
-                <a:spcPts val="0"/>
-              </a:spcAft>
-              <a:buClrTx/>
-              <a:buSzTx/>
-              <a:tabLst/>
-              <a:defRPr/>
-            </a:pPr>
-            <a:endParaRPr lang="en-US" sz="1600" dirty="0" smtClean="0">
-              <a:latin typeface="Cambria" pitchFamily="18" charset="0"/>
-            </a:endParaRPr>
-          </a:p>
-        </p:txBody>
-      </p:sp>
-    </p:spTree>
-  </p:cSld>
-  <p:clrMapOvr>
-    <a:masterClrMapping/>
-  </p:clrMapOvr>
-  <p:timing>
-    <p:tnLst>
-      <p:par>
-        <p:cTn id="1" dur="indefinite" restart="never" nodeType="tmRoot"/>
-      </p:par>
-    </p:tnLst>
-  </p:timing>
-</p:sld>
-</file>
-
-<file path=ppt/slides/slide3.xml><?xml version="1.0" encoding="utf-8"?>
-<p:sld xmlns:a="http://schemas.openxmlformats.org/drawingml/2006/main" xmlns:r="http://schemas.openxmlformats.org/officeDocument/2006/relationships" xmlns:p="http://schemas.openxmlformats.org/presentationml/2006/main">
-  <p:cSld>
-    <p:spTree>
-      <p:nvGrpSpPr>
-        <p:cNvPr id="1" name=""/>
-        <p:cNvGrpSpPr/>
-        <p:nvPr/>
-      </p:nvGrpSpPr>
-      <p:grpSpPr>
-        <a:xfrm>
-          <a:off x="0" y="0"/>
-          <a:ext cx="0" cy="0"/>
-          <a:chOff x="0" y="0"/>
-          <a:chExt cx="0" cy="0"/>
-        </a:xfrm>
-      </p:grpSpPr>
-      <p:sp>
-        <p:nvSpPr>
-          <p:cNvPr id="2" name="Title 1"/>
-          <p:cNvSpPr>
-            <a:spLocks noGrp="1"/>
-          </p:cNvSpPr>
-          <p:nvPr>
-            <p:ph type="title"/>
-          </p:nvPr>
-        </p:nvSpPr>
-        <p:spPr/>
-        <p:txBody>
-          <a:bodyPr/>
-          <a:lstStyle/>
-          <a:p>
-            <a:r>
-              <a:rPr lang="en-IN" dirty="0" smtClean="0"/>
-              <a:t>Types of Streams</a:t>
-            </a:r>
-            <a:endParaRPr lang="en-US" dirty="0"/>
-          </a:p>
-        </p:txBody>
-      </p:sp>
-      <p:graphicFrame>
-        <p:nvGraphicFramePr>
-          <p:cNvPr id="4" name="Content Placeholder 3"/>
-          <p:cNvGraphicFramePr>
-            <a:graphicFrameLocks noGrp="1"/>
-          </p:cNvGraphicFramePr>
-          <p:nvPr>
-            <p:ph idx="1"/>
-          </p:nvPr>
-        </p:nvGraphicFramePr>
-        <p:xfrm>
-          <a:off x="457200" y="1752600"/>
-          <a:ext cx="8229600" cy="3992563"/>
-        </p:xfrm>
-        <a:graphic>
-          <a:graphicData uri="http://schemas.openxmlformats.org/drawingml/2006/diagram">
-            <dgm:relIds xmlns:dgm="http://schemas.openxmlformats.org/drawingml/2006/diagram" xmlns:r="http://schemas.openxmlformats.org/officeDocument/2006/relationships" r:dm="rId2" r:lo="rId3" r:qs="rId4" r:cs="rId5"/>
-          </a:graphicData>
-        </a:graphic>
-      </p:graphicFrame>
-    </p:spTree>
-  </p:cSld>
-  <p:clrMapOvr>
-    <a:masterClrMapping/>
-  </p:clrMapOvr>
-</p:sld>
-</file>
-
-<file path=ppt/slides/slide4.xml><?xml version="1.0" encoding="utf-8"?>
-<p:sld xmlns:a="http://schemas.openxmlformats.org/drawingml/2006/main" xmlns:r="http://schemas.openxmlformats.org/officeDocument/2006/relationships" xmlns:p="http://schemas.openxmlformats.org/presentationml/2006/main">
-  <p:cSld>
-    <p:spTree>
-      <p:nvGrpSpPr>
-        <p:cNvPr id="1" name=""/>
-        <p:cNvGrpSpPr/>
-        <p:nvPr/>
-      </p:nvGrpSpPr>
-      <p:grpSpPr>
-        <a:xfrm>
-          <a:off x="0" y="0"/>
-          <a:ext cx="0" cy="0"/>
-          <a:chOff x="0" y="0"/>
-          <a:chExt cx="0" cy="0"/>
-        </a:xfrm>
-      </p:grpSpPr>
-      <p:sp>
-        <p:nvSpPr>
-          <p:cNvPr id="2" name="Title 1"/>
-          <p:cNvSpPr>
-            <a:spLocks noGrp="1"/>
-          </p:cNvSpPr>
-          <p:nvPr>
-            <p:ph type="title"/>
-          </p:nvPr>
-        </p:nvSpPr>
-        <p:spPr/>
-        <p:txBody>
-          <a:bodyPr/>
-          <a:lstStyle/>
-          <a:p>
-            <a:r>
-              <a:rPr lang="en-IN" dirty="0" smtClean="0"/>
-              <a:t>Standard Streams</a:t>
-            </a:r>
-            <a:endParaRPr lang="en-US" dirty="0"/>
-          </a:p>
-        </p:txBody>
-      </p:sp>
-      <p:graphicFrame>
-        <p:nvGraphicFramePr>
-          <p:cNvPr id="4" name="Content Placeholder 3"/>
-          <p:cNvGraphicFramePr>
-            <a:graphicFrameLocks noGrp="1"/>
-          </p:cNvGraphicFramePr>
-          <p:nvPr>
-            <p:ph idx="1"/>
-          </p:nvPr>
-        </p:nvGraphicFramePr>
-        <p:xfrm>
-          <a:off x="457200" y="1752600"/>
-          <a:ext cx="8229600" cy="3992563"/>
-        </p:xfrm>
-        <a:graphic>
-          <a:graphicData uri="http://schemas.openxmlformats.org/drawingml/2006/diagram">
-            <dgm:relIds xmlns:dgm="http://schemas.openxmlformats.org/drawingml/2006/diagram" xmlns:r="http://schemas.openxmlformats.org/officeDocument/2006/relationships" r:dm="rId2" r:lo="rId3" r:qs="rId4" r:cs="rId5"/>
-          </a:graphicData>
-        </a:graphic>
-      </p:graphicFrame>
-    </p:spTree>
-  </p:cSld>
-  <p:clrMapOvr>
-    <a:masterClrMapping/>
-  </p:clrMapOvr>
-</p:sld>
-</file>
-
-<file path=ppt/slides/slide5.xml><?xml version="1.0" encoding="utf-8"?>
-<p:sld xmlns:a="http://schemas.openxmlformats.org/drawingml/2006/main" xmlns:r="http://schemas.openxmlformats.org/officeDocument/2006/relationships" xmlns:p="http://schemas.openxmlformats.org/presentationml/2006/main">
-  <p:cSld>
-    <p:spTree>
-      <p:nvGrpSpPr>
-        <p:cNvPr id="1" name=""/>
-        <p:cNvGrpSpPr/>
-        <p:nvPr/>
-      </p:nvGrpSpPr>
-      <p:grpSpPr>
-        <a:xfrm>
-          <a:off x="0" y="0"/>
-          <a:ext cx="0" cy="0"/>
-          <a:chOff x="0" y="0"/>
-          <a:chExt cx="0" cy="0"/>
-        </a:xfrm>
-      </p:grpSpPr>
-      <p:sp>
-        <p:nvSpPr>
-          <p:cNvPr id="2" name="Title 1"/>
-          <p:cNvSpPr>
-            <a:spLocks noGrp="1"/>
-          </p:cNvSpPr>
-          <p:nvPr>
-            <p:ph type="title"/>
-          </p:nvPr>
-        </p:nvSpPr>
-        <p:spPr/>
-        <p:txBody>
-          <a:bodyPr/>
-          <a:lstStyle/>
-          <a:p>
-            <a:r>
-              <a:rPr lang="en-IN" dirty="0" err="1" smtClean="0"/>
-              <a:t>OutputStream</a:t>
-            </a:r>
-            <a:r>
-              <a:rPr lang="en-IN" dirty="0" smtClean="0"/>
-              <a:t> </a:t>
-            </a:r>
-            <a:r>
-              <a:rPr lang="en-IN" dirty="0" err="1" smtClean="0"/>
-              <a:t>vs</a:t>
-            </a:r>
-            <a:r>
-              <a:rPr lang="en-IN" dirty="0" smtClean="0"/>
-              <a:t> </a:t>
-            </a:r>
-            <a:r>
-              <a:rPr lang="en-IN" dirty="0" err="1" smtClean="0"/>
-              <a:t>InputStream</a:t>
-            </a:r>
-            <a:endParaRPr lang="en-US" dirty="0"/>
-          </a:p>
-        </p:txBody>
-      </p:sp>
-      <p:pic>
-        <p:nvPicPr>
-          <p:cNvPr id="1026" name="Picture 2" descr="Java IO"/>
-          <p:cNvPicPr>
-            <a:picLocks noChangeAspect="1" noChangeArrowheads="1"/>
-          </p:cNvPicPr>
-          <p:nvPr/>
-        </p:nvPicPr>
-        <p:blipFill>
-          <a:blip r:embed="rId2"/>
-          <a:srcRect/>
-          <a:stretch>
-            <a:fillRect/>
-          </a:stretch>
-        </p:blipFill>
-        <p:spPr bwMode="auto">
-          <a:xfrm>
-            <a:off x="448168" y="2362200"/>
-            <a:ext cx="8391032" cy="2667000"/>
-          </a:xfrm>
-          <a:prstGeom prst="rect">
-            <a:avLst/>
-          </a:prstGeom>
-          <a:noFill/>
-        </p:spPr>
-      </p:pic>
-    </p:spTree>
-  </p:cSld>
-  <p:clrMapOvr>
-    <a:masterClrMapping/>
-  </p:clrMapOvr>
-</p:sld>
-</file>
-
-<file path=ppt/slides/slide6.xml><?xml version="1.0" encoding="utf-8"?>
-<p:sld xmlns:a="http://schemas.openxmlformats.org/drawingml/2006/main" xmlns:r="http://schemas.openxmlformats.org/officeDocument/2006/relationships" xmlns:p="http://schemas.openxmlformats.org/presentationml/2006/main">
-  <p:cSld>
-    <p:spTree>
-      <p:nvGrpSpPr>
-        <p:cNvPr id="1" name=""/>
-        <p:cNvGrpSpPr/>
-        <p:nvPr/>
-      </p:nvGrpSpPr>
-      <p:grpSpPr>
-        <a:xfrm>
-          <a:off x="0" y="0"/>
-          <a:ext cx="0" cy="0"/>
-          <a:chOff x="0" y="0"/>
-          <a:chExt cx="0" cy="0"/>
-        </a:xfrm>
-      </p:grpSpPr>
-      <p:sp>
-        <p:nvSpPr>
-          <p:cNvPr id="2" name="Title 1"/>
-          <p:cNvSpPr>
-            <a:spLocks noGrp="1"/>
-          </p:cNvSpPr>
-          <p:nvPr>
-            <p:ph type="title"/>
-          </p:nvPr>
-        </p:nvSpPr>
-        <p:spPr/>
-        <p:txBody>
-          <a:bodyPr/>
-          <a:lstStyle/>
-          <a:p>
-            <a:r>
-              <a:rPr lang="en-IN" dirty="0" err="1" smtClean="0"/>
-              <a:t>OutputStream</a:t>
-            </a:r>
-            <a:r>
-              <a:rPr lang="en-IN" dirty="0" smtClean="0"/>
-              <a:t> </a:t>
-            </a:r>
-            <a:r>
-              <a:rPr lang="en-IN" dirty="0" err="1" smtClean="0"/>
-              <a:t>vs</a:t>
-            </a:r>
-            <a:r>
-              <a:rPr lang="en-IN" dirty="0" smtClean="0"/>
-              <a:t> </a:t>
-            </a:r>
-            <a:r>
-              <a:rPr lang="en-IN" dirty="0" err="1" smtClean="0"/>
-              <a:t>InputStream</a:t>
-            </a:r>
-            <a:endParaRPr lang="en-US" dirty="0"/>
-          </a:p>
-        </p:txBody>
-      </p:sp>
-      <p:sp>
-        <p:nvSpPr>
-          <p:cNvPr id="3" name="Content Placeholder 2"/>
-          <p:cNvSpPr>
-            <a:spLocks noGrp="1"/>
-          </p:cNvSpPr>
-          <p:nvPr>
-            <p:ph idx="1"/>
-          </p:nvPr>
-        </p:nvSpPr>
-        <p:spPr/>
-        <p:txBody>
-          <a:bodyPr>
-            <a:normAutofit fontScale="92500" lnSpcReduction="10000"/>
-          </a:bodyPr>
-          <a:lstStyle/>
-          <a:p>
-            <a:r>
-              <a:rPr lang="en-IN" dirty="0" err="1" smtClean="0"/>
-              <a:t>OutputStream</a:t>
-            </a:r>
-            <a:endParaRPr lang="en-IN" dirty="0" smtClean="0"/>
-          </a:p>
-          <a:p>
-            <a:pPr lvl="1"/>
-            <a:r>
-              <a:rPr lang="en-IN" dirty="0" smtClean="0"/>
-              <a:t>It is an abstract class.</a:t>
-            </a:r>
-          </a:p>
-          <a:p>
-            <a:pPr lvl="1"/>
-            <a:r>
-              <a:rPr lang="en-IN" dirty="0" smtClean="0"/>
-              <a:t>It helps to write a data to the destination.</a:t>
-            </a:r>
-          </a:p>
-          <a:p>
-            <a:pPr lvl="1"/>
-            <a:r>
-              <a:rPr lang="en-US" dirty="0" smtClean="0"/>
-              <a:t> It is the </a:t>
-            </a:r>
-            <a:r>
-              <a:rPr lang="en-US" dirty="0" err="1" smtClean="0"/>
-              <a:t>superclass</a:t>
-            </a:r>
-            <a:r>
-              <a:rPr lang="en-US" dirty="0" smtClean="0"/>
-              <a:t> of all classes representing an output stream of bytes.</a:t>
-            </a:r>
-          </a:p>
-          <a:p>
-            <a:r>
-              <a:rPr lang="en-IN" dirty="0" err="1" smtClean="0"/>
-              <a:t>InputStream</a:t>
-            </a:r>
-            <a:endParaRPr lang="en-IN" dirty="0" smtClean="0"/>
-          </a:p>
-          <a:p>
-            <a:pPr lvl="1"/>
-            <a:r>
-              <a:rPr lang="en-IN" dirty="0" smtClean="0"/>
-              <a:t>It is an abstract class.</a:t>
-            </a:r>
-          </a:p>
-          <a:p>
-            <a:pPr lvl="1"/>
-            <a:r>
-              <a:rPr lang="en-IN" dirty="0" smtClean="0"/>
-              <a:t>It helps to read a data to the source.</a:t>
-            </a:r>
-          </a:p>
-          <a:p>
-            <a:pPr lvl="1"/>
-            <a:r>
-              <a:rPr lang="en-US" dirty="0" smtClean="0"/>
-              <a:t>It is the </a:t>
-            </a:r>
-            <a:r>
-              <a:rPr lang="en-US" dirty="0" err="1" smtClean="0"/>
-              <a:t>superclass</a:t>
-            </a:r>
-            <a:r>
-              <a:rPr lang="en-US" dirty="0" smtClean="0"/>
-              <a:t> of all classes representing an input stream of bytes.</a:t>
-            </a:r>
-            <a:endParaRPr lang="en-IN" dirty="0" smtClean="0"/>
-          </a:p>
-          <a:p>
-            <a:pPr lvl="1"/>
-            <a:endParaRPr lang="en-US" dirty="0"/>
-          </a:p>
-        </p:txBody>
-      </p:sp>
-    </p:spTree>
-  </p:cSld>
-  <p:clrMapOvr>
-    <a:masterClrMapping/>
-  </p:clrMapOvr>
-</p:sld>
-</file>
-
-<file path=ppt/slides/slide7.xml><?xml version="1.0" encoding="utf-8"?>
 <p:sld xmlns:a="http://schemas.openxmlformats.org/drawingml/2006/main" xmlns:r="http://schemas.openxmlformats.org/officeDocument/2006/relationships" xmlns:p="http://schemas.openxmlformats.org/presentationml/2006/main">
   <p:cSld>
     <p:spTree>
@@ -20852,7 +18011,7 @@
 </p:sld>
 </file>
 
-<file path=ppt/slides/slide8.xml><?xml version="1.0" encoding="utf-8"?>
+<file path=ppt/slides/slide11.xml><?xml version="1.0" encoding="utf-8"?>
 <p:sld xmlns:a="http://schemas.openxmlformats.org/drawingml/2006/main" xmlns:r="http://schemas.openxmlformats.org/officeDocument/2006/relationships" xmlns:p="http://schemas.openxmlformats.org/presentationml/2006/main">
   <p:cSld>
     <p:spTree>
@@ -20926,7 +18085,7 @@
 </p:sld>
 </file>
 
-<file path=ppt/slides/slide9.xml><?xml version="1.0" encoding="utf-8"?>
+<file path=ppt/slides/slide12.xml><?xml version="1.0" encoding="utf-8"?>
 <p:sld xmlns:a="http://schemas.openxmlformats.org/drawingml/2006/main" xmlns:r="http://schemas.openxmlformats.org/officeDocument/2006/relationships" xmlns:p="http://schemas.openxmlformats.org/presentationml/2006/main">
   <p:cSld>
     <p:spTree>
@@ -21478,6 +18637,3110 @@
           </a:graphicData>
         </a:graphic>
       </p:graphicFrame>
+    </p:spTree>
+  </p:cSld>
+  <p:clrMapOvr>
+    <a:masterClrMapping/>
+  </p:clrMapOvr>
+</p:sld>
+</file>
+
+<file path=ppt/slides/slide13.xml><?xml version="1.0" encoding="utf-8"?>
+<p:sld xmlns:a="http://schemas.openxmlformats.org/drawingml/2006/main" xmlns:r="http://schemas.openxmlformats.org/officeDocument/2006/relationships" xmlns:p="http://schemas.openxmlformats.org/presentationml/2006/main">
+  <p:cSld>
+    <p:spTree>
+      <p:nvGrpSpPr>
+        <p:cNvPr id="1" name=""/>
+        <p:cNvGrpSpPr/>
+        <p:nvPr/>
+      </p:nvGrpSpPr>
+      <p:grpSpPr>
+        <a:xfrm>
+          <a:off x="0" y="0"/>
+          <a:ext cx="0" cy="0"/>
+          <a:chOff x="0" y="0"/>
+          <a:chExt cx="0" cy="0"/>
+        </a:xfrm>
+      </p:grpSpPr>
+      <p:sp>
+        <p:nvSpPr>
+          <p:cNvPr id="2" name="Title 1"/>
+          <p:cNvSpPr>
+            <a:spLocks noGrp="1"/>
+          </p:cNvSpPr>
+          <p:nvPr>
+            <p:ph type="title"/>
+          </p:nvPr>
+        </p:nvSpPr>
+        <p:spPr/>
+        <p:txBody>
+          <a:bodyPr/>
+          <a:lstStyle/>
+          <a:p>
+            <a:r>
+              <a:rPr lang="en-IN" dirty="0" err="1" smtClean="0"/>
+              <a:t>InputStream</a:t>
+            </a:r>
+            <a:endParaRPr lang="en-US" dirty="0"/>
+          </a:p>
+        </p:txBody>
+      </p:sp>
+      <p:pic>
+        <p:nvPicPr>
+          <p:cNvPr id="25602" name="Picture 2" descr="Java input stream hierarchy"/>
+          <p:cNvPicPr>
+            <a:picLocks noChangeAspect="1" noChangeArrowheads="1"/>
+          </p:cNvPicPr>
+          <p:nvPr/>
+        </p:nvPicPr>
+        <p:blipFill>
+          <a:blip r:embed="rId2"/>
+          <a:srcRect/>
+          <a:stretch>
+            <a:fillRect/>
+          </a:stretch>
+        </p:blipFill>
+        <p:spPr bwMode="auto">
+          <a:xfrm>
+            <a:off x="228600" y="2133600"/>
+            <a:ext cx="8617102" cy="3352800"/>
+          </a:xfrm>
+          <a:prstGeom prst="rect">
+            <a:avLst/>
+          </a:prstGeom>
+          <a:noFill/>
+        </p:spPr>
+      </p:pic>
+    </p:spTree>
+  </p:cSld>
+  <p:clrMapOvr>
+    <a:masterClrMapping/>
+  </p:clrMapOvr>
+</p:sld>
+</file>
+
+<file path=ppt/slides/slide14.xml><?xml version="1.0" encoding="utf-8"?>
+<p:sld xmlns:a="http://schemas.openxmlformats.org/drawingml/2006/main" xmlns:r="http://schemas.openxmlformats.org/officeDocument/2006/relationships" xmlns:p="http://schemas.openxmlformats.org/presentationml/2006/main">
+  <p:cSld>
+    <p:spTree>
+      <p:nvGrpSpPr>
+        <p:cNvPr id="1" name=""/>
+        <p:cNvGrpSpPr/>
+        <p:nvPr/>
+      </p:nvGrpSpPr>
+      <p:grpSpPr>
+        <a:xfrm>
+          <a:off x="0" y="0"/>
+          <a:ext cx="0" cy="0"/>
+          <a:chOff x="0" y="0"/>
+          <a:chExt cx="0" cy="0"/>
+        </a:xfrm>
+      </p:grpSpPr>
+      <p:sp>
+        <p:nvSpPr>
+          <p:cNvPr id="2" name="Title 1"/>
+          <p:cNvSpPr>
+            <a:spLocks noGrp="1"/>
+          </p:cNvSpPr>
+          <p:nvPr>
+            <p:ph type="title"/>
+          </p:nvPr>
+        </p:nvSpPr>
+        <p:spPr/>
+        <p:txBody>
+          <a:bodyPr/>
+          <a:lstStyle/>
+          <a:p>
+            <a:r>
+              <a:rPr lang="en-IN" dirty="0" smtClean="0"/>
+              <a:t>Character Streams</a:t>
+            </a:r>
+            <a:endParaRPr lang="en-US" dirty="0"/>
+          </a:p>
+        </p:txBody>
+      </p:sp>
+      <p:sp>
+        <p:nvSpPr>
+          <p:cNvPr id="3" name="Content Placeholder 2"/>
+          <p:cNvSpPr>
+            <a:spLocks noGrp="1"/>
+          </p:cNvSpPr>
+          <p:nvPr>
+            <p:ph idx="1"/>
+          </p:nvPr>
+        </p:nvSpPr>
+        <p:spPr/>
+        <p:txBody>
+          <a:bodyPr>
+            <a:normAutofit fontScale="85000" lnSpcReduction="20000"/>
+          </a:bodyPr>
+          <a:lstStyle/>
+          <a:p>
+            <a:r>
+              <a:rPr lang="en-US" dirty="0" smtClean="0"/>
+              <a:t>In Java, characters are stored using Unicode </a:t>
+            </a:r>
+            <a:r>
+              <a:rPr lang="en-US" dirty="0" smtClean="0"/>
+              <a:t>conventions.</a:t>
+            </a:r>
+            <a:endParaRPr lang="en-US" dirty="0" smtClean="0"/>
+          </a:p>
+          <a:p>
+            <a:r>
+              <a:rPr lang="en-US" dirty="0" smtClean="0"/>
+              <a:t>Character stream automatically allows us to read/write data character by character.</a:t>
+            </a:r>
+          </a:p>
+          <a:p>
+            <a:r>
+              <a:rPr lang="en-IN" dirty="0" smtClean="0"/>
+              <a:t>Suitable to perform reading and writing in text files.</a:t>
+            </a:r>
+          </a:p>
+          <a:p>
+            <a:r>
+              <a:rPr lang="en-IN" dirty="0" smtClean="0"/>
+              <a:t>It process 16 bit [standard for </a:t>
+            </a:r>
+            <a:r>
+              <a:rPr lang="en-IN" dirty="0" err="1" smtClean="0"/>
+              <a:t>unicode</a:t>
+            </a:r>
+            <a:r>
+              <a:rPr lang="en-IN" dirty="0" smtClean="0"/>
+              <a:t> character] per operation[read/write].</a:t>
+            </a:r>
+          </a:p>
+          <a:p>
+            <a:r>
+              <a:rPr lang="en-IN" dirty="0" err="1" smtClean="0"/>
+              <a:t>Eg</a:t>
+            </a:r>
+            <a:r>
+              <a:rPr lang="en-IN" dirty="0" smtClean="0"/>
+              <a:t>:</a:t>
+            </a:r>
+          </a:p>
+          <a:p>
+            <a:pPr lvl="1"/>
+            <a:r>
+              <a:rPr lang="en-IN" dirty="0" err="1" smtClean="0"/>
+              <a:t>FileReader</a:t>
+            </a:r>
+            <a:endParaRPr lang="en-IN" dirty="0" smtClean="0"/>
+          </a:p>
+          <a:p>
+            <a:pPr lvl="1"/>
+            <a:r>
+              <a:rPr lang="en-IN" dirty="0" err="1" smtClean="0"/>
+              <a:t>FileWriter</a:t>
+            </a:r>
+            <a:endParaRPr lang="en-IN" dirty="0" smtClean="0"/>
+          </a:p>
+          <a:p>
+            <a:pPr lvl="1"/>
+            <a:r>
+              <a:rPr lang="en-IN" dirty="0" err="1" smtClean="0"/>
+              <a:t>BufferedReader</a:t>
+            </a:r>
+            <a:endParaRPr lang="en-IN" dirty="0" smtClean="0"/>
+          </a:p>
+          <a:p>
+            <a:pPr lvl="1"/>
+            <a:r>
+              <a:rPr lang="en-IN" dirty="0" err="1" smtClean="0"/>
+              <a:t>BufferedWriter</a:t>
+            </a:r>
+            <a:endParaRPr lang="en-IN" dirty="0" smtClean="0"/>
+          </a:p>
+        </p:txBody>
+      </p:sp>
+    </p:spTree>
+  </p:cSld>
+  <p:clrMapOvr>
+    <a:masterClrMapping/>
+  </p:clrMapOvr>
+</p:sld>
+</file>
+
+<file path=ppt/slides/slide15.xml><?xml version="1.0" encoding="utf-8"?>
+<p:sld xmlns:a="http://schemas.openxmlformats.org/drawingml/2006/main" xmlns:r="http://schemas.openxmlformats.org/officeDocument/2006/relationships" xmlns:p="http://schemas.openxmlformats.org/presentationml/2006/main">
+  <p:cSld>
+    <p:spTree>
+      <p:nvGrpSpPr>
+        <p:cNvPr id="1" name=""/>
+        <p:cNvGrpSpPr/>
+        <p:nvPr/>
+      </p:nvGrpSpPr>
+      <p:grpSpPr>
+        <a:xfrm>
+          <a:off x="0" y="0"/>
+          <a:ext cx="0" cy="0"/>
+          <a:chOff x="0" y="0"/>
+          <a:chExt cx="0" cy="0"/>
+        </a:xfrm>
+      </p:grpSpPr>
+      <p:sp>
+        <p:nvSpPr>
+          <p:cNvPr id="2" name="Title 1"/>
+          <p:cNvSpPr>
+            <a:spLocks noGrp="1"/>
+          </p:cNvSpPr>
+          <p:nvPr>
+            <p:ph type="title"/>
+          </p:nvPr>
+        </p:nvSpPr>
+        <p:spPr/>
+        <p:txBody>
+          <a:bodyPr>
+            <a:normAutofit/>
+          </a:bodyPr>
+          <a:lstStyle/>
+          <a:p>
+            <a:r>
+              <a:rPr lang="en-IN" dirty="0" smtClean="0"/>
+              <a:t>Reading from Console</a:t>
+            </a:r>
+            <a:endParaRPr lang="en-US" dirty="0"/>
+          </a:p>
+        </p:txBody>
+      </p:sp>
+      <p:graphicFrame>
+        <p:nvGraphicFramePr>
+          <p:cNvPr id="4" name="Content Placeholder 3"/>
+          <p:cNvGraphicFramePr>
+            <a:graphicFrameLocks noGrp="1"/>
+          </p:cNvGraphicFramePr>
+          <p:nvPr>
+            <p:ph idx="1"/>
+          </p:nvPr>
+        </p:nvGraphicFramePr>
+        <p:xfrm>
+          <a:off x="457200" y="1752600"/>
+          <a:ext cx="8229600" cy="3992563"/>
+        </p:xfrm>
+        <a:graphic>
+          <a:graphicData uri="http://schemas.openxmlformats.org/drawingml/2006/diagram">
+            <dgm:relIds xmlns:dgm="http://schemas.openxmlformats.org/drawingml/2006/diagram" xmlns:r="http://schemas.openxmlformats.org/officeDocument/2006/relationships" r:dm="rId2" r:lo="rId3" r:qs="rId4" r:cs="rId5"/>
+          </a:graphicData>
+        </a:graphic>
+      </p:graphicFrame>
+    </p:spTree>
+  </p:cSld>
+  <p:clrMapOvr>
+    <a:masterClrMapping/>
+  </p:clrMapOvr>
+</p:sld>
+</file>
+
+<file path=ppt/slides/slide16.xml><?xml version="1.0" encoding="utf-8"?>
+<p:sld xmlns:a="http://schemas.openxmlformats.org/drawingml/2006/main" xmlns:r="http://schemas.openxmlformats.org/officeDocument/2006/relationships" xmlns:p="http://schemas.openxmlformats.org/presentationml/2006/main">
+  <p:cSld>
+    <p:spTree>
+      <p:nvGrpSpPr>
+        <p:cNvPr id="1" name=""/>
+        <p:cNvGrpSpPr/>
+        <p:nvPr/>
+      </p:nvGrpSpPr>
+      <p:grpSpPr>
+        <a:xfrm>
+          <a:off x="0" y="0"/>
+          <a:ext cx="0" cy="0"/>
+          <a:chOff x="0" y="0"/>
+          <a:chExt cx="0" cy="0"/>
+        </a:xfrm>
+      </p:grpSpPr>
+      <p:sp>
+        <p:nvSpPr>
+          <p:cNvPr id="2" name="Title 1"/>
+          <p:cNvSpPr>
+            <a:spLocks noGrp="1"/>
+          </p:cNvSpPr>
+          <p:nvPr>
+            <p:ph type="title"/>
+          </p:nvPr>
+        </p:nvSpPr>
+        <p:spPr/>
+        <p:txBody>
+          <a:bodyPr/>
+          <a:lstStyle/>
+          <a:p>
+            <a:r>
+              <a:rPr lang="en-IN" dirty="0" smtClean="0"/>
+              <a:t>Using </a:t>
+            </a:r>
+            <a:r>
+              <a:rPr lang="en-IN" dirty="0" err="1" smtClean="0"/>
+              <a:t>BufferedReader</a:t>
+            </a:r>
+            <a:endParaRPr lang="en-US" dirty="0"/>
+          </a:p>
+        </p:txBody>
+      </p:sp>
+      <p:pic>
+        <p:nvPicPr>
+          <p:cNvPr id="26626" name="Picture 2"/>
+          <p:cNvPicPr>
+            <a:picLocks noChangeAspect="1" noChangeArrowheads="1"/>
+          </p:cNvPicPr>
+          <p:nvPr/>
+        </p:nvPicPr>
+        <p:blipFill>
+          <a:blip r:embed="rId2"/>
+          <a:srcRect/>
+          <a:stretch>
+            <a:fillRect/>
+          </a:stretch>
+        </p:blipFill>
+        <p:spPr bwMode="auto">
+          <a:xfrm>
+            <a:off x="533400" y="1600200"/>
+            <a:ext cx="7239000" cy="4793392"/>
+          </a:xfrm>
+          <a:prstGeom prst="rect">
+            <a:avLst/>
+          </a:prstGeom>
+          <a:noFill/>
+          <a:ln w="9525">
+            <a:noFill/>
+            <a:miter lim="800000"/>
+            <a:headEnd/>
+            <a:tailEnd/>
+          </a:ln>
+          <a:effectLst/>
+        </p:spPr>
+      </p:pic>
+    </p:spTree>
+  </p:cSld>
+  <p:clrMapOvr>
+    <a:masterClrMapping/>
+  </p:clrMapOvr>
+</p:sld>
+</file>
+
+<file path=ppt/slides/slide17.xml><?xml version="1.0" encoding="utf-8"?>
+<p:sld xmlns:a="http://schemas.openxmlformats.org/drawingml/2006/main" xmlns:r="http://schemas.openxmlformats.org/officeDocument/2006/relationships" xmlns:p="http://schemas.openxmlformats.org/presentationml/2006/main">
+  <p:cSld>
+    <p:spTree>
+      <p:nvGrpSpPr>
+        <p:cNvPr id="1" name=""/>
+        <p:cNvGrpSpPr/>
+        <p:nvPr/>
+      </p:nvGrpSpPr>
+      <p:grpSpPr>
+        <a:xfrm>
+          <a:off x="0" y="0"/>
+          <a:ext cx="0" cy="0"/>
+          <a:chOff x="0" y="0"/>
+          <a:chExt cx="0" cy="0"/>
+        </a:xfrm>
+      </p:grpSpPr>
+      <p:sp>
+        <p:nvSpPr>
+          <p:cNvPr id="2" name="Title 1"/>
+          <p:cNvSpPr>
+            <a:spLocks noGrp="1"/>
+          </p:cNvSpPr>
+          <p:nvPr>
+            <p:ph type="title"/>
+          </p:nvPr>
+        </p:nvSpPr>
+        <p:spPr/>
+        <p:txBody>
+          <a:bodyPr/>
+          <a:lstStyle/>
+          <a:p>
+            <a:r>
+              <a:rPr lang="en-IN" dirty="0" smtClean="0"/>
+              <a:t>Output</a:t>
+            </a:r>
+            <a:endParaRPr lang="en-US" dirty="0"/>
+          </a:p>
+        </p:txBody>
+      </p:sp>
+      <p:pic>
+        <p:nvPicPr>
+          <p:cNvPr id="27650" name="Picture 2"/>
+          <p:cNvPicPr>
+            <a:picLocks noChangeAspect="1" noChangeArrowheads="1"/>
+          </p:cNvPicPr>
+          <p:nvPr/>
+        </p:nvPicPr>
+        <p:blipFill>
+          <a:blip r:embed="rId2"/>
+          <a:srcRect/>
+          <a:stretch>
+            <a:fillRect/>
+          </a:stretch>
+        </p:blipFill>
+        <p:spPr bwMode="auto">
+          <a:xfrm>
+            <a:off x="609600" y="1828800"/>
+            <a:ext cx="7661189" cy="3048000"/>
+          </a:xfrm>
+          <a:prstGeom prst="rect">
+            <a:avLst/>
+          </a:prstGeom>
+          <a:noFill/>
+          <a:ln w="9525">
+            <a:noFill/>
+            <a:miter lim="800000"/>
+            <a:headEnd/>
+            <a:tailEnd/>
+          </a:ln>
+          <a:effectLst/>
+        </p:spPr>
+      </p:pic>
+    </p:spTree>
+  </p:cSld>
+  <p:clrMapOvr>
+    <a:masterClrMapping/>
+  </p:clrMapOvr>
+</p:sld>
+</file>
+
+<file path=ppt/slides/slide18.xml><?xml version="1.0" encoding="utf-8"?>
+<p:sld xmlns:a="http://schemas.openxmlformats.org/drawingml/2006/main" xmlns:r="http://schemas.openxmlformats.org/officeDocument/2006/relationships" xmlns:p="http://schemas.openxmlformats.org/presentationml/2006/main">
+  <p:cSld>
+    <p:spTree>
+      <p:nvGrpSpPr>
+        <p:cNvPr id="1" name=""/>
+        <p:cNvGrpSpPr/>
+        <p:nvPr/>
+      </p:nvGrpSpPr>
+      <p:grpSpPr>
+        <a:xfrm>
+          <a:off x="0" y="0"/>
+          <a:ext cx="0" cy="0"/>
+          <a:chOff x="0" y="0"/>
+          <a:chExt cx="0" cy="0"/>
+        </a:xfrm>
+      </p:grpSpPr>
+      <p:sp>
+        <p:nvSpPr>
+          <p:cNvPr id="2" name="Title 1"/>
+          <p:cNvSpPr>
+            <a:spLocks noGrp="1"/>
+          </p:cNvSpPr>
+          <p:nvPr>
+            <p:ph type="title"/>
+          </p:nvPr>
+        </p:nvSpPr>
+        <p:spPr/>
+        <p:txBody>
+          <a:bodyPr/>
+          <a:lstStyle/>
+          <a:p>
+            <a:r>
+              <a:rPr lang="en-IN" dirty="0" smtClean="0"/>
+              <a:t>Console Class for I/O</a:t>
+            </a:r>
+            <a:endParaRPr lang="en-US" dirty="0"/>
+          </a:p>
+        </p:txBody>
+      </p:sp>
+      <p:sp>
+        <p:nvSpPr>
+          <p:cNvPr id="3" name="Content Placeholder 2"/>
+          <p:cNvSpPr>
+            <a:spLocks noGrp="1"/>
+          </p:cNvSpPr>
+          <p:nvPr>
+            <p:ph idx="1"/>
+          </p:nvPr>
+        </p:nvSpPr>
+        <p:spPr/>
+        <p:txBody>
+          <a:bodyPr/>
+          <a:lstStyle/>
+          <a:p>
+            <a:r>
+              <a:rPr lang="en-US" dirty="0" smtClean="0"/>
+              <a:t>The </a:t>
+            </a:r>
+            <a:r>
+              <a:rPr lang="en-US" dirty="0" err="1" smtClean="0"/>
+              <a:t>Java.io.Console</a:t>
+            </a:r>
+            <a:r>
+              <a:rPr lang="en-US" dirty="0" smtClean="0"/>
+              <a:t> class provides methods to access the character-based console device, if any, associated with the current Java virtual machine. </a:t>
+            </a:r>
+          </a:p>
+          <a:p>
+            <a:r>
+              <a:rPr lang="en-US" dirty="0" smtClean="0"/>
+              <a:t>The Console class was added to java.io by JDK 6.</a:t>
+            </a:r>
+            <a:endParaRPr lang="en-US" dirty="0"/>
+          </a:p>
+        </p:txBody>
+      </p:sp>
+    </p:spTree>
+  </p:cSld>
+  <p:clrMapOvr>
+    <a:masterClrMapping/>
+  </p:clrMapOvr>
+</p:sld>
+</file>
+
+<file path=ppt/slides/slide19.xml><?xml version="1.0" encoding="utf-8"?>
+<p:sld xmlns:a="http://schemas.openxmlformats.org/drawingml/2006/main" xmlns:r="http://schemas.openxmlformats.org/officeDocument/2006/relationships" xmlns:p="http://schemas.openxmlformats.org/presentationml/2006/main">
+  <p:cSld>
+    <p:spTree>
+      <p:nvGrpSpPr>
+        <p:cNvPr id="1" name=""/>
+        <p:cNvGrpSpPr/>
+        <p:nvPr/>
+      </p:nvGrpSpPr>
+      <p:grpSpPr>
+        <a:xfrm>
+          <a:off x="0" y="0"/>
+          <a:ext cx="0" cy="0"/>
+          <a:chOff x="0" y="0"/>
+          <a:chExt cx="0" cy="0"/>
+        </a:xfrm>
+      </p:grpSpPr>
+      <p:sp>
+        <p:nvSpPr>
+          <p:cNvPr id="2" name="Title 1"/>
+          <p:cNvSpPr>
+            <a:spLocks noGrp="1"/>
+          </p:cNvSpPr>
+          <p:nvPr>
+            <p:ph type="title"/>
+          </p:nvPr>
+        </p:nvSpPr>
+        <p:spPr/>
+        <p:txBody>
+          <a:bodyPr/>
+          <a:lstStyle/>
+          <a:p>
+            <a:r>
+              <a:rPr lang="en-IN" dirty="0" smtClean="0"/>
+              <a:t>Importance of Console</a:t>
+            </a:r>
+            <a:endParaRPr lang="en-US" dirty="0"/>
+          </a:p>
+        </p:txBody>
+      </p:sp>
+      <p:sp>
+        <p:nvSpPr>
+          <p:cNvPr id="3" name="Content Placeholder 2"/>
+          <p:cNvSpPr>
+            <a:spLocks noGrp="1"/>
+          </p:cNvSpPr>
+          <p:nvPr>
+            <p:ph idx="1"/>
+          </p:nvPr>
+        </p:nvSpPr>
+        <p:spPr/>
+        <p:txBody>
+          <a:bodyPr>
+            <a:normAutofit fontScale="85000" lnSpcReduction="20000"/>
+          </a:bodyPr>
+          <a:lstStyle/>
+          <a:p>
+            <a:pPr fontAlgn="base"/>
+            <a:r>
+              <a:rPr lang="en-US" dirty="0" smtClean="0"/>
+              <a:t>It is used to read from and write to the console, if one exists.</a:t>
+            </a:r>
+          </a:p>
+          <a:p>
+            <a:pPr fontAlgn="base"/>
+            <a:r>
+              <a:rPr lang="en-US" dirty="0" smtClean="0"/>
+              <a:t>Console is primarily a convenience class because most of its functionality is available through </a:t>
+            </a:r>
+            <a:r>
+              <a:rPr lang="en-US" dirty="0" err="1" smtClean="0"/>
+              <a:t>System.in</a:t>
+            </a:r>
+            <a:r>
+              <a:rPr lang="en-US" dirty="0" smtClean="0"/>
+              <a:t> and </a:t>
+            </a:r>
+            <a:r>
+              <a:rPr lang="en-US" dirty="0" err="1" smtClean="0"/>
+              <a:t>System.out</a:t>
+            </a:r>
+            <a:r>
+              <a:rPr lang="en-US" dirty="0" smtClean="0"/>
+              <a:t>.</a:t>
+            </a:r>
+          </a:p>
+          <a:p>
+            <a:r>
+              <a:rPr lang="en-US" dirty="0" smtClean="0"/>
+              <a:t>Console supplies no constructors. Instead, a Console object is obtained by calling </a:t>
+            </a:r>
+            <a:r>
+              <a:rPr lang="en-US" dirty="0" err="1" smtClean="0"/>
+              <a:t>System.console</a:t>
+            </a:r>
+            <a:r>
+              <a:rPr lang="en-US" dirty="0" smtClean="0"/>
+              <a:t>( ).</a:t>
+            </a:r>
+          </a:p>
+          <a:p>
+            <a:r>
+              <a:rPr lang="en-US" dirty="0" smtClean="0"/>
+              <a:t>It provides methods to read text and password. If you read password using Console class, it will not be displayed to the user.</a:t>
+            </a:r>
+          </a:p>
+          <a:p>
+            <a:r>
+              <a:rPr lang="en-US" dirty="0" smtClean="0"/>
+              <a:t>The </a:t>
+            </a:r>
+            <a:r>
+              <a:rPr lang="en-US" dirty="0" err="1" smtClean="0"/>
+              <a:t>java.io.Console</a:t>
+            </a:r>
+            <a:r>
+              <a:rPr lang="en-US" dirty="0" smtClean="0"/>
+              <a:t> class is attached with system console internally.</a:t>
+            </a:r>
+          </a:p>
+          <a:p>
+            <a:endParaRPr lang="en-US" dirty="0"/>
+          </a:p>
+        </p:txBody>
+      </p:sp>
+    </p:spTree>
+  </p:cSld>
+  <p:clrMapOvr>
+    <a:masterClrMapping/>
+  </p:clrMapOvr>
+</p:sld>
+</file>
+
+<file path=ppt/slides/slide2.xml><?xml version="1.0" encoding="utf-8"?>
+<p:sld xmlns:a="http://schemas.openxmlformats.org/drawingml/2006/main" xmlns:r="http://schemas.openxmlformats.org/officeDocument/2006/relationships" xmlns:p="http://schemas.openxmlformats.org/presentationml/2006/main">
+  <p:cSld>
+    <p:spTree>
+      <p:nvGrpSpPr>
+        <p:cNvPr id="1" name=""/>
+        <p:cNvGrpSpPr/>
+        <p:nvPr/>
+      </p:nvGrpSpPr>
+      <p:grpSpPr>
+        <a:xfrm>
+          <a:off x="0" y="0"/>
+          <a:ext cx="0" cy="0"/>
+          <a:chOff x="0" y="0"/>
+          <a:chExt cx="0" cy="0"/>
+        </a:xfrm>
+      </p:grpSpPr>
+      <p:sp>
+        <p:nvSpPr>
+          <p:cNvPr id="2" name="Title 1"/>
+          <p:cNvSpPr>
+            <a:spLocks noGrp="1"/>
+          </p:cNvSpPr>
+          <p:nvPr>
+            <p:ph type="title"/>
+          </p:nvPr>
+        </p:nvSpPr>
+        <p:spPr/>
+        <p:txBody>
+          <a:bodyPr/>
+          <a:lstStyle/>
+          <a:p>
+            <a:r>
+              <a:rPr lang="en-IN" dirty="0" smtClean="0"/>
+              <a:t>Input and Output</a:t>
+            </a:r>
+            <a:endParaRPr lang="en-US" dirty="0"/>
+          </a:p>
+        </p:txBody>
+      </p:sp>
+      <p:sp>
+        <p:nvSpPr>
+          <p:cNvPr id="3" name="Content Placeholder 2"/>
+          <p:cNvSpPr>
+            <a:spLocks noGrp="1"/>
+          </p:cNvSpPr>
+          <p:nvPr>
+            <p:ph idx="1"/>
+          </p:nvPr>
+        </p:nvSpPr>
+        <p:spPr/>
+        <p:txBody>
+          <a:bodyPr>
+            <a:normAutofit/>
+          </a:bodyPr>
+          <a:lstStyle/>
+          <a:p>
+            <a:r>
+              <a:rPr lang="en-IN" dirty="0" smtClean="0"/>
+              <a:t>Java supports I/O operations for the verity of source and destinations.</a:t>
+            </a:r>
+          </a:p>
+          <a:p>
+            <a:r>
+              <a:rPr lang="en-IN" dirty="0" smtClean="0"/>
+              <a:t>It contain java.io package that has all classes for </a:t>
+            </a:r>
+            <a:r>
+              <a:rPr lang="en-IN" dirty="0" smtClean="0"/>
+              <a:t>I/O</a:t>
+            </a:r>
+            <a:r>
+              <a:rPr lang="en-IN" dirty="0" smtClean="0"/>
+              <a:t> </a:t>
+            </a:r>
+            <a:r>
+              <a:rPr lang="en-IN" dirty="0" smtClean="0"/>
+              <a:t>operations</a:t>
+            </a:r>
+            <a:r>
+              <a:rPr lang="en-IN" dirty="0" smtClean="0"/>
+              <a:t>.</a:t>
+            </a:r>
+          </a:p>
+          <a:p>
+            <a:pPr>
+              <a:buNone/>
+            </a:pPr>
+            <a:endParaRPr lang="en-IN" dirty="0" smtClean="0"/>
+          </a:p>
+        </p:txBody>
+      </p:sp>
+    </p:spTree>
+  </p:cSld>
+  <p:clrMapOvr>
+    <a:masterClrMapping/>
+  </p:clrMapOvr>
+</p:sld>
+</file>
+
+<file path=ppt/slides/slide20.xml><?xml version="1.0" encoding="utf-8"?>
+<p:sld xmlns:a="http://schemas.openxmlformats.org/drawingml/2006/main" xmlns:r="http://schemas.openxmlformats.org/officeDocument/2006/relationships" xmlns:p="http://schemas.openxmlformats.org/presentationml/2006/main">
+  <p:cSld>
+    <p:spTree>
+      <p:nvGrpSpPr>
+        <p:cNvPr id="1" name=""/>
+        <p:cNvGrpSpPr/>
+        <p:nvPr/>
+      </p:nvGrpSpPr>
+      <p:grpSpPr>
+        <a:xfrm>
+          <a:off x="0" y="0"/>
+          <a:ext cx="0" cy="0"/>
+          <a:chOff x="0" y="0"/>
+          <a:chExt cx="0" cy="0"/>
+        </a:xfrm>
+      </p:grpSpPr>
+      <p:sp>
+        <p:nvSpPr>
+          <p:cNvPr id="2" name="Title 1"/>
+          <p:cNvSpPr>
+            <a:spLocks noGrp="1"/>
+          </p:cNvSpPr>
+          <p:nvPr>
+            <p:ph type="title"/>
+          </p:nvPr>
+        </p:nvSpPr>
+        <p:spPr/>
+        <p:txBody>
+          <a:bodyPr/>
+          <a:lstStyle/>
+          <a:p>
+            <a:r>
+              <a:rPr lang="en-IN" dirty="0" smtClean="0"/>
+              <a:t>Using Console</a:t>
+            </a:r>
+            <a:endParaRPr lang="en-US" dirty="0"/>
+          </a:p>
+        </p:txBody>
+      </p:sp>
+      <p:pic>
+        <p:nvPicPr>
+          <p:cNvPr id="28675" name="Picture 3"/>
+          <p:cNvPicPr>
+            <a:picLocks noChangeAspect="1" noChangeArrowheads="1"/>
+          </p:cNvPicPr>
+          <p:nvPr/>
+        </p:nvPicPr>
+        <p:blipFill>
+          <a:blip r:embed="rId2"/>
+          <a:srcRect/>
+          <a:stretch>
+            <a:fillRect/>
+          </a:stretch>
+        </p:blipFill>
+        <p:spPr bwMode="auto">
+          <a:xfrm>
+            <a:off x="457200" y="1524000"/>
+            <a:ext cx="6781800" cy="3467100"/>
+          </a:xfrm>
+          <a:prstGeom prst="rect">
+            <a:avLst/>
+          </a:prstGeom>
+          <a:noFill/>
+          <a:ln w="9525">
+            <a:noFill/>
+            <a:miter lim="800000"/>
+            <a:headEnd/>
+            <a:tailEnd/>
+          </a:ln>
+          <a:effectLst/>
+        </p:spPr>
+      </p:pic>
+      <p:pic>
+        <p:nvPicPr>
+          <p:cNvPr id="4" name="Picture 2"/>
+          <p:cNvPicPr>
+            <a:picLocks noChangeAspect="1" noChangeArrowheads="1"/>
+          </p:cNvPicPr>
+          <p:nvPr/>
+        </p:nvPicPr>
+        <p:blipFill>
+          <a:blip r:embed="rId3"/>
+          <a:srcRect/>
+          <a:stretch>
+            <a:fillRect/>
+          </a:stretch>
+        </p:blipFill>
+        <p:spPr bwMode="auto">
+          <a:xfrm>
+            <a:off x="2743200" y="4191000"/>
+            <a:ext cx="6127174" cy="2385802"/>
+          </a:xfrm>
+          <a:prstGeom prst="rect">
+            <a:avLst/>
+          </a:prstGeom>
+          <a:noFill/>
+          <a:ln w="9525">
+            <a:noFill/>
+            <a:miter lim="800000"/>
+            <a:headEnd/>
+            <a:tailEnd/>
+          </a:ln>
+          <a:effectLst/>
+        </p:spPr>
+      </p:pic>
+      <p:sp>
+        <p:nvSpPr>
+          <p:cNvPr id="5" name="Rectangle 4"/>
+          <p:cNvSpPr/>
+          <p:nvPr/>
+        </p:nvSpPr>
+        <p:spPr>
+          <a:xfrm>
+            <a:off x="5791200" y="1752600"/>
+            <a:ext cx="2057400" cy="381000"/>
+          </a:xfrm>
+          <a:prstGeom prst="rect">
+            <a:avLst/>
+          </a:prstGeom>
+        </p:spPr>
+        <p:style>
+          <a:lnRef idx="1">
+            <a:schemeClr val="accent3"/>
+          </a:lnRef>
+          <a:fillRef idx="2">
+            <a:schemeClr val="accent3"/>
+          </a:fillRef>
+          <a:effectRef idx="1">
+            <a:schemeClr val="accent3"/>
+          </a:effectRef>
+          <a:fontRef idx="minor">
+            <a:schemeClr val="dk1"/>
+          </a:fontRef>
+        </p:style>
+        <p:txBody>
+          <a:bodyPr rtlCol="0" anchor="ctr"/>
+          <a:lstStyle/>
+          <a:p>
+            <a:pPr algn="ctr"/>
+            <a:r>
+              <a:rPr lang="en-IN" sz="1500" b="1" dirty="0" smtClean="0">
+                <a:latin typeface="Times New Roman" pitchFamily="18" charset="0"/>
+                <a:cs typeface="Times New Roman" pitchFamily="18" charset="0"/>
+              </a:rPr>
+              <a:t>Console Class</a:t>
+            </a:r>
+            <a:endParaRPr lang="en-US" sz="1500" b="1" dirty="0">
+              <a:latin typeface="Times New Roman" pitchFamily="18" charset="0"/>
+              <a:cs typeface="Times New Roman" pitchFamily="18" charset="0"/>
+            </a:endParaRPr>
+          </a:p>
+        </p:txBody>
+      </p:sp>
+      <p:cxnSp>
+        <p:nvCxnSpPr>
+          <p:cNvPr id="7" name="Straight Arrow Connector 6"/>
+          <p:cNvCxnSpPr>
+            <a:stCxn id="5" idx="2"/>
+          </p:cNvCxnSpPr>
+          <p:nvPr/>
+        </p:nvCxnSpPr>
+        <p:spPr>
+          <a:xfrm rot="5400000">
+            <a:off x="6076950" y="2000250"/>
+            <a:ext cx="609600" cy="876300"/>
+          </a:xfrm>
+          <a:prstGeom prst="straightConnector1">
+            <a:avLst/>
+          </a:prstGeom>
+          <a:ln>
+            <a:tailEnd type="arrow"/>
+          </a:ln>
+        </p:spPr>
+        <p:style>
+          <a:lnRef idx="2">
+            <a:schemeClr val="dk1"/>
+          </a:lnRef>
+          <a:fillRef idx="0">
+            <a:schemeClr val="dk1"/>
+          </a:fillRef>
+          <a:effectRef idx="1">
+            <a:schemeClr val="dk1"/>
+          </a:effectRef>
+          <a:fontRef idx="minor">
+            <a:schemeClr val="tx1"/>
+          </a:fontRef>
+        </p:style>
+      </p:cxnSp>
+      <p:sp>
+        <p:nvSpPr>
+          <p:cNvPr id="8" name="Rectangle 7"/>
+          <p:cNvSpPr/>
+          <p:nvPr/>
+        </p:nvSpPr>
+        <p:spPr>
+          <a:xfrm>
+            <a:off x="6934200" y="2971800"/>
+            <a:ext cx="1600200" cy="304800"/>
+          </a:xfrm>
+          <a:prstGeom prst="rect">
+            <a:avLst/>
+          </a:prstGeom>
+        </p:spPr>
+        <p:style>
+          <a:lnRef idx="1">
+            <a:schemeClr val="accent3"/>
+          </a:lnRef>
+          <a:fillRef idx="2">
+            <a:schemeClr val="accent3"/>
+          </a:fillRef>
+          <a:effectRef idx="1">
+            <a:schemeClr val="accent3"/>
+          </a:effectRef>
+          <a:fontRef idx="minor">
+            <a:schemeClr val="dk1"/>
+          </a:fontRef>
+        </p:style>
+        <p:txBody>
+          <a:bodyPr rtlCol="0" anchor="ctr"/>
+          <a:lstStyle/>
+          <a:p>
+            <a:pPr algn="ctr"/>
+            <a:r>
+              <a:rPr lang="en-IN" sz="1500" b="1" dirty="0" smtClean="0">
+                <a:latin typeface="Times New Roman" pitchFamily="18" charset="0"/>
+                <a:cs typeface="Times New Roman" pitchFamily="18" charset="0"/>
+              </a:rPr>
+              <a:t>Read User Input</a:t>
+            </a:r>
+            <a:endParaRPr lang="en-US" sz="1500" b="1" dirty="0">
+              <a:latin typeface="Times New Roman" pitchFamily="18" charset="0"/>
+              <a:cs typeface="Times New Roman" pitchFamily="18" charset="0"/>
+            </a:endParaRPr>
+          </a:p>
+        </p:txBody>
+      </p:sp>
+      <p:cxnSp>
+        <p:nvCxnSpPr>
+          <p:cNvPr id="9" name="Straight Arrow Connector 8"/>
+          <p:cNvCxnSpPr>
+            <a:stCxn id="8" idx="1"/>
+          </p:cNvCxnSpPr>
+          <p:nvPr/>
+        </p:nvCxnSpPr>
+        <p:spPr>
+          <a:xfrm rot="10800000" flipV="1">
+            <a:off x="4800600" y="3124200"/>
+            <a:ext cx="2133600" cy="533400"/>
+          </a:xfrm>
+          <a:prstGeom prst="straightConnector1">
+            <a:avLst/>
+          </a:prstGeom>
+          <a:ln>
+            <a:tailEnd type="arrow"/>
+          </a:ln>
+        </p:spPr>
+        <p:style>
+          <a:lnRef idx="2">
+            <a:schemeClr val="dk1"/>
+          </a:lnRef>
+          <a:fillRef idx="0">
+            <a:schemeClr val="dk1"/>
+          </a:fillRef>
+          <a:effectRef idx="1">
+            <a:schemeClr val="dk1"/>
+          </a:effectRef>
+          <a:fontRef idx="minor">
+            <a:schemeClr val="tx1"/>
+          </a:fontRef>
+        </p:style>
+      </p:cxnSp>
+    </p:spTree>
+  </p:cSld>
+  <p:clrMapOvr>
+    <a:masterClrMapping/>
+  </p:clrMapOvr>
+</p:sld>
+</file>
+
+<file path=ppt/slides/slide21.xml><?xml version="1.0" encoding="utf-8"?>
+<p:sld xmlns:a="http://schemas.openxmlformats.org/drawingml/2006/main" xmlns:r="http://schemas.openxmlformats.org/officeDocument/2006/relationships" xmlns:p="http://schemas.openxmlformats.org/presentationml/2006/main">
+  <p:cSld>
+    <p:spTree>
+      <p:nvGrpSpPr>
+        <p:cNvPr id="1" name=""/>
+        <p:cNvGrpSpPr/>
+        <p:nvPr/>
+      </p:nvGrpSpPr>
+      <p:grpSpPr>
+        <a:xfrm>
+          <a:off x="0" y="0"/>
+          <a:ext cx="0" cy="0"/>
+          <a:chOff x="0" y="0"/>
+          <a:chExt cx="0" cy="0"/>
+        </a:xfrm>
+      </p:grpSpPr>
+      <p:sp>
+        <p:nvSpPr>
+          <p:cNvPr id="2" name="Title 1"/>
+          <p:cNvSpPr>
+            <a:spLocks noGrp="1"/>
+          </p:cNvSpPr>
+          <p:nvPr>
+            <p:ph type="title"/>
+          </p:nvPr>
+        </p:nvSpPr>
+        <p:spPr/>
+        <p:txBody>
+          <a:bodyPr/>
+          <a:lstStyle/>
+          <a:p>
+            <a:r>
+              <a:rPr lang="en-IN" dirty="0" smtClean="0"/>
+              <a:t>Writing data to console</a:t>
+            </a:r>
+            <a:endParaRPr lang="en-US" dirty="0"/>
+          </a:p>
+        </p:txBody>
+      </p:sp>
+      <p:grpSp>
+        <p:nvGrpSpPr>
+          <p:cNvPr id="13" name="Group 12"/>
+          <p:cNvGrpSpPr/>
+          <p:nvPr/>
+        </p:nvGrpSpPr>
+        <p:grpSpPr>
+          <a:xfrm>
+            <a:off x="609600" y="1752600"/>
+            <a:ext cx="7934325" cy="4829175"/>
+            <a:chOff x="609600" y="1752600"/>
+            <a:chExt cx="7934325" cy="4829175"/>
+          </a:xfrm>
+        </p:grpSpPr>
+        <p:pic>
+          <p:nvPicPr>
+            <p:cNvPr id="1026" name="Picture 2"/>
+            <p:cNvPicPr>
+              <a:picLocks noChangeAspect="1" noChangeArrowheads="1"/>
+            </p:cNvPicPr>
+            <p:nvPr/>
+          </p:nvPicPr>
+          <p:blipFill>
+            <a:blip r:embed="rId2"/>
+            <a:srcRect/>
+            <a:stretch>
+              <a:fillRect/>
+            </a:stretch>
+          </p:blipFill>
+          <p:spPr bwMode="auto">
+            <a:xfrm>
+              <a:off x="609600" y="1752600"/>
+              <a:ext cx="5486400" cy="3858178"/>
+            </a:xfrm>
+            <a:prstGeom prst="rect">
+              <a:avLst/>
+            </a:prstGeom>
+            <a:noFill/>
+            <a:ln w="9525">
+              <a:noFill/>
+              <a:miter lim="800000"/>
+              <a:headEnd/>
+              <a:tailEnd/>
+            </a:ln>
+            <a:effectLst/>
+          </p:spPr>
+        </p:pic>
+        <p:pic>
+          <p:nvPicPr>
+            <p:cNvPr id="1027" name="Picture 3"/>
+            <p:cNvPicPr>
+              <a:picLocks noChangeAspect="1" noChangeArrowheads="1"/>
+            </p:cNvPicPr>
+            <p:nvPr/>
+          </p:nvPicPr>
+          <p:blipFill>
+            <a:blip r:embed="rId3"/>
+            <a:srcRect/>
+            <a:stretch>
+              <a:fillRect/>
+            </a:stretch>
+          </p:blipFill>
+          <p:spPr bwMode="auto">
+            <a:xfrm>
+              <a:off x="2824280" y="4419600"/>
+              <a:ext cx="5719645" cy="2162175"/>
+            </a:xfrm>
+            <a:prstGeom prst="rect">
+              <a:avLst/>
+            </a:prstGeom>
+            <a:noFill/>
+            <a:ln w="9525">
+              <a:noFill/>
+              <a:miter lim="800000"/>
+              <a:headEnd/>
+              <a:tailEnd/>
+            </a:ln>
+            <a:effectLst/>
+          </p:spPr>
+        </p:pic>
+        <p:sp>
+          <p:nvSpPr>
+            <p:cNvPr id="5" name="Rectangle 4"/>
+            <p:cNvSpPr/>
+            <p:nvPr/>
+          </p:nvSpPr>
+          <p:spPr>
+            <a:xfrm>
+              <a:off x="6934200" y="2971800"/>
+              <a:ext cx="1600200" cy="304800"/>
+            </a:xfrm>
+            <a:prstGeom prst="rect">
+              <a:avLst/>
+            </a:prstGeom>
+          </p:spPr>
+          <p:style>
+            <a:lnRef idx="1">
+              <a:schemeClr val="accent3"/>
+            </a:lnRef>
+            <a:fillRef idx="2">
+              <a:schemeClr val="accent3"/>
+            </a:fillRef>
+            <a:effectRef idx="1">
+              <a:schemeClr val="accent3"/>
+            </a:effectRef>
+            <a:fontRef idx="minor">
+              <a:schemeClr val="dk1"/>
+            </a:fontRef>
+          </p:style>
+          <p:txBody>
+            <a:bodyPr rtlCol="0" anchor="ctr"/>
+            <a:lstStyle/>
+            <a:p>
+              <a:pPr algn="ctr"/>
+              <a:r>
+                <a:rPr lang="en-IN" sz="1500" b="1" dirty="0" smtClean="0">
+                  <a:latin typeface="Times New Roman" pitchFamily="18" charset="0"/>
+                  <a:cs typeface="Times New Roman" pitchFamily="18" charset="0"/>
+                </a:rPr>
+                <a:t>Getting Writer</a:t>
+              </a:r>
+              <a:endParaRPr lang="en-US" sz="1500" b="1" dirty="0">
+                <a:latin typeface="Times New Roman" pitchFamily="18" charset="0"/>
+                <a:cs typeface="Times New Roman" pitchFamily="18" charset="0"/>
+              </a:endParaRPr>
+            </a:p>
+          </p:txBody>
+        </p:sp>
+        <p:cxnSp>
+          <p:nvCxnSpPr>
+            <p:cNvPr id="6" name="Straight Arrow Connector 5"/>
+            <p:cNvCxnSpPr/>
+            <p:nvPr/>
+          </p:nvCxnSpPr>
+          <p:spPr>
+            <a:xfrm rot="10800000">
+              <a:off x="4648200" y="3124200"/>
+              <a:ext cx="2286000" cy="1588"/>
+            </a:xfrm>
+            <a:prstGeom prst="straightConnector1">
+              <a:avLst/>
+            </a:prstGeom>
+            <a:ln>
+              <a:tailEnd type="arrow"/>
+            </a:ln>
+          </p:spPr>
+          <p:style>
+            <a:lnRef idx="2">
+              <a:schemeClr val="dk1"/>
+            </a:lnRef>
+            <a:fillRef idx="0">
+              <a:schemeClr val="dk1"/>
+            </a:fillRef>
+            <a:effectRef idx="1">
+              <a:schemeClr val="dk1"/>
+            </a:effectRef>
+            <a:fontRef idx="minor">
+              <a:schemeClr val="tx1"/>
+            </a:fontRef>
+          </p:style>
+        </p:cxnSp>
+        <p:sp>
+          <p:nvSpPr>
+            <p:cNvPr id="8" name="Rectangle 7"/>
+            <p:cNvSpPr/>
+            <p:nvPr/>
+          </p:nvSpPr>
+          <p:spPr>
+            <a:xfrm>
+              <a:off x="6858000" y="4038600"/>
+              <a:ext cx="1600200" cy="304800"/>
+            </a:xfrm>
+            <a:prstGeom prst="rect">
+              <a:avLst/>
+            </a:prstGeom>
+          </p:spPr>
+          <p:style>
+            <a:lnRef idx="1">
+              <a:schemeClr val="accent3"/>
+            </a:lnRef>
+            <a:fillRef idx="2">
+              <a:schemeClr val="accent3"/>
+            </a:fillRef>
+            <a:effectRef idx="1">
+              <a:schemeClr val="accent3"/>
+            </a:effectRef>
+            <a:fontRef idx="minor">
+              <a:schemeClr val="dk1"/>
+            </a:fontRef>
+          </p:style>
+          <p:txBody>
+            <a:bodyPr rtlCol="0" anchor="ctr"/>
+            <a:lstStyle/>
+            <a:p>
+              <a:pPr algn="ctr"/>
+              <a:r>
+                <a:rPr lang="en-IN" sz="1500" b="1" dirty="0" smtClean="0">
+                  <a:latin typeface="Times New Roman" pitchFamily="18" charset="0"/>
+                  <a:cs typeface="Times New Roman" pitchFamily="18" charset="0"/>
+                </a:rPr>
+                <a:t>Writing data</a:t>
+              </a:r>
+              <a:endParaRPr lang="en-US" sz="1500" b="1" dirty="0">
+                <a:latin typeface="Times New Roman" pitchFamily="18" charset="0"/>
+                <a:cs typeface="Times New Roman" pitchFamily="18" charset="0"/>
+              </a:endParaRPr>
+            </a:p>
+          </p:txBody>
+        </p:sp>
+        <p:cxnSp>
+          <p:nvCxnSpPr>
+            <p:cNvPr id="9" name="Straight Arrow Connector 8"/>
+            <p:cNvCxnSpPr>
+              <a:stCxn id="8" idx="1"/>
+            </p:cNvCxnSpPr>
+            <p:nvPr/>
+          </p:nvCxnSpPr>
+          <p:spPr>
+            <a:xfrm rot="10800000">
+              <a:off x="3733800" y="4191000"/>
+              <a:ext cx="3124200" cy="1588"/>
+            </a:xfrm>
+            <a:prstGeom prst="straightConnector1">
+              <a:avLst/>
+            </a:prstGeom>
+            <a:ln>
+              <a:tailEnd type="arrow"/>
+            </a:ln>
+          </p:spPr>
+          <p:style>
+            <a:lnRef idx="2">
+              <a:schemeClr val="dk1"/>
+            </a:lnRef>
+            <a:fillRef idx="0">
+              <a:schemeClr val="dk1"/>
+            </a:fillRef>
+            <a:effectRef idx="1">
+              <a:schemeClr val="dk1"/>
+            </a:effectRef>
+            <a:fontRef idx="minor">
+              <a:schemeClr val="tx1"/>
+            </a:fontRef>
+          </p:style>
+        </p:cxnSp>
+      </p:grpSp>
+    </p:spTree>
+  </p:cSld>
+  <p:clrMapOvr>
+    <a:masterClrMapping/>
+  </p:clrMapOvr>
+</p:sld>
+</file>
+
+<file path=ppt/slides/slide22.xml><?xml version="1.0" encoding="utf-8"?>
+<p:sld xmlns:a="http://schemas.openxmlformats.org/drawingml/2006/main" xmlns:r="http://schemas.openxmlformats.org/officeDocument/2006/relationships" xmlns:p="http://schemas.openxmlformats.org/presentationml/2006/main">
+  <p:cSld>
+    <p:spTree>
+      <p:nvGrpSpPr>
+        <p:cNvPr id="1" name=""/>
+        <p:cNvGrpSpPr/>
+        <p:nvPr/>
+      </p:nvGrpSpPr>
+      <p:grpSpPr>
+        <a:xfrm>
+          <a:off x="0" y="0"/>
+          <a:ext cx="0" cy="0"/>
+          <a:chOff x="0" y="0"/>
+          <a:chExt cx="0" cy="0"/>
+        </a:xfrm>
+      </p:grpSpPr>
+      <p:sp>
+        <p:nvSpPr>
+          <p:cNvPr id="2" name="Title 1"/>
+          <p:cNvSpPr>
+            <a:spLocks noGrp="1"/>
+          </p:cNvSpPr>
+          <p:nvPr>
+            <p:ph type="title"/>
+          </p:nvPr>
+        </p:nvSpPr>
+        <p:spPr/>
+        <p:txBody>
+          <a:bodyPr/>
+          <a:lstStyle/>
+          <a:p>
+            <a:r>
+              <a:rPr lang="en-IN" dirty="0" smtClean="0"/>
+              <a:t>Reading Passwords</a:t>
+            </a:r>
+            <a:endParaRPr lang="en-US" dirty="0"/>
+          </a:p>
+        </p:txBody>
+      </p:sp>
+      <p:pic>
+        <p:nvPicPr>
+          <p:cNvPr id="2050" name="Picture 2"/>
+          <p:cNvPicPr>
+            <a:picLocks noChangeAspect="1" noChangeArrowheads="1"/>
+          </p:cNvPicPr>
+          <p:nvPr/>
+        </p:nvPicPr>
+        <p:blipFill>
+          <a:blip r:embed="rId2"/>
+          <a:srcRect/>
+          <a:stretch>
+            <a:fillRect/>
+          </a:stretch>
+        </p:blipFill>
+        <p:spPr bwMode="auto">
+          <a:xfrm>
+            <a:off x="457200" y="1752600"/>
+            <a:ext cx="7248525" cy="4572000"/>
+          </a:xfrm>
+          <a:prstGeom prst="rect">
+            <a:avLst/>
+          </a:prstGeom>
+          <a:noFill/>
+          <a:ln w="9525">
+            <a:noFill/>
+            <a:miter lim="800000"/>
+            <a:headEnd/>
+            <a:tailEnd/>
+          </a:ln>
+          <a:effectLst/>
+        </p:spPr>
+      </p:pic>
+    </p:spTree>
+  </p:cSld>
+  <p:clrMapOvr>
+    <a:masterClrMapping/>
+  </p:clrMapOvr>
+</p:sld>
+</file>
+
+<file path=ppt/slides/slide23.xml><?xml version="1.0" encoding="utf-8"?>
+<p:sld xmlns:a="http://schemas.openxmlformats.org/drawingml/2006/main" xmlns:r="http://schemas.openxmlformats.org/officeDocument/2006/relationships" xmlns:p="http://schemas.openxmlformats.org/presentationml/2006/main">
+  <p:cSld>
+    <p:spTree>
+      <p:nvGrpSpPr>
+        <p:cNvPr id="1" name=""/>
+        <p:cNvGrpSpPr/>
+        <p:nvPr/>
+      </p:nvGrpSpPr>
+      <p:grpSpPr>
+        <a:xfrm>
+          <a:off x="0" y="0"/>
+          <a:ext cx="0" cy="0"/>
+          <a:chOff x="0" y="0"/>
+          <a:chExt cx="0" cy="0"/>
+        </a:xfrm>
+      </p:grpSpPr>
+      <p:sp>
+        <p:nvSpPr>
+          <p:cNvPr id="2" name="Title 1"/>
+          <p:cNvSpPr>
+            <a:spLocks noGrp="1"/>
+          </p:cNvSpPr>
+          <p:nvPr>
+            <p:ph type="title"/>
+          </p:nvPr>
+        </p:nvSpPr>
+        <p:spPr/>
+        <p:txBody>
+          <a:bodyPr/>
+          <a:lstStyle/>
+          <a:p>
+            <a:r>
+              <a:rPr lang="en-IN" dirty="0" smtClean="0"/>
+              <a:t>Output</a:t>
+            </a:r>
+            <a:endParaRPr lang="en-US" dirty="0"/>
+          </a:p>
+        </p:txBody>
+      </p:sp>
+      <p:pic>
+        <p:nvPicPr>
+          <p:cNvPr id="3074" name="Picture 2"/>
+          <p:cNvPicPr>
+            <a:picLocks noChangeAspect="1" noChangeArrowheads="1"/>
+          </p:cNvPicPr>
+          <p:nvPr/>
+        </p:nvPicPr>
+        <p:blipFill>
+          <a:blip r:embed="rId2"/>
+          <a:srcRect/>
+          <a:stretch>
+            <a:fillRect/>
+          </a:stretch>
+        </p:blipFill>
+        <p:spPr bwMode="auto">
+          <a:xfrm>
+            <a:off x="457200" y="1752600"/>
+            <a:ext cx="8223447" cy="1905000"/>
+          </a:xfrm>
+          <a:prstGeom prst="rect">
+            <a:avLst/>
+          </a:prstGeom>
+          <a:noFill/>
+          <a:ln w="9525">
+            <a:noFill/>
+            <a:miter lim="800000"/>
+            <a:headEnd/>
+            <a:tailEnd/>
+          </a:ln>
+          <a:effectLst/>
+        </p:spPr>
+      </p:pic>
+    </p:spTree>
+  </p:cSld>
+  <p:clrMapOvr>
+    <a:masterClrMapping/>
+  </p:clrMapOvr>
+</p:sld>
+</file>
+
+<file path=ppt/slides/slide24.xml><?xml version="1.0" encoding="utf-8"?>
+<p:sld xmlns:a="http://schemas.openxmlformats.org/drawingml/2006/main" xmlns:r="http://schemas.openxmlformats.org/officeDocument/2006/relationships" xmlns:p="http://schemas.openxmlformats.org/presentationml/2006/main">
+  <p:cSld>
+    <p:spTree>
+      <p:nvGrpSpPr>
+        <p:cNvPr id="1" name=""/>
+        <p:cNvGrpSpPr/>
+        <p:nvPr/>
+      </p:nvGrpSpPr>
+      <p:grpSpPr>
+        <a:xfrm>
+          <a:off x="0" y="0"/>
+          <a:ext cx="0" cy="0"/>
+          <a:chOff x="0" y="0"/>
+          <a:chExt cx="0" cy="0"/>
+        </a:xfrm>
+      </p:grpSpPr>
+      <p:sp>
+        <p:nvSpPr>
+          <p:cNvPr id="2" name="Title 1"/>
+          <p:cNvSpPr>
+            <a:spLocks noGrp="1"/>
+          </p:cNvSpPr>
+          <p:nvPr>
+            <p:ph type="title"/>
+          </p:nvPr>
+        </p:nvSpPr>
+        <p:spPr>
+          <a:xfrm>
+            <a:off x="457200" y="274638"/>
+            <a:ext cx="3962400" cy="563562"/>
+          </a:xfrm>
+        </p:spPr>
+        <p:txBody>
+          <a:bodyPr>
+            <a:normAutofit/>
+          </a:bodyPr>
+          <a:lstStyle/>
+          <a:p>
+            <a:r>
+              <a:rPr lang="en-IN" sz="2500" dirty="0" smtClean="0"/>
+              <a:t>Reading data from file</a:t>
+            </a:r>
+            <a:endParaRPr lang="en-US" sz="2500" dirty="0"/>
+          </a:p>
+        </p:txBody>
+      </p:sp>
+      <p:pic>
+        <p:nvPicPr>
+          <p:cNvPr id="4104" name="Picture 8"/>
+          <p:cNvPicPr>
+            <a:picLocks noChangeAspect="1" noChangeArrowheads="1"/>
+          </p:cNvPicPr>
+          <p:nvPr/>
+        </p:nvPicPr>
+        <p:blipFill>
+          <a:blip r:embed="rId2"/>
+          <a:srcRect/>
+          <a:stretch>
+            <a:fillRect/>
+          </a:stretch>
+        </p:blipFill>
+        <p:spPr bwMode="auto">
+          <a:xfrm>
+            <a:off x="219074" y="937652"/>
+            <a:ext cx="6181726" cy="5615548"/>
+          </a:xfrm>
+          <a:prstGeom prst="rect">
+            <a:avLst/>
+          </a:prstGeom>
+          <a:noFill/>
+          <a:ln w="9525">
+            <a:noFill/>
+            <a:miter lim="800000"/>
+            <a:headEnd/>
+            <a:tailEnd/>
+          </a:ln>
+          <a:effectLst/>
+        </p:spPr>
+      </p:pic>
+      <p:pic>
+        <p:nvPicPr>
+          <p:cNvPr id="4100" name="Picture 4"/>
+          <p:cNvPicPr>
+            <a:picLocks noChangeAspect="1" noChangeArrowheads="1"/>
+          </p:cNvPicPr>
+          <p:nvPr/>
+        </p:nvPicPr>
+        <p:blipFill>
+          <a:blip r:embed="rId3"/>
+          <a:srcRect/>
+          <a:stretch>
+            <a:fillRect/>
+          </a:stretch>
+        </p:blipFill>
+        <p:spPr bwMode="auto">
+          <a:xfrm>
+            <a:off x="5715000" y="1609725"/>
+            <a:ext cx="2343150" cy="1162050"/>
+          </a:xfrm>
+          <a:prstGeom prst="rect">
+            <a:avLst/>
+          </a:prstGeom>
+          <a:noFill/>
+          <a:ln w="9525">
+            <a:noFill/>
+            <a:miter lim="800000"/>
+            <a:headEnd/>
+            <a:tailEnd/>
+          </a:ln>
+          <a:effectLst/>
+        </p:spPr>
+      </p:pic>
+      <p:pic>
+        <p:nvPicPr>
+          <p:cNvPr id="4099" name="Picture 3"/>
+          <p:cNvPicPr>
+            <a:picLocks noChangeAspect="1" noChangeArrowheads="1"/>
+          </p:cNvPicPr>
+          <p:nvPr/>
+        </p:nvPicPr>
+        <p:blipFill>
+          <a:blip r:embed="rId4"/>
+          <a:srcRect/>
+          <a:stretch>
+            <a:fillRect/>
+          </a:stretch>
+        </p:blipFill>
+        <p:spPr bwMode="auto">
+          <a:xfrm>
+            <a:off x="5715000" y="3209925"/>
+            <a:ext cx="2971800" cy="1743075"/>
+          </a:xfrm>
+          <a:prstGeom prst="rect">
+            <a:avLst/>
+          </a:prstGeom>
+          <a:noFill/>
+          <a:ln w="9525">
+            <a:noFill/>
+            <a:miter lim="800000"/>
+            <a:headEnd/>
+            <a:tailEnd/>
+          </a:ln>
+          <a:effectLst/>
+        </p:spPr>
+      </p:pic>
+    </p:spTree>
+  </p:cSld>
+  <p:clrMapOvr>
+    <a:masterClrMapping/>
+  </p:clrMapOvr>
+</p:sld>
+</file>
+
+<file path=ppt/slides/slide25.xml><?xml version="1.0" encoding="utf-8"?>
+<p:sld xmlns:a="http://schemas.openxmlformats.org/drawingml/2006/main" xmlns:r="http://schemas.openxmlformats.org/officeDocument/2006/relationships" xmlns:p="http://schemas.openxmlformats.org/presentationml/2006/main">
+  <p:cSld>
+    <p:spTree>
+      <p:nvGrpSpPr>
+        <p:cNvPr id="1" name=""/>
+        <p:cNvGrpSpPr/>
+        <p:nvPr/>
+      </p:nvGrpSpPr>
+      <p:grpSpPr>
+        <a:xfrm>
+          <a:off x="0" y="0"/>
+          <a:ext cx="0" cy="0"/>
+          <a:chOff x="0" y="0"/>
+          <a:chExt cx="0" cy="0"/>
+        </a:xfrm>
+      </p:grpSpPr>
+      <p:sp>
+        <p:nvSpPr>
+          <p:cNvPr id="2" name="Title 1"/>
+          <p:cNvSpPr>
+            <a:spLocks noGrp="1"/>
+          </p:cNvSpPr>
+          <p:nvPr>
+            <p:ph type="title"/>
+          </p:nvPr>
+        </p:nvSpPr>
+        <p:spPr>
+          <a:xfrm>
+            <a:off x="457200" y="274638"/>
+            <a:ext cx="3124200" cy="563562"/>
+          </a:xfrm>
+        </p:spPr>
+        <p:txBody>
+          <a:bodyPr>
+            <a:normAutofit/>
+          </a:bodyPr>
+          <a:lstStyle/>
+          <a:p>
+            <a:r>
+              <a:rPr lang="en-IN" sz="2500" dirty="0" smtClean="0"/>
+              <a:t>Writing data to file</a:t>
+            </a:r>
+            <a:endParaRPr lang="en-US" sz="2500" dirty="0"/>
+          </a:p>
+        </p:txBody>
+      </p:sp>
+      <p:pic>
+        <p:nvPicPr>
+          <p:cNvPr id="4098" name="Picture 2"/>
+          <p:cNvPicPr>
+            <a:picLocks noChangeAspect="1" noChangeArrowheads="1"/>
+          </p:cNvPicPr>
+          <p:nvPr/>
+        </p:nvPicPr>
+        <p:blipFill>
+          <a:blip r:embed="rId2"/>
+          <a:srcRect/>
+          <a:stretch>
+            <a:fillRect/>
+          </a:stretch>
+        </p:blipFill>
+        <p:spPr bwMode="auto">
+          <a:xfrm>
+            <a:off x="457200" y="1142999"/>
+            <a:ext cx="5181600" cy="5514361"/>
+          </a:xfrm>
+          <a:prstGeom prst="rect">
+            <a:avLst/>
+          </a:prstGeom>
+          <a:noFill/>
+          <a:ln w="9525">
+            <a:noFill/>
+            <a:miter lim="800000"/>
+            <a:headEnd/>
+            <a:tailEnd/>
+          </a:ln>
+          <a:effectLst/>
+        </p:spPr>
+      </p:pic>
+      <p:pic>
+        <p:nvPicPr>
+          <p:cNvPr id="4099" name="Picture 3"/>
+          <p:cNvPicPr>
+            <a:picLocks noChangeAspect="1" noChangeArrowheads="1"/>
+          </p:cNvPicPr>
+          <p:nvPr/>
+        </p:nvPicPr>
+        <p:blipFill>
+          <a:blip r:embed="rId3"/>
+          <a:srcRect/>
+          <a:stretch>
+            <a:fillRect/>
+          </a:stretch>
+        </p:blipFill>
+        <p:spPr bwMode="auto">
+          <a:xfrm>
+            <a:off x="5486400" y="3124200"/>
+            <a:ext cx="2971800" cy="1743075"/>
+          </a:xfrm>
+          <a:prstGeom prst="rect">
+            <a:avLst/>
+          </a:prstGeom>
+          <a:noFill/>
+          <a:ln w="9525">
+            <a:noFill/>
+            <a:miter lim="800000"/>
+            <a:headEnd/>
+            <a:tailEnd/>
+          </a:ln>
+          <a:effectLst/>
+        </p:spPr>
+      </p:pic>
+      <p:pic>
+        <p:nvPicPr>
+          <p:cNvPr id="4100" name="Picture 4"/>
+          <p:cNvPicPr>
+            <a:picLocks noChangeAspect="1" noChangeArrowheads="1"/>
+          </p:cNvPicPr>
+          <p:nvPr/>
+        </p:nvPicPr>
+        <p:blipFill>
+          <a:blip r:embed="rId4"/>
+          <a:srcRect/>
+          <a:stretch>
+            <a:fillRect/>
+          </a:stretch>
+        </p:blipFill>
+        <p:spPr bwMode="auto">
+          <a:xfrm>
+            <a:off x="5486400" y="228600"/>
+            <a:ext cx="2343150" cy="1162050"/>
+          </a:xfrm>
+          <a:prstGeom prst="rect">
+            <a:avLst/>
+          </a:prstGeom>
+          <a:noFill/>
+          <a:ln w="9525">
+            <a:noFill/>
+            <a:miter lim="800000"/>
+            <a:headEnd/>
+            <a:tailEnd/>
+          </a:ln>
+          <a:effectLst/>
+        </p:spPr>
+      </p:pic>
+      <p:pic>
+        <p:nvPicPr>
+          <p:cNvPr id="4101" name="Picture 5"/>
+          <p:cNvPicPr>
+            <a:picLocks noChangeAspect="1" noChangeArrowheads="1"/>
+          </p:cNvPicPr>
+          <p:nvPr/>
+        </p:nvPicPr>
+        <p:blipFill>
+          <a:blip r:embed="rId5"/>
+          <a:srcRect/>
+          <a:stretch>
+            <a:fillRect/>
+          </a:stretch>
+        </p:blipFill>
+        <p:spPr bwMode="auto">
+          <a:xfrm>
+            <a:off x="5486400" y="5029200"/>
+            <a:ext cx="3162300" cy="1238250"/>
+          </a:xfrm>
+          <a:prstGeom prst="rect">
+            <a:avLst/>
+          </a:prstGeom>
+          <a:noFill/>
+          <a:ln w="9525">
+            <a:noFill/>
+            <a:miter lim="800000"/>
+            <a:headEnd/>
+            <a:tailEnd/>
+          </a:ln>
+          <a:effectLst/>
+        </p:spPr>
+      </p:pic>
+      <p:pic>
+        <p:nvPicPr>
+          <p:cNvPr id="4102" name="Picture 6"/>
+          <p:cNvPicPr>
+            <a:picLocks noChangeAspect="1" noChangeArrowheads="1"/>
+          </p:cNvPicPr>
+          <p:nvPr/>
+        </p:nvPicPr>
+        <p:blipFill>
+          <a:blip r:embed="rId6"/>
+          <a:srcRect/>
+          <a:stretch>
+            <a:fillRect/>
+          </a:stretch>
+        </p:blipFill>
+        <p:spPr bwMode="auto">
+          <a:xfrm>
+            <a:off x="5486400" y="1524000"/>
+            <a:ext cx="3648075" cy="1333500"/>
+          </a:xfrm>
+          <a:prstGeom prst="rect">
+            <a:avLst/>
+          </a:prstGeom>
+          <a:noFill/>
+          <a:ln w="9525">
+            <a:noFill/>
+            <a:miter lim="800000"/>
+            <a:headEnd/>
+            <a:tailEnd/>
+          </a:ln>
+          <a:effectLst/>
+        </p:spPr>
+      </p:pic>
+    </p:spTree>
+  </p:cSld>
+  <p:clrMapOvr>
+    <a:masterClrMapping/>
+  </p:clrMapOvr>
+</p:sld>
+</file>
+
+<file path=ppt/slides/slide26.xml><?xml version="1.0" encoding="utf-8"?>
+<p:sld xmlns:a="http://schemas.openxmlformats.org/drawingml/2006/main" xmlns:r="http://schemas.openxmlformats.org/officeDocument/2006/relationships" xmlns:p="http://schemas.openxmlformats.org/presentationml/2006/main">
+  <p:cSld>
+    <p:spTree>
+      <p:nvGrpSpPr>
+        <p:cNvPr id="1" name=""/>
+        <p:cNvGrpSpPr/>
+        <p:nvPr/>
+      </p:nvGrpSpPr>
+      <p:grpSpPr>
+        <a:xfrm>
+          <a:off x="0" y="0"/>
+          <a:ext cx="0" cy="0"/>
+          <a:chOff x="0" y="0"/>
+          <a:chExt cx="0" cy="0"/>
+        </a:xfrm>
+      </p:grpSpPr>
+      <p:sp>
+        <p:nvSpPr>
+          <p:cNvPr id="2" name="Title 1"/>
+          <p:cNvSpPr>
+            <a:spLocks noGrp="1"/>
+          </p:cNvSpPr>
+          <p:nvPr>
+            <p:ph type="title"/>
+          </p:nvPr>
+        </p:nvSpPr>
+        <p:spPr>
+          <a:xfrm>
+            <a:off x="457200" y="1981200"/>
+            <a:ext cx="8229600" cy="1143000"/>
+          </a:xfrm>
+        </p:spPr>
+        <p:txBody>
+          <a:bodyPr/>
+          <a:lstStyle/>
+          <a:p>
+            <a:r>
+              <a:rPr lang="en-US" dirty="0" smtClean="0"/>
+              <a:t>Thank You</a:t>
+            </a:r>
+            <a:endParaRPr lang="en-US" dirty="0"/>
+          </a:p>
+        </p:txBody>
+      </p:sp>
+      <p:sp>
+        <p:nvSpPr>
+          <p:cNvPr id="4" name="Subtitle 2"/>
+          <p:cNvSpPr txBox="1">
+            <a:spLocks/>
+          </p:cNvSpPr>
+          <p:nvPr/>
+        </p:nvSpPr>
+        <p:spPr>
+          <a:xfrm>
+            <a:off x="4038600" y="4191000"/>
+            <a:ext cx="4191000" cy="1752600"/>
+          </a:xfrm>
+          <a:prstGeom prst="rect">
+            <a:avLst/>
+          </a:prstGeom>
+        </p:spPr>
+        <p:txBody>
+          <a:bodyPr vert="horz" lIns="91440" tIns="45720" rIns="91440" bIns="45720" rtlCol="0">
+            <a:normAutofit fontScale="92500" lnSpcReduction="10000"/>
+          </a:bodyPr>
+          <a:lstStyle/>
+          <a:p>
+            <a:pPr marL="342900" marR="0" lvl="0" indent="-342900" algn="r" defTabSz="914400" rtl="0" eaLnBrk="1" fontAlgn="auto" latinLnBrk="0" hangingPunct="1">
+              <a:lnSpc>
+                <a:spcPct val="100000"/>
+              </a:lnSpc>
+              <a:spcBef>
+                <a:spcPct val="20000"/>
+              </a:spcBef>
+              <a:spcAft>
+                <a:spcPts val="0"/>
+              </a:spcAft>
+              <a:buClrTx/>
+              <a:buSzTx/>
+              <a:tabLst/>
+              <a:defRPr/>
+            </a:pPr>
+            <a:r>
+              <a:rPr kumimoji="0" lang="en-US" sz="2200" b="0" i="0" u="none" strike="noStrike" kern="1200" cap="none" spc="0" normalizeH="0" baseline="0" noProof="0" dirty="0" err="1" smtClean="0">
+                <a:ln>
+                  <a:noFill/>
+                </a:ln>
+                <a:solidFill>
+                  <a:schemeClr val="tx1"/>
+                </a:solidFill>
+                <a:effectLst/>
+                <a:uLnTx/>
+                <a:uFillTx/>
+                <a:latin typeface="Cambria" pitchFamily="18" charset="0"/>
+                <a:ea typeface="+mn-ea"/>
+                <a:cs typeface="+mn-cs"/>
+              </a:rPr>
+              <a:t>Rajasekaran</a:t>
+            </a:r>
+            <a:r>
+              <a:rPr kumimoji="0" lang="en-US" sz="2200" b="0" i="0" u="none" strike="noStrike" kern="1200" cap="none" spc="0" normalizeH="0" baseline="0" noProof="0" dirty="0" smtClean="0">
+                <a:ln>
+                  <a:noFill/>
+                </a:ln>
+                <a:solidFill>
+                  <a:schemeClr val="tx1"/>
+                </a:solidFill>
+                <a:effectLst/>
+                <a:uLnTx/>
+                <a:uFillTx/>
+                <a:latin typeface="Cambria" pitchFamily="18" charset="0"/>
+                <a:ea typeface="+mn-ea"/>
+                <a:cs typeface="+mn-cs"/>
+              </a:rPr>
+              <a:t> S</a:t>
+            </a:r>
+          </a:p>
+          <a:p>
+            <a:pPr marL="342900" marR="0" lvl="0" indent="-342900" algn="r" defTabSz="914400" rtl="0" eaLnBrk="1" fontAlgn="auto" latinLnBrk="0" hangingPunct="1">
+              <a:lnSpc>
+                <a:spcPct val="100000"/>
+              </a:lnSpc>
+              <a:spcBef>
+                <a:spcPct val="20000"/>
+              </a:spcBef>
+              <a:spcAft>
+                <a:spcPts val="0"/>
+              </a:spcAft>
+              <a:buClrTx/>
+              <a:buSzTx/>
+              <a:tabLst/>
+              <a:defRPr/>
+            </a:pPr>
+            <a:r>
+              <a:rPr kumimoji="0" lang="en-US" sz="1600" b="0" i="0" u="none" strike="noStrike" kern="1200" cap="none" spc="0" normalizeH="0" baseline="0" noProof="0" dirty="0" smtClean="0">
+                <a:ln>
+                  <a:noFill/>
+                </a:ln>
+                <a:solidFill>
+                  <a:schemeClr val="tx1"/>
+                </a:solidFill>
+                <a:effectLst/>
+                <a:uLnTx/>
+                <a:uFillTx/>
+                <a:latin typeface="Cambria" pitchFamily="18" charset="0"/>
+                <a:ea typeface="+mn-ea"/>
+                <a:cs typeface="+mn-cs"/>
+              </a:rPr>
+              <a:t>Assistant Professor,</a:t>
+            </a:r>
+          </a:p>
+          <a:p>
+            <a:pPr marL="342900" marR="0" lvl="0" indent="-342900" algn="r" defTabSz="914400" rtl="0" eaLnBrk="1" fontAlgn="auto" latinLnBrk="0" hangingPunct="1">
+              <a:lnSpc>
+                <a:spcPct val="100000"/>
+              </a:lnSpc>
+              <a:spcBef>
+                <a:spcPct val="20000"/>
+              </a:spcBef>
+              <a:spcAft>
+                <a:spcPts val="0"/>
+              </a:spcAft>
+              <a:buClrTx/>
+              <a:buSzTx/>
+              <a:tabLst/>
+              <a:defRPr/>
+            </a:pPr>
+            <a:r>
+              <a:rPr kumimoji="0" lang="en-US" sz="1600" b="0" i="0" u="none" strike="noStrike" kern="1200" cap="none" spc="0" normalizeH="0" baseline="0" noProof="0" dirty="0" smtClean="0">
+                <a:ln>
+                  <a:noFill/>
+                </a:ln>
+                <a:solidFill>
+                  <a:schemeClr val="tx1"/>
+                </a:solidFill>
+                <a:effectLst/>
+                <a:uLnTx/>
+                <a:uFillTx/>
+                <a:latin typeface="Cambria" pitchFamily="18" charset="0"/>
+                <a:ea typeface="+mn-ea"/>
+                <a:cs typeface="+mn-cs"/>
+              </a:rPr>
+              <a:t>Department of Information Technology,</a:t>
+            </a:r>
+          </a:p>
+          <a:p>
+            <a:pPr marL="342900" marR="0" lvl="0" indent="-342900" algn="r" defTabSz="914400" rtl="0" eaLnBrk="1" fontAlgn="auto" latinLnBrk="0" hangingPunct="1">
+              <a:lnSpc>
+                <a:spcPct val="100000"/>
+              </a:lnSpc>
+              <a:spcBef>
+                <a:spcPct val="20000"/>
+              </a:spcBef>
+              <a:spcAft>
+                <a:spcPts val="0"/>
+              </a:spcAft>
+              <a:buClrTx/>
+              <a:buSzTx/>
+              <a:tabLst/>
+              <a:defRPr/>
+            </a:pPr>
+            <a:r>
+              <a:rPr kumimoji="0" lang="en-US" sz="1600" b="0" i="0" u="none" strike="noStrike" kern="1200" cap="none" spc="0" normalizeH="0" baseline="0" noProof="0" dirty="0" err="1" smtClean="0">
+                <a:ln>
+                  <a:noFill/>
+                </a:ln>
+                <a:solidFill>
+                  <a:schemeClr val="tx1"/>
+                </a:solidFill>
+                <a:effectLst/>
+                <a:uLnTx/>
+                <a:uFillTx/>
+                <a:latin typeface="Cambria" pitchFamily="18" charset="0"/>
+                <a:ea typeface="+mn-ea"/>
+                <a:cs typeface="+mn-cs"/>
+              </a:rPr>
+              <a:t>KGiSL</a:t>
+            </a:r>
+            <a:r>
+              <a:rPr kumimoji="0" lang="en-US" sz="1600" b="0" i="0" u="none" strike="noStrike" kern="1200" cap="none" spc="0" normalizeH="0" baseline="0" noProof="0" dirty="0" smtClean="0">
+                <a:ln>
+                  <a:noFill/>
+                </a:ln>
+                <a:solidFill>
+                  <a:schemeClr val="tx1"/>
+                </a:solidFill>
+                <a:effectLst/>
+                <a:uLnTx/>
+                <a:uFillTx/>
+                <a:latin typeface="Cambria" pitchFamily="18" charset="0"/>
+                <a:ea typeface="+mn-ea"/>
+                <a:cs typeface="+mn-cs"/>
+              </a:rPr>
+              <a:t> Institute of Technology,</a:t>
+            </a:r>
+          </a:p>
+          <a:p>
+            <a:pPr marL="342900" marR="0" lvl="0" indent="-342900" algn="r" defTabSz="914400" rtl="0" eaLnBrk="1" fontAlgn="auto" latinLnBrk="0" hangingPunct="1">
+              <a:lnSpc>
+                <a:spcPct val="100000"/>
+              </a:lnSpc>
+              <a:spcBef>
+                <a:spcPct val="20000"/>
+              </a:spcBef>
+              <a:spcAft>
+                <a:spcPts val="0"/>
+              </a:spcAft>
+              <a:buClrTx/>
+              <a:buSzTx/>
+              <a:tabLst/>
+              <a:defRPr/>
+            </a:pPr>
+            <a:r>
+              <a:rPr kumimoji="0" lang="en-US" sz="1600" b="0" i="0" u="none" strike="noStrike" kern="1200" cap="none" spc="0" normalizeH="0" baseline="0" noProof="0" dirty="0" smtClean="0">
+                <a:ln>
+                  <a:noFill/>
+                </a:ln>
+                <a:solidFill>
+                  <a:schemeClr val="tx1"/>
+                </a:solidFill>
+                <a:effectLst/>
+                <a:uLnTx/>
+                <a:uFillTx/>
+                <a:latin typeface="Cambria" pitchFamily="18" charset="0"/>
+                <a:ea typeface="+mn-ea"/>
+                <a:cs typeface="+mn-cs"/>
+              </a:rPr>
+              <a:t>email: </a:t>
+            </a:r>
+            <a:r>
+              <a:rPr kumimoji="0" lang="en-US" sz="1600" b="0" i="0" u="none" strike="noStrike" kern="1200" cap="none" spc="0" normalizeH="0" baseline="0" noProof="0" dirty="0" smtClean="0">
+                <a:ln>
+                  <a:noFill/>
+                </a:ln>
+                <a:solidFill>
+                  <a:schemeClr val="tx1"/>
+                </a:solidFill>
+                <a:effectLst/>
+                <a:uLnTx/>
+                <a:uFillTx/>
+                <a:latin typeface="Cambria" pitchFamily="18" charset="0"/>
+                <a:ea typeface="+mn-ea"/>
+                <a:cs typeface="+mn-cs"/>
+                <a:hlinkClick r:id="rId2"/>
+              </a:rPr>
+              <a:t>proffraja@gmail.com</a:t>
+            </a:r>
+            <a:endParaRPr lang="en-US" sz="1600" dirty="0" smtClean="0">
+              <a:latin typeface="Cambria" pitchFamily="18" charset="0"/>
+            </a:endParaRPr>
+          </a:p>
+          <a:p>
+            <a:pPr marL="342900" marR="0" lvl="0" indent="-342900" algn="r" defTabSz="914400" rtl="0" eaLnBrk="1" fontAlgn="auto" latinLnBrk="0" hangingPunct="1">
+              <a:lnSpc>
+                <a:spcPct val="100000"/>
+              </a:lnSpc>
+              <a:spcBef>
+                <a:spcPct val="20000"/>
+              </a:spcBef>
+              <a:spcAft>
+                <a:spcPts val="0"/>
+              </a:spcAft>
+              <a:buClrTx/>
+              <a:buSzTx/>
+              <a:tabLst/>
+              <a:defRPr/>
+            </a:pPr>
+            <a:r>
+              <a:rPr lang="en-US" sz="1600" dirty="0" err="1" smtClean="0">
+                <a:latin typeface="Cambria" pitchFamily="18" charset="0"/>
+              </a:rPr>
+              <a:t>Github:</a:t>
+            </a:r>
+            <a:r>
+              <a:rPr lang="en-US" sz="1600" dirty="0" err="1" smtClean="0">
+                <a:latin typeface="Cambria" pitchFamily="18" charset="0"/>
+                <a:hlinkClick r:id="rId3"/>
+              </a:rPr>
+              <a:t>www.github.com</a:t>
+            </a:r>
+            <a:r>
+              <a:rPr lang="en-US" sz="1600" dirty="0" smtClean="0">
+                <a:latin typeface="Cambria" pitchFamily="18" charset="0"/>
+                <a:hlinkClick r:id="rId3"/>
+              </a:rPr>
+              <a:t>/</a:t>
+            </a:r>
+            <a:r>
+              <a:rPr lang="en-US" sz="1600" dirty="0" err="1" smtClean="0">
+                <a:latin typeface="Cambria" pitchFamily="18" charset="0"/>
+                <a:hlinkClick r:id="rId3"/>
+              </a:rPr>
+              <a:t>rajasekaranap</a:t>
+            </a:r>
+            <a:endParaRPr lang="en-US" sz="1600" dirty="0" smtClean="0">
+              <a:latin typeface="Cambria" pitchFamily="18" charset="0"/>
+            </a:endParaRPr>
+          </a:p>
+          <a:p>
+            <a:pPr marL="342900" marR="0" lvl="0" indent="-342900" algn="r" defTabSz="914400" rtl="0" eaLnBrk="1" fontAlgn="auto" latinLnBrk="0" hangingPunct="1">
+              <a:lnSpc>
+                <a:spcPct val="100000"/>
+              </a:lnSpc>
+              <a:spcBef>
+                <a:spcPct val="20000"/>
+              </a:spcBef>
+              <a:spcAft>
+                <a:spcPts val="0"/>
+              </a:spcAft>
+              <a:buClrTx/>
+              <a:buSzTx/>
+              <a:tabLst/>
+              <a:defRPr/>
+            </a:pPr>
+            <a:endParaRPr lang="en-US" sz="1600" dirty="0" smtClean="0">
+              <a:latin typeface="Cambria" pitchFamily="18" charset="0"/>
+            </a:endParaRPr>
+          </a:p>
+        </p:txBody>
+      </p:sp>
+    </p:spTree>
+  </p:cSld>
+  <p:clrMapOvr>
+    <a:masterClrMapping/>
+  </p:clrMapOvr>
+  <p:timing>
+    <p:tnLst>
+      <p:par>
+        <p:cTn id="1" dur="indefinite" restart="never" nodeType="tmRoot"/>
+      </p:par>
+    </p:tnLst>
+  </p:timing>
+</p:sld>
+</file>
+
+<file path=ppt/slides/slide3.xml><?xml version="1.0" encoding="utf-8"?>
+<p:sld xmlns:a="http://schemas.openxmlformats.org/drawingml/2006/main" xmlns:r="http://schemas.openxmlformats.org/officeDocument/2006/relationships" xmlns:p="http://schemas.openxmlformats.org/presentationml/2006/main">
+  <p:cSld>
+    <p:spTree>
+      <p:nvGrpSpPr>
+        <p:cNvPr id="1" name=""/>
+        <p:cNvGrpSpPr/>
+        <p:nvPr/>
+      </p:nvGrpSpPr>
+      <p:grpSpPr>
+        <a:xfrm>
+          <a:off x="0" y="0"/>
+          <a:ext cx="0" cy="0"/>
+          <a:chOff x="0" y="0"/>
+          <a:chExt cx="0" cy="0"/>
+        </a:xfrm>
+      </p:grpSpPr>
+      <p:sp>
+        <p:nvSpPr>
+          <p:cNvPr id="2" name="Title 1"/>
+          <p:cNvSpPr>
+            <a:spLocks noGrp="1"/>
+          </p:cNvSpPr>
+          <p:nvPr>
+            <p:ph type="title"/>
+          </p:nvPr>
+        </p:nvSpPr>
+        <p:spPr/>
+        <p:txBody>
+          <a:bodyPr/>
+          <a:lstStyle/>
+          <a:p>
+            <a:r>
+              <a:rPr lang="en-IN" dirty="0" smtClean="0"/>
+              <a:t>Streams</a:t>
+            </a:r>
+            <a:endParaRPr lang="en-US" dirty="0"/>
+          </a:p>
+        </p:txBody>
+      </p:sp>
+      <p:sp>
+        <p:nvSpPr>
+          <p:cNvPr id="3" name="Content Placeholder 2"/>
+          <p:cNvSpPr>
+            <a:spLocks noGrp="1"/>
+          </p:cNvSpPr>
+          <p:nvPr>
+            <p:ph idx="1"/>
+          </p:nvPr>
+        </p:nvSpPr>
+        <p:spPr/>
+        <p:txBody>
+          <a:bodyPr/>
+          <a:lstStyle/>
+          <a:p>
+            <a:r>
+              <a:rPr lang="en-US" dirty="0" smtClean="0"/>
+              <a:t>Stream is a sequence of data.</a:t>
+            </a:r>
+          </a:p>
+          <a:p>
+            <a:r>
+              <a:rPr lang="en-US" dirty="0" smtClean="0"/>
+              <a:t>It can be obtained from a specific source.</a:t>
+            </a:r>
+          </a:p>
+          <a:p>
+            <a:r>
+              <a:rPr lang="en-US" dirty="0" smtClean="0"/>
+              <a:t>It is processed by the program to obtain desired results</a:t>
+            </a:r>
+            <a:r>
+              <a:rPr lang="en-US" dirty="0" smtClean="0"/>
+              <a:t>.</a:t>
+            </a:r>
+            <a:endParaRPr lang="en-US" dirty="0" smtClean="0"/>
+          </a:p>
+        </p:txBody>
+      </p:sp>
+      <p:graphicFrame>
+        <p:nvGraphicFramePr>
+          <p:cNvPr id="4" name="Table 3"/>
+          <p:cNvGraphicFramePr>
+            <a:graphicFrameLocks noGrp="1"/>
+          </p:cNvGraphicFramePr>
+          <p:nvPr/>
+        </p:nvGraphicFramePr>
+        <p:xfrm>
+          <a:off x="1447800" y="4572000"/>
+          <a:ext cx="6096000" cy="370840"/>
+        </p:xfrm>
+        <a:graphic>
+          <a:graphicData uri="http://schemas.openxmlformats.org/drawingml/2006/table">
+            <a:tbl>
+              <a:tblPr firstRow="1" bandRow="1">
+                <a:tableStyleId>{5C22544A-7EE6-4342-B048-85BDC9FD1C3A}</a:tableStyleId>
+              </a:tblPr>
+              <a:tblGrid>
+                <a:gridCol w="609600"/>
+                <a:gridCol w="609600"/>
+                <a:gridCol w="609600"/>
+                <a:gridCol w="609600"/>
+                <a:gridCol w="609600"/>
+                <a:gridCol w="609600"/>
+                <a:gridCol w="609600"/>
+                <a:gridCol w="609600"/>
+                <a:gridCol w="609600"/>
+                <a:gridCol w="609600"/>
+              </a:tblGrid>
+              <a:tr h="370840">
+                <a:tc>
+                  <a:txBody>
+                    <a:bodyPr/>
+                    <a:lstStyle/>
+                    <a:p>
+                      <a:pPr algn="ctr"/>
+                      <a:r>
+                        <a:rPr lang="en-IN" dirty="0" smtClean="0"/>
+                        <a:t>1</a:t>
+                      </a:r>
+                      <a:endParaRPr lang="en-US" dirty="0"/>
+                    </a:p>
+                  </a:txBody>
+                  <a:tcPr/>
+                </a:tc>
+                <a:tc>
+                  <a:txBody>
+                    <a:bodyPr/>
+                    <a:lstStyle/>
+                    <a:p>
+                      <a:pPr algn="ctr"/>
+                      <a:r>
+                        <a:rPr lang="en-IN" dirty="0" smtClean="0"/>
+                        <a:t>0</a:t>
+                      </a:r>
+                      <a:endParaRPr lang="en-US" dirty="0"/>
+                    </a:p>
+                  </a:txBody>
+                  <a:tcPr/>
+                </a:tc>
+                <a:tc>
+                  <a:txBody>
+                    <a:bodyPr/>
+                    <a:lstStyle/>
+                    <a:p>
+                      <a:pPr algn="ctr"/>
+                      <a:r>
+                        <a:rPr lang="en-IN" dirty="0" smtClean="0"/>
+                        <a:t>1</a:t>
+                      </a:r>
+                      <a:endParaRPr lang="en-US" dirty="0"/>
+                    </a:p>
+                  </a:txBody>
+                  <a:tcPr/>
+                </a:tc>
+                <a:tc>
+                  <a:txBody>
+                    <a:bodyPr/>
+                    <a:lstStyle/>
+                    <a:p>
+                      <a:pPr algn="ctr"/>
+                      <a:r>
+                        <a:rPr lang="en-IN" dirty="0" smtClean="0"/>
+                        <a:t>1</a:t>
+                      </a:r>
+                      <a:endParaRPr lang="en-US" dirty="0"/>
+                    </a:p>
+                  </a:txBody>
+                  <a:tcPr/>
+                </a:tc>
+                <a:tc>
+                  <a:txBody>
+                    <a:bodyPr/>
+                    <a:lstStyle/>
+                    <a:p>
+                      <a:pPr algn="ctr"/>
+                      <a:r>
+                        <a:rPr lang="en-IN" dirty="0" smtClean="0"/>
+                        <a:t>1</a:t>
+                      </a:r>
+                      <a:endParaRPr lang="en-US" dirty="0"/>
+                    </a:p>
+                  </a:txBody>
+                  <a:tcPr/>
+                </a:tc>
+                <a:tc>
+                  <a:txBody>
+                    <a:bodyPr/>
+                    <a:lstStyle/>
+                    <a:p>
+                      <a:pPr algn="ctr"/>
+                      <a:r>
+                        <a:rPr lang="en-IN" dirty="0" smtClean="0"/>
+                        <a:t>0</a:t>
+                      </a:r>
+                      <a:endParaRPr lang="en-US" dirty="0"/>
+                    </a:p>
+                  </a:txBody>
+                  <a:tcPr/>
+                </a:tc>
+                <a:tc>
+                  <a:txBody>
+                    <a:bodyPr/>
+                    <a:lstStyle/>
+                    <a:p>
+                      <a:pPr algn="ctr"/>
+                      <a:r>
+                        <a:rPr lang="en-IN" dirty="0" smtClean="0"/>
+                        <a:t>0</a:t>
+                      </a:r>
+                      <a:endParaRPr lang="en-US" dirty="0"/>
+                    </a:p>
+                  </a:txBody>
+                  <a:tcPr/>
+                </a:tc>
+                <a:tc>
+                  <a:txBody>
+                    <a:bodyPr/>
+                    <a:lstStyle/>
+                    <a:p>
+                      <a:pPr algn="ctr"/>
+                      <a:r>
+                        <a:rPr lang="en-IN" dirty="0" smtClean="0"/>
+                        <a:t>0</a:t>
+                      </a:r>
+                      <a:endParaRPr lang="en-US" dirty="0"/>
+                    </a:p>
+                  </a:txBody>
+                  <a:tcPr/>
+                </a:tc>
+                <a:tc>
+                  <a:txBody>
+                    <a:bodyPr/>
+                    <a:lstStyle/>
+                    <a:p>
+                      <a:pPr algn="ctr"/>
+                      <a:r>
+                        <a:rPr lang="en-IN" dirty="0" smtClean="0"/>
+                        <a:t>1</a:t>
+                      </a:r>
+                      <a:endParaRPr lang="en-US" dirty="0"/>
+                    </a:p>
+                  </a:txBody>
+                  <a:tcPr/>
+                </a:tc>
+                <a:tc>
+                  <a:txBody>
+                    <a:bodyPr/>
+                    <a:lstStyle/>
+                    <a:p>
+                      <a:pPr algn="ctr"/>
+                      <a:r>
+                        <a:rPr lang="en-IN" dirty="0" smtClean="0"/>
+                        <a:t>1</a:t>
+                      </a:r>
+                      <a:endParaRPr lang="en-US" dirty="0"/>
+                    </a:p>
+                  </a:txBody>
+                  <a:tcPr/>
+                </a:tc>
+              </a:tr>
+            </a:tbl>
+          </a:graphicData>
+        </a:graphic>
+      </p:graphicFrame>
+    </p:spTree>
+  </p:cSld>
+  <p:clrMapOvr>
+    <a:masterClrMapping/>
+  </p:clrMapOvr>
+</p:sld>
+</file>
+
+<file path=ppt/slides/slide4.xml><?xml version="1.0" encoding="utf-8"?>
+<p:sld xmlns:a="http://schemas.openxmlformats.org/drawingml/2006/main" xmlns:r="http://schemas.openxmlformats.org/officeDocument/2006/relationships" xmlns:p="http://schemas.openxmlformats.org/presentationml/2006/main">
+  <p:cSld>
+    <p:spTree>
+      <p:nvGrpSpPr>
+        <p:cNvPr id="1" name=""/>
+        <p:cNvGrpSpPr/>
+        <p:nvPr/>
+      </p:nvGrpSpPr>
+      <p:grpSpPr>
+        <a:xfrm>
+          <a:off x="0" y="0"/>
+          <a:ext cx="0" cy="0"/>
+          <a:chOff x="0" y="0"/>
+          <a:chExt cx="0" cy="0"/>
+        </a:xfrm>
+      </p:grpSpPr>
+      <p:sp>
+        <p:nvSpPr>
+          <p:cNvPr id="2" name="Title 1"/>
+          <p:cNvSpPr>
+            <a:spLocks noGrp="1"/>
+          </p:cNvSpPr>
+          <p:nvPr>
+            <p:ph type="title"/>
+          </p:nvPr>
+        </p:nvSpPr>
+        <p:spPr/>
+        <p:txBody>
+          <a:bodyPr/>
+          <a:lstStyle/>
+          <a:p>
+            <a:r>
+              <a:rPr lang="en-IN" dirty="0" smtClean="0"/>
+              <a:t>Types of Streams</a:t>
+            </a:r>
+            <a:endParaRPr lang="en-US" dirty="0"/>
+          </a:p>
+        </p:txBody>
+      </p:sp>
+      <p:graphicFrame>
+        <p:nvGraphicFramePr>
+          <p:cNvPr id="4" name="Content Placeholder 3"/>
+          <p:cNvGraphicFramePr>
+            <a:graphicFrameLocks noGrp="1"/>
+          </p:cNvGraphicFramePr>
+          <p:nvPr>
+            <p:ph idx="1"/>
+          </p:nvPr>
+        </p:nvGraphicFramePr>
+        <p:xfrm>
+          <a:off x="457200" y="1752600"/>
+          <a:ext cx="8229600" cy="3992563"/>
+        </p:xfrm>
+        <a:graphic>
+          <a:graphicData uri="http://schemas.openxmlformats.org/drawingml/2006/diagram">
+            <dgm:relIds xmlns:dgm="http://schemas.openxmlformats.org/drawingml/2006/diagram" xmlns:r="http://schemas.openxmlformats.org/officeDocument/2006/relationships" r:dm="rId2" r:lo="rId3" r:qs="rId4" r:cs="rId5"/>
+          </a:graphicData>
+        </a:graphic>
+      </p:graphicFrame>
+    </p:spTree>
+  </p:cSld>
+  <p:clrMapOvr>
+    <a:masterClrMapping/>
+  </p:clrMapOvr>
+</p:sld>
+</file>
+
+<file path=ppt/slides/slide5.xml><?xml version="1.0" encoding="utf-8"?>
+<p:sld xmlns:a="http://schemas.openxmlformats.org/drawingml/2006/main" xmlns:r="http://schemas.openxmlformats.org/officeDocument/2006/relationships" xmlns:p="http://schemas.openxmlformats.org/presentationml/2006/main">
+  <p:cSld>
+    <p:spTree>
+      <p:nvGrpSpPr>
+        <p:cNvPr id="1" name=""/>
+        <p:cNvGrpSpPr/>
+        <p:nvPr/>
+      </p:nvGrpSpPr>
+      <p:grpSpPr>
+        <a:xfrm>
+          <a:off x="0" y="0"/>
+          <a:ext cx="0" cy="0"/>
+          <a:chOff x="0" y="0"/>
+          <a:chExt cx="0" cy="0"/>
+        </a:xfrm>
+      </p:grpSpPr>
+      <p:sp>
+        <p:nvSpPr>
+          <p:cNvPr id="2" name="Title 1"/>
+          <p:cNvSpPr>
+            <a:spLocks noGrp="1"/>
+          </p:cNvSpPr>
+          <p:nvPr>
+            <p:ph type="title"/>
+          </p:nvPr>
+        </p:nvSpPr>
+        <p:spPr/>
+        <p:txBody>
+          <a:bodyPr/>
+          <a:lstStyle/>
+          <a:p>
+            <a:r>
+              <a:rPr lang="en-IN" dirty="0" smtClean="0"/>
+              <a:t>Standard Streams</a:t>
+            </a:r>
+            <a:endParaRPr lang="en-US" dirty="0"/>
+          </a:p>
+        </p:txBody>
+      </p:sp>
+      <p:graphicFrame>
+        <p:nvGraphicFramePr>
+          <p:cNvPr id="4" name="Content Placeholder 3"/>
+          <p:cNvGraphicFramePr>
+            <a:graphicFrameLocks noGrp="1"/>
+          </p:cNvGraphicFramePr>
+          <p:nvPr>
+            <p:ph idx="1"/>
+          </p:nvPr>
+        </p:nvGraphicFramePr>
+        <p:xfrm>
+          <a:off x="457200" y="1752600"/>
+          <a:ext cx="8229600" cy="3992563"/>
+        </p:xfrm>
+        <a:graphic>
+          <a:graphicData uri="http://schemas.openxmlformats.org/drawingml/2006/diagram">
+            <dgm:relIds xmlns:dgm="http://schemas.openxmlformats.org/drawingml/2006/diagram" xmlns:r="http://schemas.openxmlformats.org/officeDocument/2006/relationships" r:dm="rId2" r:lo="rId3" r:qs="rId4" r:cs="rId5"/>
+          </a:graphicData>
+        </a:graphic>
+      </p:graphicFrame>
+    </p:spTree>
+  </p:cSld>
+  <p:clrMapOvr>
+    <a:masterClrMapping/>
+  </p:clrMapOvr>
+</p:sld>
+</file>
+
+<file path=ppt/slides/slide6.xml><?xml version="1.0" encoding="utf-8"?>
+<p:sld xmlns:a="http://schemas.openxmlformats.org/drawingml/2006/main" xmlns:r="http://schemas.openxmlformats.org/officeDocument/2006/relationships" xmlns:p="http://schemas.openxmlformats.org/presentationml/2006/main">
+  <p:cSld>
+    <p:spTree>
+      <p:nvGrpSpPr>
+        <p:cNvPr id="1" name=""/>
+        <p:cNvGrpSpPr/>
+        <p:nvPr/>
+      </p:nvGrpSpPr>
+      <p:grpSpPr>
+        <a:xfrm>
+          <a:off x="0" y="0"/>
+          <a:ext cx="0" cy="0"/>
+          <a:chOff x="0" y="0"/>
+          <a:chExt cx="0" cy="0"/>
+        </a:xfrm>
+      </p:grpSpPr>
+      <p:sp>
+        <p:nvSpPr>
+          <p:cNvPr id="2" name="Title 1"/>
+          <p:cNvSpPr>
+            <a:spLocks noGrp="1"/>
+          </p:cNvSpPr>
+          <p:nvPr>
+            <p:ph type="title"/>
+          </p:nvPr>
+        </p:nvSpPr>
+        <p:spPr/>
+        <p:txBody>
+          <a:bodyPr>
+            <a:normAutofit/>
+          </a:bodyPr>
+          <a:lstStyle/>
+          <a:p>
+            <a:r>
+              <a:rPr lang="en-IN" sz="3600" dirty="0" smtClean="0"/>
+              <a:t>Types of Stream </a:t>
+            </a:r>
+            <a:br>
+              <a:rPr lang="en-IN" sz="3600" dirty="0" smtClean="0"/>
+            </a:br>
+            <a:r>
+              <a:rPr lang="en-IN" sz="2800" b="1" i="1" dirty="0" smtClean="0"/>
+              <a:t>Based of Data Handling</a:t>
+            </a:r>
+            <a:endParaRPr lang="en-US" sz="2800" b="1" i="1" dirty="0"/>
+          </a:p>
+        </p:txBody>
+      </p:sp>
+      <p:graphicFrame>
+        <p:nvGraphicFramePr>
+          <p:cNvPr id="4" name="Content Placeholder 3"/>
+          <p:cNvGraphicFramePr>
+            <a:graphicFrameLocks noGrp="1"/>
+          </p:cNvGraphicFramePr>
+          <p:nvPr>
+            <p:ph idx="1"/>
+          </p:nvPr>
+        </p:nvGraphicFramePr>
+        <p:xfrm>
+          <a:off x="457200" y="1752600"/>
+          <a:ext cx="8229600" cy="3992563"/>
+        </p:xfrm>
+        <a:graphic>
+          <a:graphicData uri="http://schemas.openxmlformats.org/drawingml/2006/diagram">
+            <dgm:relIds xmlns:dgm="http://schemas.openxmlformats.org/drawingml/2006/diagram" xmlns:r="http://schemas.openxmlformats.org/officeDocument/2006/relationships" r:dm="rId2" r:lo="rId3" r:qs="rId4" r:cs="rId5"/>
+          </a:graphicData>
+        </a:graphic>
+      </p:graphicFrame>
+    </p:spTree>
+  </p:cSld>
+  <p:clrMapOvr>
+    <a:masterClrMapping/>
+  </p:clrMapOvr>
+</p:sld>
+</file>
+
+<file path=ppt/slides/slide7.xml><?xml version="1.0" encoding="utf-8"?>
+<p:sld xmlns:a="http://schemas.openxmlformats.org/drawingml/2006/main" xmlns:r="http://schemas.openxmlformats.org/officeDocument/2006/relationships" xmlns:p="http://schemas.openxmlformats.org/presentationml/2006/main">
+  <p:cSld>
+    <p:spTree>
+      <p:nvGrpSpPr>
+        <p:cNvPr id="1" name=""/>
+        <p:cNvGrpSpPr/>
+        <p:nvPr/>
+      </p:nvGrpSpPr>
+      <p:grpSpPr>
+        <a:xfrm>
+          <a:off x="0" y="0"/>
+          <a:ext cx="0" cy="0"/>
+          <a:chOff x="0" y="0"/>
+          <a:chExt cx="0" cy="0"/>
+        </a:xfrm>
+      </p:grpSpPr>
+      <p:sp>
+        <p:nvSpPr>
+          <p:cNvPr id="2" name="Title 1"/>
+          <p:cNvSpPr>
+            <a:spLocks noGrp="1"/>
+          </p:cNvSpPr>
+          <p:nvPr>
+            <p:ph type="title"/>
+          </p:nvPr>
+        </p:nvSpPr>
+        <p:spPr/>
+        <p:txBody>
+          <a:bodyPr/>
+          <a:lstStyle/>
+          <a:p>
+            <a:r>
+              <a:rPr lang="en-IN" dirty="0" smtClean="0"/>
+              <a:t>Byte Streams</a:t>
+            </a:r>
+            <a:endParaRPr lang="en-US" dirty="0"/>
+          </a:p>
+        </p:txBody>
+      </p:sp>
+      <p:sp>
+        <p:nvSpPr>
+          <p:cNvPr id="3" name="Content Placeholder 2"/>
+          <p:cNvSpPr>
+            <a:spLocks noGrp="1"/>
+          </p:cNvSpPr>
+          <p:nvPr>
+            <p:ph idx="1"/>
+          </p:nvPr>
+        </p:nvSpPr>
+        <p:spPr/>
+        <p:txBody>
+          <a:bodyPr>
+            <a:normAutofit/>
+          </a:bodyPr>
+          <a:lstStyle/>
+          <a:p>
+            <a:r>
+              <a:rPr lang="en-US" dirty="0" smtClean="0"/>
+              <a:t>Byte streams process data byte by byte (8 bits)</a:t>
+            </a:r>
+          </a:p>
+          <a:p>
+            <a:r>
+              <a:rPr lang="en-IN" dirty="0" smtClean="0"/>
+              <a:t>Suitable to perform reading and writing in binary files.</a:t>
+            </a:r>
+          </a:p>
+          <a:p>
+            <a:r>
+              <a:rPr lang="en-IN" dirty="0" err="1" smtClean="0"/>
+              <a:t>Eg</a:t>
+            </a:r>
+            <a:r>
+              <a:rPr lang="en-IN" dirty="0" smtClean="0"/>
+              <a:t>:</a:t>
+            </a:r>
+          </a:p>
+          <a:p>
+            <a:pPr lvl="1"/>
+            <a:r>
+              <a:rPr lang="en-IN" dirty="0" err="1" smtClean="0"/>
+              <a:t>FileInputStream</a:t>
+            </a:r>
+            <a:endParaRPr lang="en-IN" dirty="0" smtClean="0"/>
+          </a:p>
+          <a:p>
+            <a:pPr lvl="1"/>
+            <a:r>
+              <a:rPr lang="en-IN" dirty="0" err="1" smtClean="0"/>
+              <a:t>FileOutputStream</a:t>
+            </a:r>
+            <a:endParaRPr lang="en-IN" dirty="0" smtClean="0"/>
+          </a:p>
+          <a:p>
+            <a:pPr lvl="1"/>
+            <a:endParaRPr lang="en-IN" dirty="0" smtClean="0"/>
+          </a:p>
+          <a:p>
+            <a:endParaRPr lang="en-US" dirty="0"/>
+          </a:p>
+        </p:txBody>
+      </p:sp>
+    </p:spTree>
+  </p:cSld>
+  <p:clrMapOvr>
+    <a:masterClrMapping/>
+  </p:clrMapOvr>
+</p:sld>
+</file>
+
+<file path=ppt/slides/slide8.xml><?xml version="1.0" encoding="utf-8"?>
+<p:sld xmlns:a="http://schemas.openxmlformats.org/drawingml/2006/main" xmlns:r="http://schemas.openxmlformats.org/officeDocument/2006/relationships" xmlns:p="http://schemas.openxmlformats.org/presentationml/2006/main">
+  <p:cSld>
+    <p:spTree>
+      <p:nvGrpSpPr>
+        <p:cNvPr id="1" name=""/>
+        <p:cNvGrpSpPr/>
+        <p:nvPr/>
+      </p:nvGrpSpPr>
+      <p:grpSpPr>
+        <a:xfrm>
+          <a:off x="0" y="0"/>
+          <a:ext cx="0" cy="0"/>
+          <a:chOff x="0" y="0"/>
+          <a:chExt cx="0" cy="0"/>
+        </a:xfrm>
+      </p:grpSpPr>
+      <p:sp>
+        <p:nvSpPr>
+          <p:cNvPr id="2" name="Title 1"/>
+          <p:cNvSpPr>
+            <a:spLocks noGrp="1"/>
+          </p:cNvSpPr>
+          <p:nvPr>
+            <p:ph type="title"/>
+          </p:nvPr>
+        </p:nvSpPr>
+        <p:spPr/>
+        <p:txBody>
+          <a:bodyPr/>
+          <a:lstStyle/>
+          <a:p>
+            <a:r>
+              <a:rPr lang="en-IN" dirty="0" err="1" smtClean="0"/>
+              <a:t>OutputStream</a:t>
+            </a:r>
+            <a:r>
+              <a:rPr lang="en-IN" dirty="0" smtClean="0"/>
+              <a:t> </a:t>
+            </a:r>
+            <a:r>
+              <a:rPr lang="en-IN" dirty="0" err="1" smtClean="0"/>
+              <a:t>vs</a:t>
+            </a:r>
+            <a:r>
+              <a:rPr lang="en-IN" dirty="0" smtClean="0"/>
+              <a:t> </a:t>
+            </a:r>
+            <a:r>
+              <a:rPr lang="en-IN" dirty="0" err="1" smtClean="0"/>
+              <a:t>InputStream</a:t>
+            </a:r>
+            <a:endParaRPr lang="en-US" dirty="0"/>
+          </a:p>
+        </p:txBody>
+      </p:sp>
+      <p:pic>
+        <p:nvPicPr>
+          <p:cNvPr id="1026" name="Picture 2" descr="Java IO"/>
+          <p:cNvPicPr>
+            <a:picLocks noChangeAspect="1" noChangeArrowheads="1"/>
+          </p:cNvPicPr>
+          <p:nvPr/>
+        </p:nvPicPr>
+        <p:blipFill>
+          <a:blip r:embed="rId2"/>
+          <a:srcRect/>
+          <a:stretch>
+            <a:fillRect/>
+          </a:stretch>
+        </p:blipFill>
+        <p:spPr bwMode="auto">
+          <a:xfrm>
+            <a:off x="448168" y="2362200"/>
+            <a:ext cx="8391032" cy="2667000"/>
+          </a:xfrm>
+          <a:prstGeom prst="rect">
+            <a:avLst/>
+          </a:prstGeom>
+          <a:noFill/>
+        </p:spPr>
+      </p:pic>
+    </p:spTree>
+  </p:cSld>
+  <p:clrMapOvr>
+    <a:masterClrMapping/>
+  </p:clrMapOvr>
+</p:sld>
+</file>
+
+<file path=ppt/slides/slide9.xml><?xml version="1.0" encoding="utf-8"?>
+<p:sld xmlns:a="http://schemas.openxmlformats.org/drawingml/2006/main" xmlns:r="http://schemas.openxmlformats.org/officeDocument/2006/relationships" xmlns:p="http://schemas.openxmlformats.org/presentationml/2006/main">
+  <p:cSld>
+    <p:spTree>
+      <p:nvGrpSpPr>
+        <p:cNvPr id="1" name=""/>
+        <p:cNvGrpSpPr/>
+        <p:nvPr/>
+      </p:nvGrpSpPr>
+      <p:grpSpPr>
+        <a:xfrm>
+          <a:off x="0" y="0"/>
+          <a:ext cx="0" cy="0"/>
+          <a:chOff x="0" y="0"/>
+          <a:chExt cx="0" cy="0"/>
+        </a:xfrm>
+      </p:grpSpPr>
+      <p:sp>
+        <p:nvSpPr>
+          <p:cNvPr id="2" name="Title 1"/>
+          <p:cNvSpPr>
+            <a:spLocks noGrp="1"/>
+          </p:cNvSpPr>
+          <p:nvPr>
+            <p:ph type="title"/>
+          </p:nvPr>
+        </p:nvSpPr>
+        <p:spPr/>
+        <p:txBody>
+          <a:bodyPr/>
+          <a:lstStyle/>
+          <a:p>
+            <a:r>
+              <a:rPr lang="en-IN" dirty="0" err="1" smtClean="0"/>
+              <a:t>OutputStream</a:t>
+            </a:r>
+            <a:r>
+              <a:rPr lang="en-IN" dirty="0" smtClean="0"/>
+              <a:t> </a:t>
+            </a:r>
+            <a:r>
+              <a:rPr lang="en-IN" dirty="0" err="1" smtClean="0"/>
+              <a:t>vs</a:t>
+            </a:r>
+            <a:r>
+              <a:rPr lang="en-IN" dirty="0" smtClean="0"/>
+              <a:t> </a:t>
+            </a:r>
+            <a:r>
+              <a:rPr lang="en-IN" dirty="0" err="1" smtClean="0"/>
+              <a:t>InputStream</a:t>
+            </a:r>
+            <a:endParaRPr lang="en-US" dirty="0"/>
+          </a:p>
+        </p:txBody>
+      </p:sp>
+      <p:sp>
+        <p:nvSpPr>
+          <p:cNvPr id="3" name="Content Placeholder 2"/>
+          <p:cNvSpPr>
+            <a:spLocks noGrp="1"/>
+          </p:cNvSpPr>
+          <p:nvPr>
+            <p:ph idx="1"/>
+          </p:nvPr>
+        </p:nvSpPr>
+        <p:spPr/>
+        <p:txBody>
+          <a:bodyPr>
+            <a:normAutofit fontScale="92500" lnSpcReduction="10000"/>
+          </a:bodyPr>
+          <a:lstStyle/>
+          <a:p>
+            <a:r>
+              <a:rPr lang="en-IN" dirty="0" err="1" smtClean="0"/>
+              <a:t>OutputStream</a:t>
+            </a:r>
+            <a:endParaRPr lang="en-IN" dirty="0" smtClean="0"/>
+          </a:p>
+          <a:p>
+            <a:pPr lvl="1"/>
+            <a:r>
+              <a:rPr lang="en-IN" dirty="0" smtClean="0"/>
+              <a:t>It is an abstract class.</a:t>
+            </a:r>
+          </a:p>
+          <a:p>
+            <a:pPr lvl="1"/>
+            <a:r>
+              <a:rPr lang="en-IN" dirty="0" smtClean="0"/>
+              <a:t>It helps to write a data to the destination.</a:t>
+            </a:r>
+          </a:p>
+          <a:p>
+            <a:pPr lvl="1"/>
+            <a:r>
+              <a:rPr lang="en-US" dirty="0" smtClean="0"/>
+              <a:t> It is the </a:t>
+            </a:r>
+            <a:r>
+              <a:rPr lang="en-US" dirty="0" err="1" smtClean="0"/>
+              <a:t>superclass</a:t>
+            </a:r>
+            <a:r>
+              <a:rPr lang="en-US" dirty="0" smtClean="0"/>
+              <a:t> of all classes representing an output stream of bytes.</a:t>
+            </a:r>
+          </a:p>
+          <a:p>
+            <a:r>
+              <a:rPr lang="en-IN" dirty="0" err="1" smtClean="0"/>
+              <a:t>InputStream</a:t>
+            </a:r>
+            <a:endParaRPr lang="en-IN" dirty="0" smtClean="0"/>
+          </a:p>
+          <a:p>
+            <a:pPr lvl="1"/>
+            <a:r>
+              <a:rPr lang="en-IN" dirty="0" smtClean="0"/>
+              <a:t>It is an abstract class.</a:t>
+            </a:r>
+          </a:p>
+          <a:p>
+            <a:pPr lvl="1"/>
+            <a:r>
+              <a:rPr lang="en-IN" dirty="0" smtClean="0"/>
+              <a:t>It helps to read a data to the source.</a:t>
+            </a:r>
+          </a:p>
+          <a:p>
+            <a:pPr lvl="1"/>
+            <a:r>
+              <a:rPr lang="en-US" dirty="0" smtClean="0"/>
+              <a:t>It is the </a:t>
+            </a:r>
+            <a:r>
+              <a:rPr lang="en-US" dirty="0" err="1" smtClean="0"/>
+              <a:t>superclass</a:t>
+            </a:r>
+            <a:r>
+              <a:rPr lang="en-US" dirty="0" smtClean="0"/>
+              <a:t> of all classes representing an input stream of bytes.</a:t>
+            </a:r>
+            <a:endParaRPr lang="en-IN" dirty="0" smtClean="0"/>
+          </a:p>
+          <a:p>
+            <a:pPr lvl="1"/>
+            <a:endParaRPr lang="en-US" dirty="0"/>
+          </a:p>
+        </p:txBody>
+      </p:sp>
     </p:spTree>
   </p:cSld>
   <p:clrMapOvr>
